--- a/server-side/server/teacher/downloaded-presentations/Large Language Models/Colbert.pptx
+++ b/server-side/server/teacher/downloaded-presentations/Large Language Models/Colbert.pptx
@@ -42,8 +42,6 @@
     <p:sldId id="290" r:id="rId41"/>
     <p:sldId id="291" r:id="rId42"/>
     <p:sldId id="292" r:id="rId43"/>
-    <p:sldId id="293" r:id="rId44"/>
-    <p:sldId id="294" r:id="rId45"/>
   </p:sldIdLst>
   <p:sldSz cx="9144000" cy="6858000" type="screen4x3"/>
   <p:notesSz cx="6858000" cy="9144000"/>
@@ -3233,7 +3231,7 @@
               </a:defRPr>
             </a:pPr>
             <a:r>
-              <a:t>How ColBERT Works</a:t>
+              <a:t>How ColBERT Works (Step-by-Step)</a:t>
             </a:r>
           </a:p>
         </p:txBody>
@@ -3695,7 +3693,7 @@
               </a:defRPr>
             </a:pPr>
             <a:r>
-              <a:t>The MaxSim Mechanism</a:t>
+              <a:t>The MaxSim Mechanism Explained</a:t>
             </a:r>
           </a:p>
         </p:txBody>
@@ -3849,7 +3847,7 @@
               </a:defRPr>
             </a:pPr>
             <a:r>
-              <a:t>MaxSim in Action</a:t>
+              <a:t>MaxSim in Action: An Example</a:t>
             </a:r>
           </a:p>
         </p:txBody>
@@ -4773,7 +4771,7 @@
               </a:defRPr>
             </a:pPr>
             <a:r>
-              <a:t>ColBERT and MaxSim (Late Interaction)</a:t>
+              <a:t>ColBERT and MaxSim: An Example of Late Interaction</a:t>
             </a:r>
           </a:p>
         </p:txBody>
@@ -4927,7 +4925,7 @@
               </a:defRPr>
             </a:pPr>
             <a:r>
-              <a:t>Choosing Between Early and Late Interaction</a:t>
+              <a:t>Computational Cost Analysis of Retrieval Methods</a:t>
             </a:r>
           </a:p>
         </p:txBody>
@@ -5004,7 +5002,7 @@
               </a:defRPr>
             </a:pPr>
             <a:r>
-              <a:t>Real-world Applications of Early and Late Interaction</a:t>
+              <a:t>The Challenge of Efficient Retrieval</a:t>
             </a:r>
           </a:p>
         </p:txBody>
@@ -5081,7 +5079,7 @@
               </a:defRPr>
             </a:pPr>
             <a:r>
-              <a:t>Computational Cost Analysis of Retrieval Methods</a:t>
+              <a:t>Single Vector vs. Bag-of-Vectors</a:t>
             </a:r>
           </a:p>
         </p:txBody>
@@ -5158,7 +5156,7 @@
               </a:defRPr>
             </a:pPr>
             <a:r>
-              <a:t>The Challenge of Efficient Retrieval</a:t>
+              <a:t>ColBERT and MaxSim</a:t>
             </a:r>
           </a:p>
         </p:txBody>
@@ -5235,7 +5233,7 @@
               </a:defRPr>
             </a:pPr>
             <a:r>
-              <a:t>Single Vector vs. Bag-of-Vectors</a:t>
+              <a:t>Approximate Nearest Neighbor Search (ANN)</a:t>
             </a:r>
           </a:p>
         </p:txBody>
@@ -5312,7 +5310,7 @@
               </a:defRPr>
             </a:pPr>
             <a:r>
-              <a:t>ColBERT and MaxSim</a:t>
+              <a:t>Phased Retrieval and Ranking</a:t>
             </a:r>
           </a:p>
         </p:txBody>
@@ -5389,7 +5387,7 @@
               </a:defRPr>
             </a:pPr>
             <a:r>
-              <a:t>Approximate Nearest Neighbor Search (ANN)</a:t>
+              <a:t>Computational Cost Trade-offs</a:t>
             </a:r>
           </a:p>
         </p:txBody>
@@ -5466,160 +5464,6 @@
               </a:defRPr>
             </a:pPr>
             <a:r>
-              <a:t>Phased Retrieval and Ranking</a:t>
-            </a:r>
-          </a:p>
-        </p:txBody>
-      </p:sp>
-      <p:sp>
-        <p:nvSpPr>
-          <p:cNvPr id="3" name="TextBox 2"/>
-          <p:cNvSpPr txBox="1"/>
-          <p:nvPr/>
-        </p:nvSpPr>
-        <p:spPr>
-          <a:xfrm>
-            <a:off x="457200" y="1371600"/>
-            <a:ext cx="8229600" cy="3657600"/>
-          </a:xfrm>
-          <a:prstGeom prst="rect">
-            <a:avLst/>
-          </a:prstGeom>
-          <a:noFill/>
-        </p:spPr>
-        <p:txBody>
-          <a:bodyPr wrap="none">
-            <a:spAutoFit/>
-          </a:bodyPr>
-          <a:lstStyle/>
-          <a:p/>
-        </p:txBody>
-      </p:sp>
-    </p:spTree>
-  </p:cSld>
-  <p:clrMapOvr>
-    <a:masterClrMapping/>
-  </p:clrMapOvr>
-</p:sld>
-</file>
-
-<file path=ppt/slides/slide38.xml><?xml version="1.0" encoding="utf-8"?>
-<p:sld xmlns:a="http://schemas.openxmlformats.org/drawingml/2006/main" xmlns:p="http://schemas.openxmlformats.org/presentationml/2006/main" xmlns:r="http://schemas.openxmlformats.org/officeDocument/2006/relationships">
-  <p:cSld>
-    <p:spTree>
-      <p:nvGrpSpPr>
-        <p:cNvPr id="1" name=""/>
-        <p:cNvGrpSpPr/>
-        <p:nvPr/>
-      </p:nvGrpSpPr>
-      <p:grpSpPr/>
-      <p:sp>
-        <p:nvSpPr>
-          <p:cNvPr id="2" name="TextBox 1"/>
-          <p:cNvSpPr txBox="1"/>
-          <p:nvPr/>
-        </p:nvSpPr>
-        <p:spPr>
-          <a:xfrm>
-            <a:off x="457200" y="457200"/>
-            <a:ext cx="8229600" cy="914400"/>
-          </a:xfrm>
-          <a:prstGeom prst="rect">
-            <a:avLst/>
-          </a:prstGeom>
-          <a:noFill/>
-        </p:spPr>
-        <p:txBody>
-          <a:bodyPr wrap="none">
-            <a:spAutoFit/>
-          </a:bodyPr>
-          <a:lstStyle/>
-          <a:p>
-            <a:pPr algn="ctr">
-              <a:defRPr sz="3200" b="1">
-                <a:solidFill>
-                  <a:srgbClr val="003366"/>
-                </a:solidFill>
-              </a:defRPr>
-            </a:pPr>
-            <a:r>
-              <a:t>Computational Cost Trade-offs</a:t>
-            </a:r>
-          </a:p>
-        </p:txBody>
-      </p:sp>
-      <p:sp>
-        <p:nvSpPr>
-          <p:cNvPr id="3" name="TextBox 2"/>
-          <p:cNvSpPr txBox="1"/>
-          <p:nvPr/>
-        </p:nvSpPr>
-        <p:spPr>
-          <a:xfrm>
-            <a:off x="457200" y="1371600"/>
-            <a:ext cx="8229600" cy="3657600"/>
-          </a:xfrm>
-          <a:prstGeom prst="rect">
-            <a:avLst/>
-          </a:prstGeom>
-          <a:noFill/>
-        </p:spPr>
-        <p:txBody>
-          <a:bodyPr wrap="none">
-            <a:spAutoFit/>
-          </a:bodyPr>
-          <a:lstStyle/>
-          <a:p/>
-        </p:txBody>
-      </p:sp>
-    </p:spTree>
-  </p:cSld>
-  <p:clrMapOvr>
-    <a:masterClrMapping/>
-  </p:clrMapOvr>
-</p:sld>
-</file>
-
-<file path=ppt/slides/slide39.xml><?xml version="1.0" encoding="utf-8"?>
-<p:sld xmlns:a="http://schemas.openxmlformats.org/drawingml/2006/main" xmlns:p="http://schemas.openxmlformats.org/presentationml/2006/main" xmlns:r="http://schemas.openxmlformats.org/officeDocument/2006/relationships">
-  <p:cSld>
-    <p:spTree>
-      <p:nvGrpSpPr>
-        <p:cNvPr id="1" name=""/>
-        <p:cNvGrpSpPr/>
-        <p:nvPr/>
-      </p:nvGrpSpPr>
-      <p:grpSpPr/>
-      <p:sp>
-        <p:nvSpPr>
-          <p:cNvPr id="2" name="TextBox 1"/>
-          <p:cNvSpPr txBox="1"/>
-          <p:nvPr/>
-        </p:nvSpPr>
-        <p:spPr>
-          <a:xfrm>
-            <a:off x="457200" y="457200"/>
-            <a:ext cx="8229600" cy="914400"/>
-          </a:xfrm>
-          <a:prstGeom prst="rect">
-            <a:avLst/>
-          </a:prstGeom>
-          <a:noFill/>
-        </p:spPr>
-        <p:txBody>
-          <a:bodyPr wrap="none">
-            <a:spAutoFit/>
-          </a:bodyPr>
-          <a:lstStyle/>
-          <a:p>
-            <a:pPr algn="ctr">
-              <a:defRPr sz="3200" b="1">
-                <a:solidFill>
-                  <a:srgbClr val="003366"/>
-                </a:solidFill>
-              </a:defRPr>
-            </a:pPr>
-            <a:r>
               <a:t>Real-world Examples and Applications</a:t>
             </a:r>
           </a:p>
@@ -6082,7 +5926,7 @@
               </a:defRPr>
             </a:pPr>
             <a:r>
-              <a:t>Key Concepts of ColBERT</a:t>
+              <a:t>Key Concepts in ColBERT</a:t>
             </a:r>
           </a:p>
         </p:txBody>

--- a/server-side/server/teacher/downloaded-presentations/Large Language Models/Colbert.pptx
+++ b/server-side/server/teacher/downloaded-presentations/Large Language Models/Colbert.pptx
@@ -28,20 +28,6 @@
     <p:sldId id="276" r:id="rId27"/>
     <p:sldId id="277" r:id="rId28"/>
     <p:sldId id="278" r:id="rId29"/>
-    <p:sldId id="279" r:id="rId30"/>
-    <p:sldId id="280" r:id="rId31"/>
-    <p:sldId id="281" r:id="rId32"/>
-    <p:sldId id="282" r:id="rId33"/>
-    <p:sldId id="283" r:id="rId34"/>
-    <p:sldId id="284" r:id="rId35"/>
-    <p:sldId id="285" r:id="rId36"/>
-    <p:sldId id="286" r:id="rId37"/>
-    <p:sldId id="287" r:id="rId38"/>
-    <p:sldId id="288" r:id="rId39"/>
-    <p:sldId id="289" r:id="rId40"/>
-    <p:sldId id="290" r:id="rId41"/>
-    <p:sldId id="291" r:id="rId42"/>
-    <p:sldId id="292" r:id="rId43"/>
   </p:sldIdLst>
   <p:sldSz cx="9144000" cy="6858000" type="screen4x3"/>
   <p:notesSz cx="6858000" cy="9144000"/>
@@ -3154,7 +3140,7 @@
               </a:defRPr>
             </a:pPr>
             <a:r>
-              <a:t>Multi-Vector Embeddings in Transformers</a:t>
+              <a:t>Multi-Vector Embeddings: A Revolution in Information Retrieval</a:t>
             </a:r>
           </a:p>
         </p:txBody>
@@ -3181,6 +3167,62 @@
           </a:bodyPr>
           <a:lstStyle/>
           <a:p/>
+          <a:p>
+            <a:pPr lvl="1">
+              <a:defRPr sz="1600"/>
+            </a:pPr>
+            <a:r>
+              <a:t>Moves beyond single-vector representations, capturing richer document aspects.</a:t>
+            </a:r>
+          </a:p>
+          <a:p>
+            <a:pPr lvl="1">
+              <a:defRPr sz="1600"/>
+            </a:pPr>
+            <a:r>
+              <a:t>Uses a "bag-of-vectors," each representing a different feature (word, phrase, image).</a:t>
+            </a:r>
+          </a:p>
+          <a:p>
+            <a:pPr lvl="1">
+              <a:defRPr sz="1600"/>
+            </a:pPr>
+            <a:r>
+              <a:t>Improves search accuracy by allowing for more nuanced matching.</a:t>
+            </a:r>
+          </a:p>
+          <a:p>
+            <a:pPr lvl="1">
+              <a:defRPr sz="1600"/>
+            </a:pPr>
+            <a:r>
+              <a:t>Particularly beneficial for complex documents with diverse information (text &amp; images).</a:t>
+            </a:r>
+          </a:p>
+          <a:p>
+            <a:pPr lvl="1">
+              <a:defRPr sz="1600"/>
+            </a:pPr>
+            <a:r>
+              <a:t>Examples: Textual embeddings (word-level), Visual embeddings (ColPali - image patches).</a:t>
+            </a:r>
+          </a:p>
+          <a:p>
+            <a:pPr lvl="1">
+              <a:defRPr sz="1600"/>
+            </a:pPr>
+            <a:r>
+              <a:t>Enhanced search efficiency through focused comparison of relevant parts.</a:t>
+            </a:r>
+          </a:p>
+          <a:p>
+            <a:pPr lvl="1">
+              <a:defRPr sz="1600"/>
+            </a:pPr>
+            <a:r>
+              <a:t>Handles diverse data modalities seamlessly.</a:t>
+            </a:r>
+          </a:p>
         </p:txBody>
       </p:sp>
     </p:spTree>
@@ -3231,7 +3273,7 @@
               </a:defRPr>
             </a:pPr>
             <a:r>
-              <a:t>How ColBERT Works (Step-by-Step)</a:t>
+              <a:t>ColBERT vs. Traditional Methods</a:t>
             </a:r>
           </a:p>
         </p:txBody>
@@ -3258,6 +3300,30 @@
           </a:bodyPr>
           <a:lstStyle/>
           <a:p/>
+          <a:p>
+            <a:pPr lvl="1">
+              <a:defRPr sz="1600"/>
+            </a:pPr>
+            <a:r>
+              <a:t>ColBERT utilizes multi-vector embeddings for better context capture; traditional methods use single vectors, leading to information loss.</a:t>
+            </a:r>
+          </a:p>
+          <a:p>
+            <a:pPr lvl="1">
+              <a:defRPr sz="1600"/>
+            </a:pPr>
+            <a:r>
+              <a:t>ColBERT's late interaction approach is significantly more efficient than early interaction methods.</a:t>
+            </a:r>
+          </a:p>
+          <a:p>
+            <a:pPr lvl="1">
+              <a:defRPr sz="1600"/>
+            </a:pPr>
+            <a:r>
+              <a:t>Improved retrieval accuracy and efficiency over traditional single-vector approaches.</a:t>
+            </a:r>
+          </a:p>
         </p:txBody>
       </p:sp>
     </p:spTree>
@@ -3308,7 +3374,7 @@
               </a:defRPr>
             </a:pPr>
             <a:r>
-              <a:t>ColBERT vs. Traditional Methods</a:t>
+              <a:t>ColBERT Example: "sweet apple" query</a:t>
             </a:r>
           </a:p>
         </p:txBody>
@@ -3335,6 +3401,46 @@
           </a:bodyPr>
           <a:lstStyle/>
           <a:p/>
+          <a:p>
+            <a:pPr lvl="1">
+              <a:defRPr sz="1600"/>
+            </a:pPr>
+            <a:r>
+              <a:t>Document: "The apple is sweet and crisp"</a:t>
+            </a:r>
+          </a:p>
+          <a:p>
+            <a:pPr lvl="1">
+              <a:defRPr sz="1600"/>
+            </a:pPr>
+            <a:r>
+              <a:t>Query: "sweet apple"</a:t>
+            </a:r>
+          </a:p>
+          <a:p>
+            <a:pPr lvl="1">
+              <a:defRPr sz="1600"/>
+            </a:pPr>
+            <a:r>
+              <a:t>ColBERT generates embeddings for each token.</a:t>
+            </a:r>
+          </a:p>
+          <a:p>
+            <a:pPr lvl="1">
+              <a:defRPr sz="1600"/>
+            </a:pPr>
+            <a:r>
+              <a:t>MaxSim finds highest similarity between query "sweet" and document "sweet", and query "apple" and document "apple".</a:t>
+            </a:r>
+          </a:p>
+          <a:p>
+            <a:pPr lvl="1">
+              <a:defRPr sz="1600"/>
+            </a:pPr>
+            <a:r>
+              <a:t>These maximum similarities are summed for the final document score.</a:t>
+            </a:r>
+          </a:p>
         </p:txBody>
       </p:sp>
     </p:spTree>
@@ -3385,7 +3491,7 @@
               </a:defRPr>
             </a:pPr>
             <a:r>
-              <a:t>ColBERT Example</a:t>
+              <a:t>ColBERT Extensions: Adaptability and Versatility</a:t>
             </a:r>
           </a:p>
         </p:txBody>
@@ -3412,6 +3518,30 @@
           </a:bodyPr>
           <a:lstStyle/>
           <a:p/>
+          <a:p>
+            <a:pPr lvl="1">
+              <a:defRPr sz="1600"/>
+            </a:pPr>
+            <a:r>
+              <a:t>ColPali: Adapting ColBERT for vision-language models.</a:t>
+            </a:r>
+          </a:p>
+          <a:p>
+            <a:pPr lvl="1">
+              <a:defRPr sz="1600"/>
+            </a:pPr>
+            <a:r>
+              <a:t>Other variants (ColIdefics):  Tailored for diverse applications.</a:t>
+            </a:r>
+          </a:p>
+          <a:p>
+            <a:pPr lvl="1">
+              <a:defRPr sz="1600"/>
+            </a:pPr>
+            <a:r>
+              <a:t>Demonstrates the flexibility and broad applicability of the core ColBERT architecture.</a:t>
+            </a:r>
+          </a:p>
         </p:txBody>
       </p:sp>
     </p:spTree>
@@ -3462,7 +3592,7 @@
               </a:defRPr>
             </a:pPr>
             <a:r>
-              <a:t>Extensions of ColBERT</a:t>
+              <a:t>Late Interaction in ColBERT: Efficiency and Scalability</a:t>
             </a:r>
           </a:p>
         </p:txBody>
@@ -3489,6 +3619,46 @@
           </a:bodyPr>
           <a:lstStyle/>
           <a:p/>
+          <a:p>
+            <a:pPr lvl="1">
+              <a:defRPr sz="1600"/>
+            </a:pPr>
+            <a:r>
+              <a:t>Document embeddings are pre-computed offline, improving efficiency.</a:t>
+            </a:r>
+          </a:p>
+          <a:p>
+            <a:pPr lvl="1">
+              <a:defRPr sz="1600"/>
+            </a:pPr>
+            <a:r>
+              <a:t>Query embeddings are generated only at retrieval time.</a:t>
+            </a:r>
+          </a:p>
+          <a:p>
+            <a:pPr lvl="1">
+              <a:defRPr sz="1600"/>
+            </a:pPr>
+            <a:r>
+              <a:t>Expensive computations happen once (indexing), not repeatedly for each query.</a:t>
+            </a:r>
+          </a:p>
+          <a:p>
+            <a:pPr lvl="1">
+              <a:defRPr sz="1600"/>
+            </a:pPr>
+            <a:r>
+              <a:t>This "late" comparison is computationally efficient for large-scale retrieval.</a:t>
+            </a:r>
+          </a:p>
+          <a:p>
+            <a:pPr lvl="1">
+              <a:defRPr sz="1600"/>
+            </a:pPr>
+            <a:r>
+              <a:t>MaxSim mechanism efficiently captures most relevant document parts.</a:t>
+            </a:r>
+          </a:p>
         </p:txBody>
       </p:sp>
     </p:spTree>
@@ -3539,7 +3709,7 @@
               </a:defRPr>
             </a:pPr>
             <a:r>
-              <a:t>Late Interaction in ColBERT: A Deep Dive</a:t>
+              <a:t>Early Interaction vs. Late Interaction: A Comparison</a:t>
             </a:r>
           </a:p>
         </p:txBody>
@@ -3566,6 +3736,30 @@
           </a:bodyPr>
           <a:lstStyle/>
           <a:p/>
+          <a:p>
+            <a:pPr lvl="1">
+              <a:defRPr sz="1600"/>
+            </a:pPr>
+            <a:r>
+              <a:t>Early Interaction: Processes query and document together; richer semantic understanding but computationally expensive.</a:t>
+            </a:r>
+          </a:p>
+          <a:p>
+            <a:pPr lvl="1">
+              <a:defRPr sz="1600"/>
+            </a:pPr>
+            <a:r>
+              <a:t>Late Interaction (ColBERT): Independent processing, then comparison; efficient but potentially less nuanced interaction.</a:t>
+            </a:r>
+          </a:p>
+          <a:p>
+            <a:pPr lvl="1">
+              <a:defRPr sz="1600"/>
+            </a:pPr>
+            <a:r>
+              <a:t>The best choice depends on balancing accuracy and computational resources.</a:t>
+            </a:r>
+          </a:p>
         </p:txBody>
       </p:sp>
     </p:spTree>
@@ -3616,7 +3810,7 @@
               </a:defRPr>
             </a:pPr>
             <a:r>
-              <a:t>Understanding Late Interaction</a:t>
+              <a:t>MaxSim in Action: An Illustrative Example</a:t>
             </a:r>
           </a:p>
         </p:txBody>
@@ -3643,6 +3837,54 @@
           </a:bodyPr>
           <a:lstStyle/>
           <a:p/>
+          <a:p>
+            <a:pPr lvl="1">
+              <a:defRPr sz="1600"/>
+            </a:pPr>
+            <a:r>
+              <a:t>Query: "sweet apple"</a:t>
+            </a:r>
+          </a:p>
+          <a:p>
+            <a:pPr lvl="1">
+              <a:defRPr sz="1600"/>
+            </a:pPr>
+            <a:r>
+              <a:t>Document 1: "The apple is sweet and crisp"</a:t>
+            </a:r>
+          </a:p>
+          <a:p>
+            <a:pPr lvl="1">
+              <a:defRPr sz="1600"/>
+            </a:pPr>
+            <a:r>
+              <a:t>Document 2: "The banana is ripe and yellow"</a:t>
+            </a:r>
+          </a:p>
+          <a:p>
+            <a:pPr lvl="1">
+              <a:defRPr sz="1600"/>
+            </a:pPr>
+            <a:r>
+              <a:t>Embeddings are generated and compared using MaxSim.</a:t>
+            </a:r>
+          </a:p>
+          <a:p>
+            <a:pPr lvl="1">
+              <a:defRPr sz="1600"/>
+            </a:pPr>
+            <a:r>
+              <a:t>Maximum similarity scores are summed for each document.</a:t>
+            </a:r>
+          </a:p>
+          <a:p>
+            <a:pPr lvl="1">
+              <a:defRPr sz="1600"/>
+            </a:pPr>
+            <a:r>
+              <a:t>Document with the higher sum is ranked higher.</a:t>
+            </a:r>
+          </a:p>
         </p:txBody>
       </p:sp>
     </p:spTree>
@@ -3693,7 +3935,7 @@
               </a:defRPr>
             </a:pPr>
             <a:r>
-              <a:t>The MaxSim Mechanism Explained</a:t>
+              <a:t>MaxSim for Query-Document Comparison: Efficient Similarity Scoring</a:t>
             </a:r>
           </a:p>
         </p:txBody>
@@ -3720,6 +3962,46 @@
           </a:bodyPr>
           <a:lstStyle/>
           <a:p/>
+          <a:p>
+            <a:pPr lvl="1">
+              <a:defRPr sz="1600"/>
+            </a:pPr>
+            <a:r>
+              <a:t>Uses tensor operations for efficient similarity calculation.</a:t>
+            </a:r>
+          </a:p>
+          <a:p>
+            <a:pPr lvl="1">
+              <a:defRPr sz="1600"/>
+            </a:pPr>
+            <a:r>
+              <a:t>Dot product between query token embeddings and document patch embeddings.</a:t>
+            </a:r>
+          </a:p>
+          <a:p>
+            <a:pPr lvl="1">
+              <a:defRPr sz="1600"/>
+            </a:pPr>
+            <a:r>
+              <a:t>Max reduction over patches, sum reduction over query tokens.</a:t>
+            </a:r>
+          </a:p>
+          <a:p>
+            <a:pPr lvl="1">
+              <a:defRPr sz="1600"/>
+            </a:pPr>
+            <a:r>
+              <a:t>Single scalar value representing overall similarity.</a:t>
+            </a:r>
+          </a:p>
+          <a:p>
+            <a:pPr lvl="1">
+              <a:defRPr sz="1600"/>
+            </a:pPr>
+            <a:r>
+              <a:t>Enables efficient comparison of high-dimensional vector representations.</a:t>
+            </a:r>
+          </a:p>
         </p:txBody>
       </p:sp>
     </p:spTree>
@@ -3770,7 +4052,7 @@
               </a:defRPr>
             </a:pPr>
             <a:r>
-              <a:t>Early Interaction vs. Late Interaction</a:t>
+              <a:t>MaxSim in Vespa: Implementation and Integration</a:t>
             </a:r>
           </a:p>
         </p:txBody>
@@ -3797,6 +4079,38 @@
           </a:bodyPr>
           <a:lstStyle/>
           <a:p/>
+          <a:p>
+            <a:pPr lvl="1">
+              <a:defRPr sz="1600"/>
+            </a:pPr>
+            <a:r>
+              <a:t>Vespa schema allows defining tensors for query and document embeddings.</a:t>
+            </a:r>
+          </a:p>
+          <a:p>
+            <a:pPr lvl="1">
+              <a:defRPr sz="1600"/>
+            </a:pPr>
+            <a:r>
+              <a:t>MaxSim function expressed within the schema using a ranking expression.</a:t>
+            </a:r>
+          </a:p>
+          <a:p>
+            <a:pPr lvl="1">
+              <a:defRPr sz="1600"/>
+            </a:pPr>
+            <a:r>
+              <a:t>Efficient computation and integration with Vespa's capabilities.</a:t>
+            </a:r>
+          </a:p>
+          <a:p>
+            <a:pPr lvl="1">
+              <a:defRPr sz="1600"/>
+            </a:pPr>
+            <a:r>
+              <a:t>Example Vespa schema code provided.</a:t>
+            </a:r>
+          </a:p>
         </p:txBody>
       </p:sp>
     </p:spTree>
@@ -3847,7 +4161,7 @@
               </a:defRPr>
             </a:pPr>
             <a:r>
-              <a:t>MaxSim in Action: An Example</a:t>
+              <a:t>MaxSim in PyTorch: A Practical Implementation</a:t>
             </a:r>
           </a:p>
         </p:txBody>
@@ -3874,6 +4188,30 @@
           </a:bodyPr>
           <a:lstStyle/>
           <a:p/>
+          <a:p>
+            <a:pPr lvl="1">
+              <a:defRPr sz="1600"/>
+            </a:pPr>
+            <a:r>
+              <a:t>PyTorch's torch.einsum function provides a concise implementation.</a:t>
+            </a:r>
+          </a:p>
+          <a:p>
+            <a:pPr lvl="1">
+              <a:defRPr sz="1600"/>
+            </a:pPr>
+            <a:r>
+              <a:t>Example PyTorch code provided.</a:t>
+            </a:r>
+          </a:p>
+          <a:p>
+            <a:pPr lvl="1">
+              <a:defRPr sz="1600"/>
+            </a:pPr>
+            <a:r>
+              <a:t>Easily integrated into deep learning pipelines.</a:t>
+            </a:r>
+          </a:p>
         </p:txBody>
       </p:sp>
     </p:spTree>
@@ -3924,7 +4262,7 @@
               </a:defRPr>
             </a:pPr>
             <a:r>
-              <a:t>Real-World Applications of Late Interaction</a:t>
+              <a:t>Scaling MaxSim to Billions of Documents</a:t>
             </a:r>
           </a:p>
         </p:txBody>
@@ -3951,6 +4289,38 @@
           </a:bodyPr>
           <a:lstStyle/>
           <a:p/>
+          <a:p>
+            <a:pPr lvl="1">
+              <a:defRPr sz="1600"/>
+            </a:pPr>
+            <a:r>
+              <a:t>Requires strategies beyond brute-force scoring.</a:t>
+            </a:r>
+          </a:p>
+          <a:p>
+            <a:pPr lvl="1">
+              <a:defRPr sz="1600"/>
+            </a:pPr>
+            <a:r>
+              <a:t>Candidate selection using nearest neighbor search is crucial.</a:t>
+            </a:r>
+          </a:p>
+          <a:p>
+            <a:pPr lvl="1">
+              <a:defRPr sz="1600"/>
+            </a:pPr>
+            <a:r>
+              <a:t>Pre-filtering reduces the number of documents needing full MaxSim scoring.</a:t>
+            </a:r>
+          </a:p>
+          <a:p>
+            <a:pPr lvl="1">
+              <a:defRPr sz="1600"/>
+            </a:pPr>
+            <a:r>
+              <a:t>Combining nearest neighbor and boolean operators for efficient filtering and ranking.</a:t>
+            </a:r>
+          </a:p>
         </p:txBody>
       </p:sp>
     </p:spTree>
@@ -4001,7 +4371,7 @@
               </a:defRPr>
             </a:pPr>
             <a:r>
-              <a:t>Understanding Multi-Vector Embeddings</a:t>
+              <a:t>Understanding Multi-Vector Embeddings: An Illustrative Example</a:t>
             </a:r>
           </a:p>
         </p:txBody>
@@ -4028,6 +4398,46 @@
           </a:bodyPr>
           <a:lstStyle/>
           <a:p/>
+          <a:p>
+            <a:pPr lvl="1">
+              <a:defRPr sz="1600"/>
+            </a:pPr>
+            <a:r>
+              <a:t>Single-vector embeddings lose information; multi-vector embeddings retain detail.</a:t>
+            </a:r>
+          </a:p>
+          <a:p>
+            <a:pPr lvl="1">
+              <a:defRPr sz="1600"/>
+            </a:pPr>
+            <a:r>
+              <a:t>Searching for "red apples": Single vector struggles; multi-vector represents "red" and "apples" separately.</a:t>
+            </a:r>
+          </a:p>
+          <a:p>
+            <a:pPr lvl="1">
+              <a:defRPr sz="1600"/>
+            </a:pPr>
+            <a:r>
+              <a:t>Each vector represents a distinct element (word, phrase, image patch).</a:t>
+            </a:r>
+          </a:p>
+          <a:p>
+            <a:pPr lvl="1">
+              <a:defRPr sz="1600"/>
+            </a:pPr>
+            <a:r>
+              <a:t>Collective representation provides a far richer understanding than single-vector approaches.</a:t>
+            </a:r>
+          </a:p>
+          <a:p>
+            <a:pPr lvl="1">
+              <a:defRPr sz="1600"/>
+            </a:pPr>
+            <a:r>
+              <a:t>Example: "The apple is sweet and crisp" - separate embeddings for each word.</a:t>
+            </a:r>
+          </a:p>
         </p:txBody>
       </p:sp>
     </p:spTree>
@@ -4078,7 +4488,7 @@
               </a:defRPr>
             </a:pPr>
             <a:r>
-              <a:t>MaxSim for Query-Document Comparison</a:t>
+              <a:t>Hamming Distance in MaxSim: An Alternative Similarity Measure</a:t>
             </a:r>
           </a:p>
         </p:txBody>
@@ -4105,6 +4515,38 @@
           </a:bodyPr>
           <a:lstStyle/>
           <a:p/>
+          <a:p>
+            <a:pPr lvl="1">
+              <a:defRPr sz="1600"/>
+            </a:pPr>
+            <a:r>
+              <a:t>Uses Hamming distance instead of dot product.</a:t>
+            </a:r>
+          </a:p>
+          <a:p>
+            <a:pPr lvl="1">
+              <a:defRPr sz="1600"/>
+            </a:pPr>
+            <a:r>
+              <a:t>Inverts Hamming distance (a distance metric) to a similarity score.</a:t>
+            </a:r>
+          </a:p>
+          <a:p>
+            <a:pPr lvl="1">
+              <a:defRPr sz="1600"/>
+            </a:pPr>
+            <a:r>
+              <a:t>Vespa's built-in hamming function can be leveraged.</a:t>
+            </a:r>
+          </a:p>
+          <a:p>
+            <a:pPr lvl="1">
+              <a:defRPr sz="1600"/>
+            </a:pPr>
+            <a:r>
+              <a:t>Provides an alternative approach for similarity calculation.</a:t>
+            </a:r>
+          </a:p>
         </p:txBody>
       </p:sp>
     </p:spTree>
@@ -4155,7 +4597,7 @@
               </a:defRPr>
             </a:pPr>
             <a:r>
-              <a:t>The MaxSim Function</a:t>
+              <a:t>Early vs. Late Interaction in Transformers: A Detailed Comparison</a:t>
             </a:r>
           </a:p>
         </p:txBody>
@@ -4182,6 +4624,30 @@
           </a:bodyPr>
           <a:lstStyle/>
           <a:p/>
+          <a:p>
+            <a:pPr lvl="1">
+              <a:defRPr sz="1600"/>
+            </a:pPr>
+            <a:r>
+              <a:t>Early Interaction: Simultaneous processing of query and document; captures nuanced interactions but is computationally expensive.</a:t>
+            </a:r>
+          </a:p>
+          <a:p>
+            <a:pPr lvl="1">
+              <a:defRPr sz="1600"/>
+            </a:pPr>
+            <a:r>
+              <a:t>Late Interaction: Independent embedding generation, then comparison; efficient but may miss subtle interactions.</a:t>
+            </a:r>
+          </a:p>
+          <a:p>
+            <a:pPr lvl="1">
+              <a:defRPr sz="1600"/>
+            </a:pPr>
+            <a:r>
+              <a:t>Choice depends on application needs: accuracy vs. efficiency.</a:t>
+            </a:r>
+          </a:p>
         </p:txBody>
       </p:sp>
     </p:spTree>
@@ -4232,7 +4698,7 @@
               </a:defRPr>
             </a:pPr>
             <a:r>
-              <a:t>MaxSim in Vespa</a:t>
+              <a:t>Computational Cost Analysis of Retrieval Methods</a:t>
             </a:r>
           </a:p>
         </p:txBody>
@@ -4259,6 +4725,46 @@
           </a:bodyPr>
           <a:lstStyle/>
           <a:p/>
+          <a:p>
+            <a:pPr lvl="1">
+              <a:defRPr sz="1600"/>
+            </a:pPr>
+            <a:r>
+              <a:t>Efficient retrieval is crucial for large language models.</a:t>
+            </a:r>
+          </a:p>
+          <a:p>
+            <a:pPr lvl="1">
+              <a:defRPr sz="1600"/>
+            </a:pPr>
+            <a:r>
+              <a:t>Single vector vs. bag-of-vectors: Bag-of-vectors improves accuracy and speed, but increases storage and computation.</a:t>
+            </a:r>
+          </a:p>
+          <a:p>
+            <a:pPr lvl="1">
+              <a:defRPr sz="1600"/>
+            </a:pPr>
+            <a:r>
+              <a:t>ColBERT and MaxSim: More computationally intensive than single vectors but offer superior accuracy.</a:t>
+            </a:r>
+          </a:p>
+          <a:p>
+            <a:pPr lvl="1">
+              <a:defRPr sz="1600"/>
+            </a:pPr>
+            <a:r>
+              <a:t>Approximate Nearest Neighbor Search (ANN): Speeds up retrieval, sacrificing some accuracy.</a:t>
+            </a:r>
+          </a:p>
+          <a:p>
+            <a:pPr lvl="1">
+              <a:defRPr sz="1600"/>
+            </a:pPr>
+            <a:r>
+              <a:t>Phased retrieval and ranking: Balances speed and accuracy with a two-stage process.</a:t>
+            </a:r>
+          </a:p>
         </p:txBody>
       </p:sp>
     </p:spTree>
@@ -4309,7 +4815,7 @@
               </a:defRPr>
             </a:pPr>
             <a:r>
-              <a:t>MaxSim in PyTorch</a:t>
+              <a:t>Computational Cost Trade-offs: Balancing Accuracy and Efficiency</a:t>
             </a:r>
           </a:p>
         </p:txBody>
@@ -4336,468 +4842,38 @@
           </a:bodyPr>
           <a:lstStyle/>
           <a:p/>
-        </p:txBody>
-      </p:sp>
-    </p:spTree>
-  </p:cSld>
-  <p:clrMapOvr>
-    <a:masterClrMapping/>
-  </p:clrMapOvr>
-</p:sld>
-</file>
-
-<file path=ppt/slides/slide24.xml><?xml version="1.0" encoding="utf-8"?>
-<p:sld xmlns:a="http://schemas.openxmlformats.org/drawingml/2006/main" xmlns:p="http://schemas.openxmlformats.org/presentationml/2006/main" xmlns:r="http://schemas.openxmlformats.org/officeDocument/2006/relationships">
-  <p:cSld>
-    <p:spTree>
-      <p:nvGrpSpPr>
-        <p:cNvPr id="1" name=""/>
-        <p:cNvGrpSpPr/>
-        <p:nvPr/>
-      </p:nvGrpSpPr>
-      <p:grpSpPr/>
-      <p:sp>
-        <p:nvSpPr>
-          <p:cNvPr id="2" name="TextBox 1"/>
-          <p:cNvSpPr txBox="1"/>
-          <p:nvPr/>
-        </p:nvSpPr>
-        <p:spPr>
-          <a:xfrm>
-            <a:off x="457200" y="457200"/>
-            <a:ext cx="8229600" cy="914400"/>
-          </a:xfrm>
-          <a:prstGeom prst="rect">
-            <a:avLst/>
-          </a:prstGeom>
-          <a:noFill/>
-        </p:spPr>
-        <p:txBody>
-          <a:bodyPr wrap="none">
-            <a:spAutoFit/>
-          </a:bodyPr>
-          <a:lstStyle/>
-          <a:p>
-            <a:pPr algn="ctr">
-              <a:defRPr sz="3200" b="1">
-                <a:solidFill>
-                  <a:srgbClr val="003366"/>
-                </a:solidFill>
-              </a:defRPr>
-            </a:pPr>
-            <a:r>
-              <a:t>Scaling MaxSim to Billions of Documents</a:t>
-            </a:r>
-          </a:p>
-        </p:txBody>
-      </p:sp>
-      <p:sp>
-        <p:nvSpPr>
-          <p:cNvPr id="3" name="TextBox 2"/>
-          <p:cNvSpPr txBox="1"/>
-          <p:nvPr/>
-        </p:nvSpPr>
-        <p:spPr>
-          <a:xfrm>
-            <a:off x="457200" y="1371600"/>
-            <a:ext cx="8229600" cy="3657600"/>
-          </a:xfrm>
-          <a:prstGeom prst="rect">
-            <a:avLst/>
-          </a:prstGeom>
-          <a:noFill/>
-        </p:spPr>
-        <p:txBody>
-          <a:bodyPr wrap="none">
-            <a:spAutoFit/>
-          </a:bodyPr>
-          <a:lstStyle/>
-          <a:p/>
-        </p:txBody>
-      </p:sp>
-    </p:spTree>
-  </p:cSld>
-  <p:clrMapOvr>
-    <a:masterClrMapping/>
-  </p:clrMapOvr>
-</p:sld>
-</file>
-
-<file path=ppt/slides/slide25.xml><?xml version="1.0" encoding="utf-8"?>
-<p:sld xmlns:a="http://schemas.openxmlformats.org/drawingml/2006/main" xmlns:p="http://schemas.openxmlformats.org/presentationml/2006/main" xmlns:r="http://schemas.openxmlformats.org/officeDocument/2006/relationships">
-  <p:cSld>
-    <p:spTree>
-      <p:nvGrpSpPr>
-        <p:cNvPr id="1" name=""/>
-        <p:cNvGrpSpPr/>
-        <p:nvPr/>
-      </p:nvGrpSpPr>
-      <p:grpSpPr/>
-      <p:sp>
-        <p:nvSpPr>
-          <p:cNvPr id="2" name="TextBox 1"/>
-          <p:cNvSpPr txBox="1"/>
-          <p:nvPr/>
-        </p:nvSpPr>
-        <p:spPr>
-          <a:xfrm>
-            <a:off x="457200" y="457200"/>
-            <a:ext cx="8229600" cy="914400"/>
-          </a:xfrm>
-          <a:prstGeom prst="rect">
-            <a:avLst/>
-          </a:prstGeom>
-          <a:noFill/>
-        </p:spPr>
-        <p:txBody>
-          <a:bodyPr wrap="none">
-            <a:spAutoFit/>
-          </a:bodyPr>
-          <a:lstStyle/>
-          <a:p>
-            <a:pPr algn="ctr">
-              <a:defRPr sz="3200" b="1">
-                <a:solidFill>
-                  <a:srgbClr val="003366"/>
-                </a:solidFill>
-              </a:defRPr>
-            </a:pPr>
-            <a:r>
-              <a:t>Hamming Distance in MaxSim</a:t>
-            </a:r>
-          </a:p>
-        </p:txBody>
-      </p:sp>
-      <p:sp>
-        <p:nvSpPr>
-          <p:cNvPr id="3" name="TextBox 2"/>
-          <p:cNvSpPr txBox="1"/>
-          <p:nvPr/>
-        </p:nvSpPr>
-        <p:spPr>
-          <a:xfrm>
-            <a:off x="457200" y="1371600"/>
-            <a:ext cx="8229600" cy="3657600"/>
-          </a:xfrm>
-          <a:prstGeom prst="rect">
-            <a:avLst/>
-          </a:prstGeom>
-          <a:noFill/>
-        </p:spPr>
-        <p:txBody>
-          <a:bodyPr wrap="none">
-            <a:spAutoFit/>
-          </a:bodyPr>
-          <a:lstStyle/>
-          <a:p/>
-        </p:txBody>
-      </p:sp>
-    </p:spTree>
-  </p:cSld>
-  <p:clrMapOvr>
-    <a:masterClrMapping/>
-  </p:clrMapOvr>
-</p:sld>
-</file>
-
-<file path=ppt/slides/slide26.xml><?xml version="1.0" encoding="utf-8"?>
-<p:sld xmlns:a="http://schemas.openxmlformats.org/drawingml/2006/main" xmlns:p="http://schemas.openxmlformats.org/presentationml/2006/main" xmlns:r="http://schemas.openxmlformats.org/officeDocument/2006/relationships">
-  <p:cSld>
-    <p:spTree>
-      <p:nvGrpSpPr>
-        <p:cNvPr id="1" name=""/>
-        <p:cNvGrpSpPr/>
-        <p:nvPr/>
-      </p:nvGrpSpPr>
-      <p:grpSpPr/>
-      <p:sp>
-        <p:nvSpPr>
-          <p:cNvPr id="2" name="TextBox 1"/>
-          <p:cNvSpPr txBox="1"/>
-          <p:nvPr/>
-        </p:nvSpPr>
-        <p:spPr>
-          <a:xfrm>
-            <a:off x="457200" y="457200"/>
-            <a:ext cx="8229600" cy="914400"/>
-          </a:xfrm>
-          <a:prstGeom prst="rect">
-            <a:avLst/>
-          </a:prstGeom>
-          <a:noFill/>
-        </p:spPr>
-        <p:txBody>
-          <a:bodyPr wrap="none">
-            <a:spAutoFit/>
-          </a:bodyPr>
-          <a:lstStyle/>
-          <a:p>
-            <a:pPr algn="ctr">
-              <a:defRPr sz="3200" b="1">
-                <a:solidFill>
-                  <a:srgbClr val="003366"/>
-                </a:solidFill>
-              </a:defRPr>
-            </a:pPr>
-            <a:r>
-              <a:t>Early vs. Late Interaction in Transformers</a:t>
-            </a:r>
-          </a:p>
-        </p:txBody>
-      </p:sp>
-      <p:sp>
-        <p:nvSpPr>
-          <p:cNvPr id="3" name="TextBox 2"/>
-          <p:cNvSpPr txBox="1"/>
-          <p:nvPr/>
-        </p:nvSpPr>
-        <p:spPr>
-          <a:xfrm>
-            <a:off x="457200" y="1371600"/>
-            <a:ext cx="8229600" cy="3657600"/>
-          </a:xfrm>
-          <a:prstGeom prst="rect">
-            <a:avLst/>
-          </a:prstGeom>
-          <a:noFill/>
-        </p:spPr>
-        <p:txBody>
-          <a:bodyPr wrap="none">
-            <a:spAutoFit/>
-          </a:bodyPr>
-          <a:lstStyle/>
-          <a:p/>
-        </p:txBody>
-      </p:sp>
-    </p:spTree>
-  </p:cSld>
-  <p:clrMapOvr>
-    <a:masterClrMapping/>
-  </p:clrMapOvr>
-</p:sld>
-</file>
-
-<file path=ppt/slides/slide27.xml><?xml version="1.0" encoding="utf-8"?>
-<p:sld xmlns:a="http://schemas.openxmlformats.org/drawingml/2006/main" xmlns:p="http://schemas.openxmlformats.org/presentationml/2006/main" xmlns:r="http://schemas.openxmlformats.org/officeDocument/2006/relationships">
-  <p:cSld>
-    <p:spTree>
-      <p:nvGrpSpPr>
-        <p:cNvPr id="1" name=""/>
-        <p:cNvGrpSpPr/>
-        <p:nvPr/>
-      </p:nvGrpSpPr>
-      <p:grpSpPr/>
-      <p:sp>
-        <p:nvSpPr>
-          <p:cNvPr id="2" name="TextBox 1"/>
-          <p:cNvSpPr txBox="1"/>
-          <p:nvPr/>
-        </p:nvSpPr>
-        <p:spPr>
-          <a:xfrm>
-            <a:off x="457200" y="457200"/>
-            <a:ext cx="8229600" cy="914400"/>
-          </a:xfrm>
-          <a:prstGeom prst="rect">
-            <a:avLst/>
-          </a:prstGeom>
-          <a:noFill/>
-        </p:spPr>
-        <p:txBody>
-          <a:bodyPr wrap="none">
-            <a:spAutoFit/>
-          </a:bodyPr>
-          <a:lstStyle/>
-          <a:p>
-            <a:pPr algn="ctr">
-              <a:defRPr sz="3200" b="1">
-                <a:solidFill>
-                  <a:srgbClr val="003366"/>
-                </a:solidFill>
-              </a:defRPr>
-            </a:pPr>
-            <a:r>
-              <a:t>Early Interaction</a:t>
-            </a:r>
-          </a:p>
-        </p:txBody>
-      </p:sp>
-      <p:sp>
-        <p:nvSpPr>
-          <p:cNvPr id="3" name="TextBox 2"/>
-          <p:cNvSpPr txBox="1"/>
-          <p:nvPr/>
-        </p:nvSpPr>
-        <p:spPr>
-          <a:xfrm>
-            <a:off x="457200" y="1371600"/>
-            <a:ext cx="8229600" cy="3657600"/>
-          </a:xfrm>
-          <a:prstGeom prst="rect">
-            <a:avLst/>
-          </a:prstGeom>
-          <a:noFill/>
-        </p:spPr>
-        <p:txBody>
-          <a:bodyPr wrap="none">
-            <a:spAutoFit/>
-          </a:bodyPr>
-          <a:lstStyle/>
-          <a:p/>
-        </p:txBody>
-      </p:sp>
-    </p:spTree>
-  </p:cSld>
-  <p:clrMapOvr>
-    <a:masterClrMapping/>
-  </p:clrMapOvr>
-</p:sld>
-</file>
-
-<file path=ppt/slides/slide28.xml><?xml version="1.0" encoding="utf-8"?>
-<p:sld xmlns:a="http://schemas.openxmlformats.org/drawingml/2006/main" xmlns:p="http://schemas.openxmlformats.org/presentationml/2006/main" xmlns:r="http://schemas.openxmlformats.org/officeDocument/2006/relationships">
-  <p:cSld>
-    <p:spTree>
-      <p:nvGrpSpPr>
-        <p:cNvPr id="1" name=""/>
-        <p:cNvGrpSpPr/>
-        <p:nvPr/>
-      </p:nvGrpSpPr>
-      <p:grpSpPr/>
-      <p:sp>
-        <p:nvSpPr>
-          <p:cNvPr id="2" name="TextBox 1"/>
-          <p:cNvSpPr txBox="1"/>
-          <p:nvPr/>
-        </p:nvSpPr>
-        <p:spPr>
-          <a:xfrm>
-            <a:off x="457200" y="457200"/>
-            <a:ext cx="8229600" cy="914400"/>
-          </a:xfrm>
-          <a:prstGeom prst="rect">
-            <a:avLst/>
-          </a:prstGeom>
-          <a:noFill/>
-        </p:spPr>
-        <p:txBody>
-          <a:bodyPr wrap="none">
-            <a:spAutoFit/>
-          </a:bodyPr>
-          <a:lstStyle/>
-          <a:p>
-            <a:pPr algn="ctr">
-              <a:defRPr sz="3200" b="1">
-                <a:solidFill>
-                  <a:srgbClr val="003366"/>
-                </a:solidFill>
-              </a:defRPr>
-            </a:pPr>
-            <a:r>
-              <a:t>Late Interaction</a:t>
-            </a:r>
-          </a:p>
-        </p:txBody>
-      </p:sp>
-      <p:sp>
-        <p:nvSpPr>
-          <p:cNvPr id="3" name="TextBox 2"/>
-          <p:cNvSpPr txBox="1"/>
-          <p:nvPr/>
-        </p:nvSpPr>
-        <p:spPr>
-          <a:xfrm>
-            <a:off x="457200" y="1371600"/>
-            <a:ext cx="8229600" cy="3657600"/>
-          </a:xfrm>
-          <a:prstGeom prst="rect">
-            <a:avLst/>
-          </a:prstGeom>
-          <a:noFill/>
-        </p:spPr>
-        <p:txBody>
-          <a:bodyPr wrap="none">
-            <a:spAutoFit/>
-          </a:bodyPr>
-          <a:lstStyle/>
-          <a:p/>
-        </p:txBody>
-      </p:sp>
-    </p:spTree>
-  </p:cSld>
-  <p:clrMapOvr>
-    <a:masterClrMapping/>
-  </p:clrMapOvr>
-</p:sld>
-</file>
-
-<file path=ppt/slides/slide29.xml><?xml version="1.0" encoding="utf-8"?>
-<p:sld xmlns:a="http://schemas.openxmlformats.org/drawingml/2006/main" xmlns:p="http://schemas.openxmlformats.org/presentationml/2006/main" xmlns:r="http://schemas.openxmlformats.org/officeDocument/2006/relationships">
-  <p:cSld>
-    <p:spTree>
-      <p:nvGrpSpPr>
-        <p:cNvPr id="1" name=""/>
-        <p:cNvGrpSpPr/>
-        <p:nvPr/>
-      </p:nvGrpSpPr>
-      <p:grpSpPr/>
-      <p:sp>
-        <p:nvSpPr>
-          <p:cNvPr id="2" name="TextBox 1"/>
-          <p:cNvSpPr txBox="1"/>
-          <p:nvPr/>
-        </p:nvSpPr>
-        <p:spPr>
-          <a:xfrm>
-            <a:off x="457200" y="457200"/>
-            <a:ext cx="8229600" cy="914400"/>
-          </a:xfrm>
-          <a:prstGeom prst="rect">
-            <a:avLst/>
-          </a:prstGeom>
-          <a:noFill/>
-        </p:spPr>
-        <p:txBody>
-          <a:bodyPr wrap="none">
-            <a:spAutoFit/>
-          </a:bodyPr>
-          <a:lstStyle/>
-          <a:p>
-            <a:pPr algn="ctr">
-              <a:defRPr sz="3200" b="1">
-                <a:solidFill>
-                  <a:srgbClr val="003366"/>
-                </a:solidFill>
-              </a:defRPr>
-            </a:pPr>
-            <a:r>
-              <a:t>ColBERT and MaxSim: An Example of Late Interaction</a:t>
-            </a:r>
-          </a:p>
-        </p:txBody>
-      </p:sp>
-      <p:sp>
-        <p:nvSpPr>
-          <p:cNvPr id="3" name="TextBox 2"/>
-          <p:cNvSpPr txBox="1"/>
-          <p:nvPr/>
-        </p:nvSpPr>
-        <p:spPr>
-          <a:xfrm>
-            <a:off x="457200" y="1371600"/>
-            <a:ext cx="8229600" cy="3657600"/>
-          </a:xfrm>
-          <a:prstGeom prst="rect">
-            <a:avLst/>
-          </a:prstGeom>
-          <a:noFill/>
-        </p:spPr>
-        <p:txBody>
-          <a:bodyPr wrap="none">
-            <a:spAutoFit/>
-          </a:bodyPr>
-          <a:lstStyle/>
-          <a:p/>
+          <a:p>
+            <a:pPr lvl="1">
+              <a:defRPr sz="1600"/>
+            </a:pPr>
+            <a:r>
+              <a:t>Effectiveness, storage, and computational cost are key considerations.</a:t>
+            </a:r>
+          </a:p>
+          <a:p>
+            <a:pPr lvl="1">
+              <a:defRPr sz="1600"/>
+            </a:pPr>
+            <a:r>
+              <a:t>Corpus size, desired accuracy, and available resources influence the optimal choice.</a:t>
+            </a:r>
+          </a:p>
+          <a:p>
+            <a:pPr lvl="1">
+              <a:defRPr sz="1600"/>
+            </a:pPr>
+            <a:r>
+              <a:t>Bag-of-vectors (like ColBERT) improves accuracy but increases computation and storage.</a:t>
+            </a:r>
+          </a:p>
+          <a:p>
+            <a:pPr lvl="1">
+              <a:defRPr sz="1600"/>
+            </a:pPr>
+            <a:r>
+              <a:t>Single-vector approaches are faster and require less storage but may sacrifice accuracy.</a:t>
+            </a:r>
+          </a:p>
         </p:txBody>
       </p:sp>
     </p:spTree>
@@ -4848,7 +4924,7 @@
               </a:defRPr>
             </a:pPr>
             <a:r>
-              <a:t>Textual Multi-Vector Embeddings</a:t>
+              <a:t>Visual Multi-Vector Embeddings (ColPali)</a:t>
             </a:r>
           </a:p>
         </p:txBody>
@@ -4875,622 +4951,46 @@
           </a:bodyPr>
           <a:lstStyle/>
           <a:p/>
-        </p:txBody>
-      </p:sp>
-    </p:spTree>
-  </p:cSld>
-  <p:clrMapOvr>
-    <a:masterClrMapping/>
-  </p:clrMapOvr>
-</p:sld>
-</file>
-
-<file path=ppt/slides/slide30.xml><?xml version="1.0" encoding="utf-8"?>
-<p:sld xmlns:a="http://schemas.openxmlformats.org/drawingml/2006/main" xmlns:p="http://schemas.openxmlformats.org/presentationml/2006/main" xmlns:r="http://schemas.openxmlformats.org/officeDocument/2006/relationships">
-  <p:cSld>
-    <p:spTree>
-      <p:nvGrpSpPr>
-        <p:cNvPr id="1" name=""/>
-        <p:cNvGrpSpPr/>
-        <p:nvPr/>
-      </p:nvGrpSpPr>
-      <p:grpSpPr/>
-      <p:sp>
-        <p:nvSpPr>
-          <p:cNvPr id="2" name="TextBox 1"/>
-          <p:cNvSpPr txBox="1"/>
-          <p:nvPr/>
-        </p:nvSpPr>
-        <p:spPr>
-          <a:xfrm>
-            <a:off x="457200" y="457200"/>
-            <a:ext cx="8229600" cy="914400"/>
-          </a:xfrm>
-          <a:prstGeom prst="rect">
-            <a:avLst/>
-          </a:prstGeom>
-          <a:noFill/>
-        </p:spPr>
-        <p:txBody>
-          <a:bodyPr wrap="none">
-            <a:spAutoFit/>
-          </a:bodyPr>
-          <a:lstStyle/>
-          <a:p>
-            <a:pPr algn="ctr">
-              <a:defRPr sz="3200" b="1">
-                <a:solidFill>
-                  <a:srgbClr val="003366"/>
-                </a:solidFill>
-              </a:defRPr>
-            </a:pPr>
-            <a:r>
-              <a:t>Computational Cost Analysis of Retrieval Methods</a:t>
-            </a:r>
-          </a:p>
-        </p:txBody>
-      </p:sp>
-      <p:sp>
-        <p:nvSpPr>
-          <p:cNvPr id="3" name="TextBox 2"/>
-          <p:cNvSpPr txBox="1"/>
-          <p:nvPr/>
-        </p:nvSpPr>
-        <p:spPr>
-          <a:xfrm>
-            <a:off x="457200" y="1371600"/>
-            <a:ext cx="8229600" cy="3657600"/>
-          </a:xfrm>
-          <a:prstGeom prst="rect">
-            <a:avLst/>
-          </a:prstGeom>
-          <a:noFill/>
-        </p:spPr>
-        <p:txBody>
-          <a:bodyPr wrap="none">
-            <a:spAutoFit/>
-          </a:bodyPr>
-          <a:lstStyle/>
-          <a:p/>
-        </p:txBody>
-      </p:sp>
-    </p:spTree>
-  </p:cSld>
-  <p:clrMapOvr>
-    <a:masterClrMapping/>
-  </p:clrMapOvr>
-</p:sld>
-</file>
-
-<file path=ppt/slides/slide31.xml><?xml version="1.0" encoding="utf-8"?>
-<p:sld xmlns:a="http://schemas.openxmlformats.org/drawingml/2006/main" xmlns:p="http://schemas.openxmlformats.org/presentationml/2006/main" xmlns:r="http://schemas.openxmlformats.org/officeDocument/2006/relationships">
-  <p:cSld>
-    <p:spTree>
-      <p:nvGrpSpPr>
-        <p:cNvPr id="1" name=""/>
-        <p:cNvGrpSpPr/>
-        <p:nvPr/>
-      </p:nvGrpSpPr>
-      <p:grpSpPr/>
-      <p:sp>
-        <p:nvSpPr>
-          <p:cNvPr id="2" name="TextBox 1"/>
-          <p:cNvSpPr txBox="1"/>
-          <p:nvPr/>
-        </p:nvSpPr>
-        <p:spPr>
-          <a:xfrm>
-            <a:off x="457200" y="457200"/>
-            <a:ext cx="8229600" cy="914400"/>
-          </a:xfrm>
-          <a:prstGeom prst="rect">
-            <a:avLst/>
-          </a:prstGeom>
-          <a:noFill/>
-        </p:spPr>
-        <p:txBody>
-          <a:bodyPr wrap="none">
-            <a:spAutoFit/>
-          </a:bodyPr>
-          <a:lstStyle/>
-          <a:p>
-            <a:pPr algn="ctr">
-              <a:defRPr sz="3200" b="1">
-                <a:solidFill>
-                  <a:srgbClr val="003366"/>
-                </a:solidFill>
-              </a:defRPr>
-            </a:pPr>
-            <a:r>
-              <a:t>The Challenge of Efficient Retrieval</a:t>
-            </a:r>
-          </a:p>
-        </p:txBody>
-      </p:sp>
-      <p:sp>
-        <p:nvSpPr>
-          <p:cNvPr id="3" name="TextBox 2"/>
-          <p:cNvSpPr txBox="1"/>
-          <p:nvPr/>
-        </p:nvSpPr>
-        <p:spPr>
-          <a:xfrm>
-            <a:off x="457200" y="1371600"/>
-            <a:ext cx="8229600" cy="3657600"/>
-          </a:xfrm>
-          <a:prstGeom prst="rect">
-            <a:avLst/>
-          </a:prstGeom>
-          <a:noFill/>
-        </p:spPr>
-        <p:txBody>
-          <a:bodyPr wrap="none">
-            <a:spAutoFit/>
-          </a:bodyPr>
-          <a:lstStyle/>
-          <a:p/>
-        </p:txBody>
-      </p:sp>
-    </p:spTree>
-  </p:cSld>
-  <p:clrMapOvr>
-    <a:masterClrMapping/>
-  </p:clrMapOvr>
-</p:sld>
-</file>
-
-<file path=ppt/slides/slide32.xml><?xml version="1.0" encoding="utf-8"?>
-<p:sld xmlns:a="http://schemas.openxmlformats.org/drawingml/2006/main" xmlns:p="http://schemas.openxmlformats.org/presentationml/2006/main" xmlns:r="http://schemas.openxmlformats.org/officeDocument/2006/relationships">
-  <p:cSld>
-    <p:spTree>
-      <p:nvGrpSpPr>
-        <p:cNvPr id="1" name=""/>
-        <p:cNvGrpSpPr/>
-        <p:nvPr/>
-      </p:nvGrpSpPr>
-      <p:grpSpPr/>
-      <p:sp>
-        <p:nvSpPr>
-          <p:cNvPr id="2" name="TextBox 1"/>
-          <p:cNvSpPr txBox="1"/>
-          <p:nvPr/>
-        </p:nvSpPr>
-        <p:spPr>
-          <a:xfrm>
-            <a:off x="457200" y="457200"/>
-            <a:ext cx="8229600" cy="914400"/>
-          </a:xfrm>
-          <a:prstGeom prst="rect">
-            <a:avLst/>
-          </a:prstGeom>
-          <a:noFill/>
-        </p:spPr>
-        <p:txBody>
-          <a:bodyPr wrap="none">
-            <a:spAutoFit/>
-          </a:bodyPr>
-          <a:lstStyle/>
-          <a:p>
-            <a:pPr algn="ctr">
-              <a:defRPr sz="3200" b="1">
-                <a:solidFill>
-                  <a:srgbClr val="003366"/>
-                </a:solidFill>
-              </a:defRPr>
-            </a:pPr>
-            <a:r>
-              <a:t>Single Vector vs. Bag-of-Vectors</a:t>
-            </a:r>
-          </a:p>
-        </p:txBody>
-      </p:sp>
-      <p:sp>
-        <p:nvSpPr>
-          <p:cNvPr id="3" name="TextBox 2"/>
-          <p:cNvSpPr txBox="1"/>
-          <p:nvPr/>
-        </p:nvSpPr>
-        <p:spPr>
-          <a:xfrm>
-            <a:off x="457200" y="1371600"/>
-            <a:ext cx="8229600" cy="3657600"/>
-          </a:xfrm>
-          <a:prstGeom prst="rect">
-            <a:avLst/>
-          </a:prstGeom>
-          <a:noFill/>
-        </p:spPr>
-        <p:txBody>
-          <a:bodyPr wrap="none">
-            <a:spAutoFit/>
-          </a:bodyPr>
-          <a:lstStyle/>
-          <a:p/>
-        </p:txBody>
-      </p:sp>
-    </p:spTree>
-  </p:cSld>
-  <p:clrMapOvr>
-    <a:masterClrMapping/>
-  </p:clrMapOvr>
-</p:sld>
-</file>
-
-<file path=ppt/slides/slide33.xml><?xml version="1.0" encoding="utf-8"?>
-<p:sld xmlns:a="http://schemas.openxmlformats.org/drawingml/2006/main" xmlns:p="http://schemas.openxmlformats.org/presentationml/2006/main" xmlns:r="http://schemas.openxmlformats.org/officeDocument/2006/relationships">
-  <p:cSld>
-    <p:spTree>
-      <p:nvGrpSpPr>
-        <p:cNvPr id="1" name=""/>
-        <p:cNvGrpSpPr/>
-        <p:nvPr/>
-      </p:nvGrpSpPr>
-      <p:grpSpPr/>
-      <p:sp>
-        <p:nvSpPr>
-          <p:cNvPr id="2" name="TextBox 1"/>
-          <p:cNvSpPr txBox="1"/>
-          <p:nvPr/>
-        </p:nvSpPr>
-        <p:spPr>
-          <a:xfrm>
-            <a:off x="457200" y="457200"/>
-            <a:ext cx="8229600" cy="914400"/>
-          </a:xfrm>
-          <a:prstGeom prst="rect">
-            <a:avLst/>
-          </a:prstGeom>
-          <a:noFill/>
-        </p:spPr>
-        <p:txBody>
-          <a:bodyPr wrap="none">
-            <a:spAutoFit/>
-          </a:bodyPr>
-          <a:lstStyle/>
-          <a:p>
-            <a:pPr algn="ctr">
-              <a:defRPr sz="3200" b="1">
-                <a:solidFill>
-                  <a:srgbClr val="003366"/>
-                </a:solidFill>
-              </a:defRPr>
-            </a:pPr>
-            <a:r>
-              <a:t>ColBERT and MaxSim</a:t>
-            </a:r>
-          </a:p>
-        </p:txBody>
-      </p:sp>
-      <p:sp>
-        <p:nvSpPr>
-          <p:cNvPr id="3" name="TextBox 2"/>
-          <p:cNvSpPr txBox="1"/>
-          <p:nvPr/>
-        </p:nvSpPr>
-        <p:spPr>
-          <a:xfrm>
-            <a:off x="457200" y="1371600"/>
-            <a:ext cx="8229600" cy="3657600"/>
-          </a:xfrm>
-          <a:prstGeom prst="rect">
-            <a:avLst/>
-          </a:prstGeom>
-          <a:noFill/>
-        </p:spPr>
-        <p:txBody>
-          <a:bodyPr wrap="none">
-            <a:spAutoFit/>
-          </a:bodyPr>
-          <a:lstStyle/>
-          <a:p/>
-        </p:txBody>
-      </p:sp>
-    </p:spTree>
-  </p:cSld>
-  <p:clrMapOvr>
-    <a:masterClrMapping/>
-  </p:clrMapOvr>
-</p:sld>
-</file>
-
-<file path=ppt/slides/slide34.xml><?xml version="1.0" encoding="utf-8"?>
-<p:sld xmlns:a="http://schemas.openxmlformats.org/drawingml/2006/main" xmlns:p="http://schemas.openxmlformats.org/presentationml/2006/main" xmlns:r="http://schemas.openxmlformats.org/officeDocument/2006/relationships">
-  <p:cSld>
-    <p:spTree>
-      <p:nvGrpSpPr>
-        <p:cNvPr id="1" name=""/>
-        <p:cNvGrpSpPr/>
-        <p:nvPr/>
-      </p:nvGrpSpPr>
-      <p:grpSpPr/>
-      <p:sp>
-        <p:nvSpPr>
-          <p:cNvPr id="2" name="TextBox 1"/>
-          <p:cNvSpPr txBox="1"/>
-          <p:nvPr/>
-        </p:nvSpPr>
-        <p:spPr>
-          <a:xfrm>
-            <a:off x="457200" y="457200"/>
-            <a:ext cx="8229600" cy="914400"/>
-          </a:xfrm>
-          <a:prstGeom prst="rect">
-            <a:avLst/>
-          </a:prstGeom>
-          <a:noFill/>
-        </p:spPr>
-        <p:txBody>
-          <a:bodyPr wrap="none">
-            <a:spAutoFit/>
-          </a:bodyPr>
-          <a:lstStyle/>
-          <a:p>
-            <a:pPr algn="ctr">
-              <a:defRPr sz="3200" b="1">
-                <a:solidFill>
-                  <a:srgbClr val="003366"/>
-                </a:solidFill>
-              </a:defRPr>
-            </a:pPr>
-            <a:r>
-              <a:t>Approximate Nearest Neighbor Search (ANN)</a:t>
-            </a:r>
-          </a:p>
-        </p:txBody>
-      </p:sp>
-      <p:sp>
-        <p:nvSpPr>
-          <p:cNvPr id="3" name="TextBox 2"/>
-          <p:cNvSpPr txBox="1"/>
-          <p:nvPr/>
-        </p:nvSpPr>
-        <p:spPr>
-          <a:xfrm>
-            <a:off x="457200" y="1371600"/>
-            <a:ext cx="8229600" cy="3657600"/>
-          </a:xfrm>
-          <a:prstGeom prst="rect">
-            <a:avLst/>
-          </a:prstGeom>
-          <a:noFill/>
-        </p:spPr>
-        <p:txBody>
-          <a:bodyPr wrap="none">
-            <a:spAutoFit/>
-          </a:bodyPr>
-          <a:lstStyle/>
-          <a:p/>
-        </p:txBody>
-      </p:sp>
-    </p:spTree>
-  </p:cSld>
-  <p:clrMapOvr>
-    <a:masterClrMapping/>
-  </p:clrMapOvr>
-</p:sld>
-</file>
-
-<file path=ppt/slides/slide35.xml><?xml version="1.0" encoding="utf-8"?>
-<p:sld xmlns:a="http://schemas.openxmlformats.org/drawingml/2006/main" xmlns:p="http://schemas.openxmlformats.org/presentationml/2006/main" xmlns:r="http://schemas.openxmlformats.org/officeDocument/2006/relationships">
-  <p:cSld>
-    <p:spTree>
-      <p:nvGrpSpPr>
-        <p:cNvPr id="1" name=""/>
-        <p:cNvGrpSpPr/>
-        <p:nvPr/>
-      </p:nvGrpSpPr>
-      <p:grpSpPr/>
-      <p:sp>
-        <p:nvSpPr>
-          <p:cNvPr id="2" name="TextBox 1"/>
-          <p:cNvSpPr txBox="1"/>
-          <p:nvPr/>
-        </p:nvSpPr>
-        <p:spPr>
-          <a:xfrm>
-            <a:off x="457200" y="457200"/>
-            <a:ext cx="8229600" cy="914400"/>
-          </a:xfrm>
-          <a:prstGeom prst="rect">
-            <a:avLst/>
-          </a:prstGeom>
-          <a:noFill/>
-        </p:spPr>
-        <p:txBody>
-          <a:bodyPr wrap="none">
-            <a:spAutoFit/>
-          </a:bodyPr>
-          <a:lstStyle/>
-          <a:p>
-            <a:pPr algn="ctr">
-              <a:defRPr sz="3200" b="1">
-                <a:solidFill>
-                  <a:srgbClr val="003366"/>
-                </a:solidFill>
-              </a:defRPr>
-            </a:pPr>
-            <a:r>
-              <a:t>Phased Retrieval and Ranking</a:t>
-            </a:r>
-          </a:p>
-        </p:txBody>
-      </p:sp>
-      <p:sp>
-        <p:nvSpPr>
-          <p:cNvPr id="3" name="TextBox 2"/>
-          <p:cNvSpPr txBox="1"/>
-          <p:nvPr/>
-        </p:nvSpPr>
-        <p:spPr>
-          <a:xfrm>
-            <a:off x="457200" y="1371600"/>
-            <a:ext cx="8229600" cy="3657600"/>
-          </a:xfrm>
-          <a:prstGeom prst="rect">
-            <a:avLst/>
-          </a:prstGeom>
-          <a:noFill/>
-        </p:spPr>
-        <p:txBody>
-          <a:bodyPr wrap="none">
-            <a:spAutoFit/>
-          </a:bodyPr>
-          <a:lstStyle/>
-          <a:p/>
-        </p:txBody>
-      </p:sp>
-    </p:spTree>
-  </p:cSld>
-  <p:clrMapOvr>
-    <a:masterClrMapping/>
-  </p:clrMapOvr>
-</p:sld>
-</file>
-
-<file path=ppt/slides/slide36.xml><?xml version="1.0" encoding="utf-8"?>
-<p:sld xmlns:a="http://schemas.openxmlformats.org/drawingml/2006/main" xmlns:p="http://schemas.openxmlformats.org/presentationml/2006/main" xmlns:r="http://schemas.openxmlformats.org/officeDocument/2006/relationships">
-  <p:cSld>
-    <p:spTree>
-      <p:nvGrpSpPr>
-        <p:cNvPr id="1" name=""/>
-        <p:cNvGrpSpPr/>
-        <p:nvPr/>
-      </p:nvGrpSpPr>
-      <p:grpSpPr/>
-      <p:sp>
-        <p:nvSpPr>
-          <p:cNvPr id="2" name="TextBox 1"/>
-          <p:cNvSpPr txBox="1"/>
-          <p:nvPr/>
-        </p:nvSpPr>
-        <p:spPr>
-          <a:xfrm>
-            <a:off x="457200" y="457200"/>
-            <a:ext cx="8229600" cy="914400"/>
-          </a:xfrm>
-          <a:prstGeom prst="rect">
-            <a:avLst/>
-          </a:prstGeom>
-          <a:noFill/>
-        </p:spPr>
-        <p:txBody>
-          <a:bodyPr wrap="none">
-            <a:spAutoFit/>
-          </a:bodyPr>
-          <a:lstStyle/>
-          <a:p>
-            <a:pPr algn="ctr">
-              <a:defRPr sz="3200" b="1">
-                <a:solidFill>
-                  <a:srgbClr val="003366"/>
-                </a:solidFill>
-              </a:defRPr>
-            </a:pPr>
-            <a:r>
-              <a:t>Computational Cost Trade-offs</a:t>
-            </a:r>
-          </a:p>
-        </p:txBody>
-      </p:sp>
-      <p:sp>
-        <p:nvSpPr>
-          <p:cNvPr id="3" name="TextBox 2"/>
-          <p:cNvSpPr txBox="1"/>
-          <p:nvPr/>
-        </p:nvSpPr>
-        <p:spPr>
-          <a:xfrm>
-            <a:off x="457200" y="1371600"/>
-            <a:ext cx="8229600" cy="3657600"/>
-          </a:xfrm>
-          <a:prstGeom prst="rect">
-            <a:avLst/>
-          </a:prstGeom>
-          <a:noFill/>
-        </p:spPr>
-        <p:txBody>
-          <a:bodyPr wrap="none">
-            <a:spAutoFit/>
-          </a:bodyPr>
-          <a:lstStyle/>
-          <a:p/>
-        </p:txBody>
-      </p:sp>
-    </p:spTree>
-  </p:cSld>
-  <p:clrMapOvr>
-    <a:masterClrMapping/>
-  </p:clrMapOvr>
-</p:sld>
-</file>
-
-<file path=ppt/slides/slide37.xml><?xml version="1.0" encoding="utf-8"?>
-<p:sld xmlns:a="http://schemas.openxmlformats.org/drawingml/2006/main" xmlns:p="http://schemas.openxmlformats.org/presentationml/2006/main" xmlns:r="http://schemas.openxmlformats.org/officeDocument/2006/relationships">
-  <p:cSld>
-    <p:spTree>
-      <p:nvGrpSpPr>
-        <p:cNvPr id="1" name=""/>
-        <p:cNvGrpSpPr/>
-        <p:nvPr/>
-      </p:nvGrpSpPr>
-      <p:grpSpPr/>
-      <p:sp>
-        <p:nvSpPr>
-          <p:cNvPr id="2" name="TextBox 1"/>
-          <p:cNvSpPr txBox="1"/>
-          <p:nvPr/>
-        </p:nvSpPr>
-        <p:spPr>
-          <a:xfrm>
-            <a:off x="457200" y="457200"/>
-            <a:ext cx="8229600" cy="914400"/>
-          </a:xfrm>
-          <a:prstGeom prst="rect">
-            <a:avLst/>
-          </a:prstGeom>
-          <a:noFill/>
-        </p:spPr>
-        <p:txBody>
-          <a:bodyPr wrap="none">
-            <a:spAutoFit/>
-          </a:bodyPr>
-          <a:lstStyle/>
-          <a:p>
-            <a:pPr algn="ctr">
-              <a:defRPr sz="3200" b="1">
-                <a:solidFill>
-                  <a:srgbClr val="003366"/>
-                </a:solidFill>
-              </a:defRPr>
-            </a:pPr>
-            <a:r>
-              <a:t>Real-world Examples and Applications</a:t>
-            </a:r>
-          </a:p>
-        </p:txBody>
-      </p:sp>
-      <p:sp>
-        <p:nvSpPr>
-          <p:cNvPr id="3" name="TextBox 2"/>
-          <p:cNvSpPr txBox="1"/>
-          <p:nvPr/>
-        </p:nvSpPr>
-        <p:spPr>
-          <a:xfrm>
-            <a:off x="457200" y="1371600"/>
-            <a:ext cx="8229600" cy="3657600"/>
-          </a:xfrm>
-          <a:prstGeom prst="rect">
-            <a:avLst/>
-          </a:prstGeom>
-          <a:noFill/>
-        </p:spPr>
-        <p:txBody>
-          <a:bodyPr wrap="none">
-            <a:spAutoFit/>
-          </a:bodyPr>
-          <a:lstStyle/>
-          <a:p/>
+          <a:p>
+            <a:pPr lvl="1">
+              <a:defRPr sz="1600"/>
+            </a:pPr>
+            <a:r>
+              <a:t>Extends multi-vector embeddings to visual data (images from PDFs).</a:t>
+            </a:r>
+          </a:p>
+          <a:p>
+            <a:pPr lvl="1">
+              <a:defRPr sz="1600"/>
+            </a:pPr>
+            <a:r>
+              <a:t>Divides images into patches; creates a vector for each patch.</a:t>
+            </a:r>
+          </a:p>
+          <a:p>
+            <a:pPr lvl="1">
+              <a:defRPr sz="1600"/>
+            </a:pPr>
+            <a:r>
+              <a:t>Combines patch embeddings with textual instructions for a comprehensive representation.</a:t>
+            </a:r>
+          </a:p>
+          <a:p>
+            <a:pPr lvl="1">
+              <a:defRPr sz="1600"/>
+            </a:pPr>
+            <a:r>
+              <a:t>Enables effective visual content retrieval without OCR.</a:t>
+            </a:r>
+          </a:p>
+          <a:p>
+            <a:pPr lvl="1">
+              <a:defRPr sz="1600"/>
+            </a:pPr>
+            <a:r>
+              <a:t>Example:  "Describe the image" + image patch embeddings.</a:t>
+            </a:r>
+          </a:p>
         </p:txBody>
       </p:sp>
     </p:spTree>
@@ -5541,7 +5041,7 @@
               </a:defRPr>
             </a:pPr>
             <a:r>
-              <a:t>Visual Multi-Vector Embeddings (ColPali)</a:t>
+              <a:t>Benefits of Multi-Vector Embeddings</a:t>
             </a:r>
           </a:p>
         </p:txBody>
@@ -5568,6 +5068,46 @@
           </a:bodyPr>
           <a:lstStyle/>
           <a:p/>
+          <a:p>
+            <a:pPr lvl="1">
+              <a:defRPr sz="1600"/>
+            </a:pPr>
+            <a:r>
+              <a:t>Improved Retrieval Accuracy: More precise matching.</a:t>
+            </a:r>
+          </a:p>
+          <a:p>
+            <a:pPr lvl="1">
+              <a:defRPr sz="1600"/>
+            </a:pPr>
+            <a:r>
+              <a:t>Reduced Retrieval Latency: Faster search.</a:t>
+            </a:r>
+          </a:p>
+          <a:p>
+            <a:pPr lvl="1">
+              <a:defRPr sz="1600"/>
+            </a:pPr>
+            <a:r>
+              <a:t>Reduced Computation Cost: Focus on relevant document parts.</a:t>
+            </a:r>
+          </a:p>
+          <a:p>
+            <a:pPr lvl="1">
+              <a:defRPr sz="1600"/>
+            </a:pPr>
+            <a:r>
+              <a:t>Handling Diverse Data Modalities:  Text and images easily integrated.</a:t>
+            </a:r>
+          </a:p>
+          <a:p>
+            <a:pPr lvl="1">
+              <a:defRPr sz="1600"/>
+            </a:pPr>
+            <a:r>
+              <a:t>Scalable to large datasets using Approximate Nearest Neighbor Search (ANN).</a:t>
+            </a:r>
+          </a:p>
         </p:txBody>
       </p:sp>
     </p:spTree>
@@ -5618,7 +5158,7 @@
               </a:defRPr>
             </a:pPr>
             <a:r>
-              <a:t>Benefits of Multi-Vector Embeddings</a:t>
+              <a:t>Similarity Calculation (MaxSim)</a:t>
             </a:r>
           </a:p>
         </p:txBody>
@@ -5645,6 +5185,38 @@
           </a:bodyPr>
           <a:lstStyle/>
           <a:p/>
+          <a:p>
+            <a:pPr lvl="1">
+              <a:defRPr sz="1600"/>
+            </a:pPr>
+            <a:r>
+              <a:t>Key for comparing query and document embeddings.</a:t>
+            </a:r>
+          </a:p>
+          <a:p>
+            <a:pPr lvl="1">
+              <a:defRPr sz="1600"/>
+            </a:pPr>
+            <a:r>
+              <a:t>Calculates maximum similarity between each query vector and all document vectors.</a:t>
+            </a:r>
+          </a:p>
+          <a:p>
+            <a:pPr lvl="1">
+              <a:defRPr sz="1600"/>
+            </a:pPr>
+            <a:r>
+              <a:t>Ensures high relevance even with a single perfect match.</a:t>
+            </a:r>
+          </a:p>
+          <a:p>
+            <a:pPr lvl="1">
+              <a:defRPr sz="1600"/>
+            </a:pPr>
+            <a:r>
+              <a:t>Efficiently identifies the most relevant document sections.</a:t>
+            </a:r>
+          </a:p>
         </p:txBody>
       </p:sp>
     </p:spTree>
@@ -5695,7 +5267,7 @@
               </a:defRPr>
             </a:pPr>
             <a:r>
-              <a:t>Similarity Calculation (MaxSim)</a:t>
+              <a:t>Approximate Nearest Neighbor Search (ANN)</a:t>
             </a:r>
           </a:p>
         </p:txBody>
@@ -5722,6 +5294,38 @@
           </a:bodyPr>
           <a:lstStyle/>
           <a:p/>
+          <a:p>
+            <a:pPr lvl="1">
+              <a:defRPr sz="1600"/>
+            </a:pPr>
+            <a:r>
+              <a:t>Efficiently searches through massive multi-vector embedding datasets.</a:t>
+            </a:r>
+          </a:p>
+          <a:p>
+            <a:pPr lvl="1">
+              <a:defRPr sz="1600"/>
+            </a:pPr>
+            <a:r>
+              <a:t>Quickly finds most similar documents without exhaustive comparisons.</a:t>
+            </a:r>
+          </a:p>
+          <a:p>
+            <a:pPr lvl="1">
+              <a:defRPr sz="1600"/>
+            </a:pPr>
+            <a:r>
+              <a:t>HNSW (Hierarchical Navigable Small World) is a common effective ANN method.</a:t>
+            </a:r>
+          </a:p>
+          <a:p>
+            <a:pPr lvl="1">
+              <a:defRPr sz="1600"/>
+            </a:pPr>
+            <a:r>
+              <a:t>Balances speed and accuracy in large-scale retrieval.</a:t>
+            </a:r>
+          </a:p>
         </p:txBody>
       </p:sp>
     </p:spTree>
@@ -5772,7 +5376,7 @@
               </a:defRPr>
             </a:pPr>
             <a:r>
-              <a:t>Approximate Nearest Neighbor Search (ANN)</a:t>
+              <a:t>ColBERT Architecture Overview: Efficient and Accurate Text Retrieval</a:t>
             </a:r>
           </a:p>
         </p:txBody>
@@ -5799,6 +5403,46 @@
           </a:bodyPr>
           <a:lstStyle/>
           <a:p/>
+          <a:p>
+            <a:pPr lvl="1">
+              <a:defRPr sz="1600"/>
+            </a:pPr>
+            <a:r>
+              <a:t>Uses pre-trained transformers (like BERT) for rich token embeddings.</a:t>
+            </a:r>
+          </a:p>
+          <a:p>
+            <a:pPr lvl="1">
+              <a:defRPr sz="1600"/>
+            </a:pPr>
+            <a:r>
+              <a:t>Employs a bag-of-token vectors for capturing context effectively.</a:t>
+            </a:r>
+          </a:p>
+          <a:p>
+            <a:pPr lvl="1">
+              <a:defRPr sz="1600"/>
+            </a:pPr>
+            <a:r>
+              <a:t>"Late interaction": Query-document comparison happens only during retrieval.</a:t>
+            </a:r>
+          </a:p>
+          <a:p>
+            <a:pPr lvl="1">
+              <a:defRPr sz="1600"/>
+            </a:pPr>
+            <a:r>
+              <a:t>MaxSim scoring mechanism: Selects highest similarity scores for efficient computation.</a:t>
+            </a:r>
+          </a:p>
+          <a:p>
+            <a:pPr lvl="1">
+              <a:defRPr sz="1600"/>
+            </a:pPr>
+            <a:r>
+              <a:t>Balances accuracy and speed for efficient large-scale retrieval.</a:t>
+            </a:r>
+          </a:p>
         </p:txBody>
       </p:sp>
     </p:spTree>
@@ -5849,7 +5493,7 @@
               </a:defRPr>
             </a:pPr>
             <a:r>
-              <a:t>ColBERT Architecture Overview</a:t>
+              <a:t>Key Concepts of ColBERT</a:t>
             </a:r>
           </a:p>
         </p:txBody>
@@ -5876,6 +5520,30 @@
           </a:bodyPr>
           <a:lstStyle/>
           <a:p/>
+          <a:p>
+            <a:pPr lvl="1">
+              <a:defRPr sz="1600"/>
+            </a:pPr>
+            <a:r>
+              <a:t>Multi-vector Embeddings: Rich contextual information using multiple token embeddings.</a:t>
+            </a:r>
+          </a:p>
+          <a:p>
+            <a:pPr lvl="1">
+              <a:defRPr sz="1600"/>
+            </a:pPr>
+            <a:r>
+              <a:t>Late Interaction: Efficient comparison of pre-computed document embeddings at retrieval time.</a:t>
+            </a:r>
+          </a:p>
+          <a:p>
+            <a:pPr lvl="1">
+              <a:defRPr sz="1600"/>
+            </a:pPr>
+            <a:r>
+              <a:t>MaxSim: Efficient scoring function selecting maximum similarities between query and document tokens.</a:t>
+            </a:r>
+          </a:p>
         </p:txBody>
       </p:sp>
     </p:spTree>
@@ -5926,7 +5594,7 @@
               </a:defRPr>
             </a:pPr>
             <a:r>
-              <a:t>Key Concepts in ColBERT</a:t>
+              <a:t>How ColBERT Works: A Step-by-Step Guide</a:t>
             </a:r>
           </a:p>
         </p:txBody>
@@ -5953,6 +5621,54 @@
           </a:bodyPr>
           <a:lstStyle/>
           <a:p/>
+          <a:p>
+            <a:pPr lvl="1">
+              <a:defRPr sz="1600"/>
+            </a:pPr>
+            <a:r>
+              <a:t>Indexing: Offline processing and embedding of document tokens.</a:t>
+            </a:r>
+          </a:p>
+          <a:p>
+            <a:pPr lvl="1">
+              <a:defRPr sz="1600"/>
+            </a:pPr>
+            <a:r>
+              <a:t>Query Encoding:  Embedding of query tokens using the same pre-trained model.</a:t>
+            </a:r>
+          </a:p>
+          <a:p>
+            <a:pPr lvl="1">
+              <a:defRPr sz="1600"/>
+            </a:pPr>
+            <a:r>
+              <a:t>Similarity Calculation: Computing similarity (dot product) between query and document token embeddings.</a:t>
+            </a:r>
+          </a:p>
+          <a:p>
+            <a:pPr lvl="1">
+              <a:defRPr sz="1600"/>
+            </a:pPr>
+            <a:r>
+              <a:t>MaxSim Selection: Choosing the maximum similarity score for each query token.</a:t>
+            </a:r>
+          </a:p>
+          <a:p>
+            <a:pPr lvl="1">
+              <a:defRPr sz="1600"/>
+            </a:pPr>
+            <a:r>
+              <a:t>Aggregation: Summing maximum similarity scores for a final document score.</a:t>
+            </a:r>
+          </a:p>
+          <a:p>
+            <a:pPr lvl="1">
+              <a:defRPr sz="1600"/>
+            </a:pPr>
+            <a:r>
+              <a:t>Ranking: Ranking documents based on their final scores.</a:t>
+            </a:r>
+          </a:p>
         </p:txBody>
       </p:sp>
     </p:spTree>

--- a/server-side/server/teacher/downloaded-presentations/Large Language Models/Colbert.pptx
+++ b/server-side/server/teacher/downloaded-presentations/Large Language Models/Colbert.pptx
@@ -18,16 +18,6 @@
     <p:sldId id="266" r:id="rId17"/>
     <p:sldId id="267" r:id="rId18"/>
     <p:sldId id="268" r:id="rId19"/>
-    <p:sldId id="269" r:id="rId20"/>
-    <p:sldId id="270" r:id="rId21"/>
-    <p:sldId id="271" r:id="rId22"/>
-    <p:sldId id="272" r:id="rId23"/>
-    <p:sldId id="273" r:id="rId24"/>
-    <p:sldId id="274" r:id="rId25"/>
-    <p:sldId id="275" r:id="rId26"/>
-    <p:sldId id="276" r:id="rId27"/>
-    <p:sldId id="277" r:id="rId28"/>
-    <p:sldId id="278" r:id="rId29"/>
   </p:sldIdLst>
   <p:sldSz cx="9144000" cy="6858000" type="screen4x3"/>
   <p:notesSz cx="6858000" cy="9144000"/>
@@ -3127,10 +3117,11 @@
           <a:noFill/>
         </p:spPr>
         <p:txBody>
-          <a:bodyPr wrap="none">
+          <a:bodyPr wrap="square">
             <a:spAutoFit/>
           </a:bodyPr>
           <a:lstStyle/>
+          <a:p/>
           <a:p>
             <a:pPr algn="ctr">
               <a:defRPr sz="3200" b="1">
@@ -3140,7 +3131,7 @@
               </a:defRPr>
             </a:pPr>
             <a:r>
-              <a:t>Multi-Vector Embeddings: A Revolution in Information Retrieval</a:t>
+              <a:t>Multi-Vector Embeddings in Transformers</a:t>
             </a:r>
           </a:p>
         </p:txBody>
@@ -3154,7 +3145,7 @@
         <p:spPr>
           <a:xfrm>
             <a:off x="457200" y="1371600"/>
-            <a:ext cx="8229600" cy="3657600"/>
+            <a:ext cx="8229600" cy="4572000"/>
           </a:xfrm>
           <a:prstGeom prst="rect">
             <a:avLst/>
@@ -3162,65 +3153,89 @@
           <a:noFill/>
         </p:spPr>
         <p:txBody>
-          <a:bodyPr wrap="none">
+          <a:bodyPr wrap="square">
             <a:spAutoFit/>
           </a:bodyPr>
           <a:lstStyle/>
           <a:p/>
           <a:p>
+            <a:pPr lvl="2">
+              <a:defRPr sz="1200" b="1"/>
+            </a:pPr>
+            <a:r>
+              <a:t>Multi-Vector Embeddings in Transformers</a:t>
+            </a:r>
+          </a:p>
+          <a:p>
+            <a:pPr>
+              <a:defRPr sz="1800"/>
+            </a:pPr>
+            <a:r>
+              <a:t>Multi-vector embeddings represent a significant advancement in information retrieval, especially within LLMs and transformer architectures. Unlike single-vector embeddings which average information leading to potential loss, multi-vector embeddings utilize a collection of vectors, each capturing a different aspect of the document. This nuanced representation improves search accuracy and efficiency, particularly with complex documents containing diverse data (text and images).</a:t>
+            </a:r>
+          </a:p>
+          <a:p>
             <a:pPr lvl="1">
-              <a:defRPr sz="1600"/>
-            </a:pPr>
-            <a:r>
-              <a:t>Moves beyond single-vector representations, capturing richer document aspects.</a:t>
+              <a:defRPr sz="1800"/>
+            </a:pPr>
+            <a:r>
+              <a:t>Addresses Information Loss: Avoids averaging diverse information into a single, diluted representation.</a:t>
             </a:r>
           </a:p>
           <a:p>
             <a:pPr lvl="1">
-              <a:defRPr sz="1600"/>
-            </a:pPr>
-            <a:r>
-              <a:t>Uses a "bag-of-vectors," each representing a different feature (word, phrase, image).</a:t>
+              <a:defRPr sz="1800"/>
+            </a:pPr>
+            <a:r>
+              <a:t>Enhanced Search Accuracy: Enables more precise matching of queries to document features.</a:t>
             </a:r>
           </a:p>
           <a:p>
             <a:pPr lvl="1">
-              <a:defRPr sz="1600"/>
-            </a:pPr>
-            <a:r>
-              <a:t>Improves search accuracy by allowing for more nuanced matching.</a:t>
+              <a:defRPr sz="1800"/>
+            </a:pPr>
+            <a:r>
+              <a:t>Improved Efficiency: Allows for focusing on relevant parts, reducing overall computational load.</a:t>
             </a:r>
           </a:p>
           <a:p>
             <a:pPr lvl="1">
-              <a:defRPr sz="1600"/>
-            </a:pPr>
-            <a:r>
-              <a:t>Particularly beneficial for complex documents with diverse information (text &amp; images).</a:t>
-            </a:r>
-          </a:p>
-          <a:p>
-            <a:pPr lvl="1">
-              <a:defRPr sz="1600"/>
-            </a:pPr>
-            <a:r>
-              <a:t>Examples: Textual embeddings (word-level), Visual embeddings (ColPali - image patches).</a:t>
-            </a:r>
-          </a:p>
-          <a:p>
-            <a:pPr lvl="1">
-              <a:defRPr sz="1600"/>
-            </a:pPr>
-            <a:r>
-              <a:t>Enhanced search efficiency through focused comparison of relevant parts.</a:t>
-            </a:r>
-          </a:p>
-          <a:p>
-            <a:pPr lvl="1">
-              <a:defRPr sz="1600"/>
-            </a:pPr>
-            <a:r>
-              <a:t>Handles diverse data modalities seamlessly.</a:t>
+              <a:defRPr sz="1800"/>
+            </a:pPr>
+            <a:r>
+              <a:t>Handles Diverse Data: Seamlessly integrates text, images, and other modalities.</a:t>
+            </a:r>
+          </a:p>
+          <a:p>
+            <a:pPr>
+              <a:defRPr sz="1800" b="1"/>
+            </a:pPr>
+            <a:r>
+              <a:t>Addresses Information Loss: Avoids averaging diverse information into a single, diluted representation.</a:t>
+            </a:r>
+          </a:p>
+          <a:p>
+            <a:pPr>
+              <a:defRPr sz="1800" b="1"/>
+            </a:pPr>
+            <a:r>
+              <a:t>Enhanced Search Accuracy: Enables more precise matching of queries to document features.</a:t>
+            </a:r>
+          </a:p>
+          <a:p>
+            <a:pPr>
+              <a:defRPr sz="1800" b="1"/>
+            </a:pPr>
+            <a:r>
+              <a:t>Improved Efficiency: Allows for focusing on relevant parts, reducing overall computational load.</a:t>
+            </a:r>
+          </a:p>
+          <a:p>
+            <a:pPr>
+              <a:defRPr sz="1800" b="1"/>
+            </a:pPr>
+            <a:r>
+              <a:t>Handles Diverse Data: Seamlessly integrates text, images, and other modalities.</a:t>
             </a:r>
           </a:p>
         </p:txBody>
@@ -3260,10 +3275,11 @@
           <a:noFill/>
         </p:spPr>
         <p:txBody>
-          <a:bodyPr wrap="none">
+          <a:bodyPr wrap="square">
             <a:spAutoFit/>
           </a:bodyPr>
           <a:lstStyle/>
+          <a:p/>
           <a:p>
             <a:pPr algn="ctr">
               <a:defRPr sz="3200" b="1">
@@ -3273,7 +3289,7 @@
               </a:defRPr>
             </a:pPr>
             <a:r>
-              <a:t>ColBERT vs. Traditional Methods</a:t>
+              <a:t>Late Interaction in ColBERT: A Deep Dive</a:t>
             </a:r>
           </a:p>
         </p:txBody>
@@ -3287,7 +3303,7 @@
         <p:spPr>
           <a:xfrm>
             <a:off x="457200" y="1371600"/>
-            <a:ext cx="8229600" cy="3657600"/>
+            <a:ext cx="8229600" cy="4572000"/>
           </a:xfrm>
           <a:prstGeom prst="rect">
             <a:avLst/>
@@ -3295,33 +3311,57 @@
           <a:noFill/>
         </p:spPr>
         <p:txBody>
-          <a:bodyPr wrap="none">
+          <a:bodyPr wrap="square">
             <a:spAutoFit/>
           </a:bodyPr>
           <a:lstStyle/>
           <a:p/>
           <a:p>
+            <a:pPr lvl="2">
+              <a:defRPr sz="1200" b="1"/>
+            </a:pPr>
+            <a:r>
+              <a:t>Late Interaction in ColBERT</a:t>
+            </a:r>
+          </a:p>
+          <a:p>
+            <a:pPr>
+              <a:defRPr sz="1800"/>
+            </a:pPr>
+            <a:r>
+              <a:t>ColBERT's 'late interaction' creates document embeddings offline.  Query embeddings are generated only at retrieval time and compared to pre-computed document embeddings. This improves efficiency by performing expensive computations only once.</a:t>
+            </a:r>
+          </a:p>
+          <a:p>
             <a:pPr lvl="1">
-              <a:defRPr sz="1600"/>
-            </a:pPr>
-            <a:r>
-              <a:t>ColBERT utilizes multi-vector embeddings for better context capture; traditional methods use single vectors, leading to information loss.</a:t>
+              <a:defRPr sz="1800"/>
+            </a:pPr>
+            <a:r>
+              <a:t>Efficiency: Expensive computations during indexing, not repeated for each query.</a:t>
             </a:r>
           </a:p>
           <a:p>
             <a:pPr lvl="1">
-              <a:defRPr sz="1600"/>
-            </a:pPr>
-            <a:r>
-              <a:t>ColBERT's late interaction approach is significantly more efficient than early interaction methods.</a:t>
-            </a:r>
-          </a:p>
-          <a:p>
-            <a:pPr lvl="1">
-              <a:defRPr sz="1600"/>
-            </a:pPr>
-            <a:r>
-              <a:t>Improved retrieval accuracy and efficiency over traditional single-vector approaches.</a:t>
+              <a:defRPr sz="1800"/>
+            </a:pPr>
+            <a:r>
+              <a:t>MaxSim Mechanism:  Finds maximum similarity between query and document tokens.</a:t>
+            </a:r>
+          </a:p>
+          <a:p>
+            <a:pPr>
+              <a:defRPr sz="1800" b="1"/>
+            </a:pPr>
+            <a:r>
+              <a:t>Efficiency: Expensive computations during indexing, not repeated for each query.</a:t>
+            </a:r>
+          </a:p>
+          <a:p>
+            <a:pPr>
+              <a:defRPr sz="1800" b="1"/>
+            </a:pPr>
+            <a:r>
+              <a:t>MaxSim Mechanism:  Finds maximum similarity between query and document tokens.</a:t>
             </a:r>
           </a:p>
         </p:txBody>
@@ -3361,10 +3401,11 @@
           <a:noFill/>
         </p:spPr>
         <p:txBody>
-          <a:bodyPr wrap="none">
+          <a:bodyPr wrap="square">
             <a:spAutoFit/>
           </a:bodyPr>
           <a:lstStyle/>
+          <a:p/>
           <a:p>
             <a:pPr algn="ctr">
               <a:defRPr sz="3200" b="1">
@@ -3374,7 +3415,7 @@
               </a:defRPr>
             </a:pPr>
             <a:r>
-              <a:t>ColBERT Example: "sweet apple" query</a:t>
+              <a:t>Early vs. Late Interaction: A Comparison</a:t>
             </a:r>
           </a:p>
         </p:txBody>
@@ -3388,7 +3429,7 @@
         <p:spPr>
           <a:xfrm>
             <a:off x="457200" y="1371600"/>
-            <a:ext cx="8229600" cy="3657600"/>
+            <a:ext cx="8229600" cy="4572000"/>
           </a:xfrm>
           <a:prstGeom prst="rect">
             <a:avLst/>
@@ -3396,49 +3437,81 @@
           <a:noFill/>
         </p:spPr>
         <p:txBody>
-          <a:bodyPr wrap="none">
+          <a:bodyPr wrap="square">
             <a:spAutoFit/>
           </a:bodyPr>
           <a:lstStyle/>
           <a:p/>
           <a:p>
+            <a:pPr lvl="2">
+              <a:defRPr sz="1200" b="1"/>
+            </a:pPr>
+            <a:r>
+              <a:t>Early vs. Late Interaction</a:t>
+            </a:r>
+          </a:p>
+          <a:p>
+            <a:pPr>
+              <a:defRPr sz="1800"/>
+            </a:pPr>
+            <a:r>
+              <a:t>Early Interaction: Processes queries and documents together, capturing nuanced interactions but at high computational cost.</a:t>
+            </a:r>
+          </a:p>
+          <a:p>
+            <a:pPr>
+              <a:defRPr sz="1800" b="1"/>
+            </a:pPr>
+            <a:r>
+              <a:t>Early Interaction: Processes queries and documents together, capturing nuanced interactions but at high computational cost.</a:t>
+            </a:r>
+          </a:p>
+          <a:p>
+            <a:pPr>
+              <a:defRPr sz="1800"/>
+            </a:pPr>
+            <a:r>
+              <a:t>Late Interaction: Generates embeddings independently and compares them at retrieval time, prioritizing efficiency over nuanced interactions.</a:t>
+            </a:r>
+          </a:p>
+          <a:p>
+            <a:pPr>
+              <a:defRPr sz="1800" b="1"/>
+            </a:pPr>
+            <a:r>
+              <a:t>Late Interaction: Generates embeddings independently and compares them at retrieval time, prioritizing efficiency over nuanced interactions.</a:t>
+            </a:r>
+          </a:p>
+          <a:p>
             <a:pPr lvl="1">
-              <a:defRPr sz="1600"/>
-            </a:pPr>
-            <a:r>
-              <a:t>Document: "The apple is sweet and crisp"</a:t>
+              <a:defRPr sz="1800"/>
+            </a:pPr>
+            <a:r>
+              <a:t>Early Interaction: High accuracy, high computational cost.</a:t>
             </a:r>
           </a:p>
           <a:p>
             <a:pPr lvl="1">
-              <a:defRPr sz="1600"/>
-            </a:pPr>
-            <a:r>
-              <a:t>Query: "sweet apple"</a:t>
-            </a:r>
-          </a:p>
-          <a:p>
-            <a:pPr lvl="1">
-              <a:defRPr sz="1600"/>
-            </a:pPr>
-            <a:r>
-              <a:t>ColBERT generates embeddings for each token.</a:t>
-            </a:r>
-          </a:p>
-          <a:p>
-            <a:pPr lvl="1">
-              <a:defRPr sz="1600"/>
-            </a:pPr>
-            <a:r>
-              <a:t>MaxSim finds highest similarity between query "sweet" and document "sweet", and query "apple" and document "apple".</a:t>
-            </a:r>
-          </a:p>
-          <a:p>
-            <a:pPr lvl="1">
-              <a:defRPr sz="1600"/>
-            </a:pPr>
-            <a:r>
-              <a:t>These maximum similarities are summed for the final document score.</a:t>
+              <a:defRPr sz="1800"/>
+            </a:pPr>
+            <a:r>
+              <a:t>Late Interaction: High efficiency, potentially lower accuracy in highly nuanced scenarios.</a:t>
+            </a:r>
+          </a:p>
+          <a:p>
+            <a:pPr>
+              <a:defRPr sz="1800" b="1"/>
+            </a:pPr>
+            <a:r>
+              <a:t>Early Interaction: High accuracy, high computational cost.</a:t>
+            </a:r>
+          </a:p>
+          <a:p>
+            <a:pPr>
+              <a:defRPr sz="1800" b="1"/>
+            </a:pPr>
+            <a:r>
+              <a:t>Late Interaction: High efficiency, potentially lower accuracy in highly nuanced scenarios.</a:t>
             </a:r>
           </a:p>
         </p:txBody>
@@ -3478,10 +3551,11 @@
           <a:noFill/>
         </p:spPr>
         <p:txBody>
-          <a:bodyPr wrap="none">
+          <a:bodyPr wrap="square">
             <a:spAutoFit/>
           </a:bodyPr>
           <a:lstStyle/>
+          <a:p/>
           <a:p>
             <a:pPr algn="ctr">
               <a:defRPr sz="3200" b="1">
@@ -3491,7 +3565,7 @@
               </a:defRPr>
             </a:pPr>
             <a:r>
-              <a:t>ColBERT Extensions: Adaptability and Versatility</a:t>
+              <a:t>MaxSim for Query-Document Comparison</a:t>
             </a:r>
           </a:p>
         </p:txBody>
@@ -3505,7 +3579,7 @@
         <p:spPr>
           <a:xfrm>
             <a:off x="457200" y="1371600"/>
-            <a:ext cx="8229600" cy="3657600"/>
+            <a:ext cx="8229600" cy="4572000"/>
           </a:xfrm>
           <a:prstGeom prst="rect">
             <a:avLst/>
@@ -3513,33 +3587,89 @@
           <a:noFill/>
         </p:spPr>
         <p:txBody>
-          <a:bodyPr wrap="none">
+          <a:bodyPr wrap="square">
             <a:spAutoFit/>
           </a:bodyPr>
           <a:lstStyle/>
           <a:p/>
           <a:p>
+            <a:pPr lvl="2">
+              <a:defRPr sz="1200" b="1"/>
+            </a:pPr>
+            <a:r>
+              <a:t>MaxSim for Query-Document Comparison</a:t>
+            </a:r>
+          </a:p>
+          <a:p>
+            <a:pPr>
+              <a:defRPr sz="1800"/>
+            </a:pPr>
+            <a:r>
+              <a:t>MaxSim calculates similarity using tensor operations. It computes the dot product between query and document embeddings, finds the maximum similarity for each query token, and sums these for a final score.  It's efficient and effective for large datasets.</a:t>
+            </a:r>
+          </a:p>
+          <a:p>
             <a:pPr lvl="1">
-              <a:defRPr sz="1600"/>
-            </a:pPr>
-            <a:r>
-              <a:t>ColPali: Adapting ColBERT for vision-language models.</a:t>
+              <a:defRPr sz="1800"/>
+            </a:pPr>
+            <a:r>
+              <a:t>Vespa Implementation:  Uses Vespa's ranking expression for efficient computation.</a:t>
             </a:r>
           </a:p>
           <a:p>
             <a:pPr lvl="1">
-              <a:defRPr sz="1600"/>
-            </a:pPr>
-            <a:r>
-              <a:t>Other variants (ColIdefics):  Tailored for diverse applications.</a:t>
+              <a:defRPr sz="1800"/>
+            </a:pPr>
+            <a:r>
+              <a:t>PyTorch Implementation:  Leverages torch.einsum for concise tensor operations.</a:t>
             </a:r>
           </a:p>
           <a:p>
             <a:pPr lvl="1">
-              <a:defRPr sz="1600"/>
-            </a:pPr>
-            <a:r>
-              <a:t>Demonstrates the flexibility and broad applicability of the core ColBERT architecture.</a:t>
+              <a:defRPr sz="1800"/>
+            </a:pPr>
+            <a:r>
+              <a:t>Scaling:  Combines with ANN and candidate selection for handling billions of documents.</a:t>
+            </a:r>
+          </a:p>
+          <a:p>
+            <a:pPr lvl="1">
+              <a:defRPr sz="1800"/>
+            </a:pPr>
+            <a:r>
+              <a:t>Hamming Distance: Can use Hamming distance instead of dot product for similarity.</a:t>
+            </a:r>
+          </a:p>
+          <a:p>
+            <a:pPr>
+              <a:defRPr sz="1800" b="1"/>
+            </a:pPr>
+            <a:r>
+              <a:t>Vespa Implementation:  Uses Vespa's ranking expression for efficient computation.</a:t>
+            </a:r>
+          </a:p>
+          <a:p>
+            <a:pPr>
+              <a:defRPr sz="1800" b="1"/>
+            </a:pPr>
+            <a:r>
+              <a:t>PyTorch Implementation:  Leverages torch.einsum for concise tensor operations.</a:t>
+            </a:r>
+          </a:p>
+          <a:p>
+            <a:pPr>
+              <a:defRPr sz="1800" b="1"/>
+            </a:pPr>
+            <a:r>
+              <a:t>Scaling:  Combines with ANN and candidate selection for handling billions of documents.</a:t>
+            </a:r>
+          </a:p>
+          <a:p>
+            <a:pPr>
+              <a:defRPr sz="1800" b="1"/>
+            </a:pPr>
+            <a:r>
+              <a:t>Hamming Distance: Can use Hamming distance instead of dot product for similarity.</a:t>
             </a:r>
           </a:p>
         </p:txBody>
@@ -3579,10 +3709,11 @@
           <a:noFill/>
         </p:spPr>
         <p:txBody>
-          <a:bodyPr wrap="none">
+          <a:bodyPr wrap="square">
             <a:spAutoFit/>
           </a:bodyPr>
           <a:lstStyle/>
+          <a:p/>
           <a:p>
             <a:pPr algn="ctr">
               <a:defRPr sz="3200" b="1">
@@ -3592,7 +3723,7 @@
               </a:defRPr>
             </a:pPr>
             <a:r>
-              <a:t>Late Interaction in ColBERT: Efficiency and Scalability</a:t>
+              <a:t>Computational Cost Analysis of Retrieval Methods</a:t>
             </a:r>
           </a:p>
         </p:txBody>
@@ -3606,7 +3737,7 @@
         <p:spPr>
           <a:xfrm>
             <a:off x="457200" y="1371600"/>
-            <a:ext cx="8229600" cy="3657600"/>
+            <a:ext cx="8229600" cy="4572000"/>
           </a:xfrm>
           <a:prstGeom prst="rect">
             <a:avLst/>
@@ -3614,711 +3745,73 @@
           <a:noFill/>
         </p:spPr>
         <p:txBody>
-          <a:bodyPr wrap="none">
+          <a:bodyPr wrap="square">
             <a:spAutoFit/>
           </a:bodyPr>
           <a:lstStyle/>
           <a:p/>
           <a:p>
+            <a:pPr lvl="2">
+              <a:defRPr sz="1200" b="1"/>
+            </a:pPr>
+            <a:r>
+              <a:t>Computational Cost Analysis of Retrieval Methods</a:t>
+            </a:r>
+          </a:p>
+          <a:p>
+            <a:pPr>
+              <a:defRPr sz="1800"/>
+            </a:pPr>
+            <a:r>
+              <a:t>Efficient retrieval is crucial for large language models.  Naive approaches are computationally infeasible for massive datasets. Strategies like bag-of-vectors, ANN, and phased retrieval are used to optimize speed and resource usage.</a:t>
+            </a:r>
+          </a:p>
+          <a:p>
             <a:pPr lvl="1">
-              <a:defRPr sz="1600"/>
-            </a:pPr>
-            <a:r>
-              <a:t>Document embeddings are pre-computed offline, improving efficiency.</a:t>
+              <a:defRPr sz="1800"/>
+            </a:pPr>
+            <a:r>
+              <a:t>Bag-of-Vectors: Improves accuracy and speed over single-vector methods but increases storage and computation.</a:t>
             </a:r>
           </a:p>
           <a:p>
             <a:pPr lvl="1">
-              <a:defRPr sz="1600"/>
-            </a:pPr>
-            <a:r>
-              <a:t>Query embeddings are generated only at retrieval time.</a:t>
+              <a:defRPr sz="1800"/>
+            </a:pPr>
+            <a:r>
+              <a:t>ANN:  Provides speedup but sacrifices some accuracy.</a:t>
             </a:r>
           </a:p>
           <a:p>
             <a:pPr lvl="1">
-              <a:defRPr sz="1600"/>
-            </a:pPr>
-            <a:r>
-              <a:t>Expensive computations happen once (indexing), not repeatedly for each query.</a:t>
-            </a:r>
-          </a:p>
-          <a:p>
-            <a:pPr lvl="1">
-              <a:defRPr sz="1600"/>
-            </a:pPr>
-            <a:r>
-              <a:t>This "late" comparison is computationally efficient for large-scale retrieval.</a:t>
-            </a:r>
-          </a:p>
-          <a:p>
-            <a:pPr lvl="1">
-              <a:defRPr sz="1600"/>
-            </a:pPr>
-            <a:r>
-              <a:t>MaxSim mechanism efficiently captures most relevant document parts.</a:t>
-            </a:r>
-          </a:p>
-        </p:txBody>
-      </p:sp>
-    </p:spTree>
-  </p:cSld>
-  <p:clrMapOvr>
-    <a:masterClrMapping/>
-  </p:clrMapOvr>
-</p:sld>
-</file>
-
-<file path=ppt/slides/slide14.xml><?xml version="1.0" encoding="utf-8"?>
-<p:sld xmlns:a="http://schemas.openxmlformats.org/drawingml/2006/main" xmlns:p="http://schemas.openxmlformats.org/presentationml/2006/main" xmlns:r="http://schemas.openxmlformats.org/officeDocument/2006/relationships">
-  <p:cSld>
-    <p:spTree>
-      <p:nvGrpSpPr>
-        <p:cNvPr id="1" name=""/>
-        <p:cNvGrpSpPr/>
-        <p:nvPr/>
-      </p:nvGrpSpPr>
-      <p:grpSpPr/>
-      <p:sp>
-        <p:nvSpPr>
-          <p:cNvPr id="2" name="TextBox 1"/>
-          <p:cNvSpPr txBox="1"/>
-          <p:nvPr/>
-        </p:nvSpPr>
-        <p:spPr>
-          <a:xfrm>
-            <a:off x="457200" y="457200"/>
-            <a:ext cx="8229600" cy="914400"/>
-          </a:xfrm>
-          <a:prstGeom prst="rect">
-            <a:avLst/>
-          </a:prstGeom>
-          <a:noFill/>
-        </p:spPr>
-        <p:txBody>
-          <a:bodyPr wrap="none">
-            <a:spAutoFit/>
-          </a:bodyPr>
-          <a:lstStyle/>
-          <a:p>
-            <a:pPr algn="ctr">
-              <a:defRPr sz="3200" b="1">
-                <a:solidFill>
-                  <a:srgbClr val="003366"/>
-                </a:solidFill>
-              </a:defRPr>
-            </a:pPr>
-            <a:r>
-              <a:t>Early Interaction vs. Late Interaction: A Comparison</a:t>
-            </a:r>
-          </a:p>
-        </p:txBody>
-      </p:sp>
-      <p:sp>
-        <p:nvSpPr>
-          <p:cNvPr id="3" name="TextBox 2"/>
-          <p:cNvSpPr txBox="1"/>
-          <p:nvPr/>
-        </p:nvSpPr>
-        <p:spPr>
-          <a:xfrm>
-            <a:off x="457200" y="1371600"/>
-            <a:ext cx="8229600" cy="3657600"/>
-          </a:xfrm>
-          <a:prstGeom prst="rect">
-            <a:avLst/>
-          </a:prstGeom>
-          <a:noFill/>
-        </p:spPr>
-        <p:txBody>
-          <a:bodyPr wrap="none">
-            <a:spAutoFit/>
-          </a:bodyPr>
-          <a:lstStyle/>
-          <a:p/>
-          <a:p>
-            <a:pPr lvl="1">
-              <a:defRPr sz="1600"/>
-            </a:pPr>
-            <a:r>
-              <a:t>Early Interaction: Processes query and document together; richer semantic understanding but computationally expensive.</a:t>
-            </a:r>
-          </a:p>
-          <a:p>
-            <a:pPr lvl="1">
-              <a:defRPr sz="1600"/>
-            </a:pPr>
-            <a:r>
-              <a:t>Late Interaction (ColBERT): Independent processing, then comparison; efficient but potentially less nuanced interaction.</a:t>
-            </a:r>
-          </a:p>
-          <a:p>
-            <a:pPr lvl="1">
-              <a:defRPr sz="1600"/>
-            </a:pPr>
-            <a:r>
-              <a:t>The best choice depends on balancing accuracy and computational resources.</a:t>
-            </a:r>
-          </a:p>
-        </p:txBody>
-      </p:sp>
-    </p:spTree>
-  </p:cSld>
-  <p:clrMapOvr>
-    <a:masterClrMapping/>
-  </p:clrMapOvr>
-</p:sld>
-</file>
-
-<file path=ppt/slides/slide15.xml><?xml version="1.0" encoding="utf-8"?>
-<p:sld xmlns:a="http://schemas.openxmlformats.org/drawingml/2006/main" xmlns:p="http://schemas.openxmlformats.org/presentationml/2006/main" xmlns:r="http://schemas.openxmlformats.org/officeDocument/2006/relationships">
-  <p:cSld>
-    <p:spTree>
-      <p:nvGrpSpPr>
-        <p:cNvPr id="1" name=""/>
-        <p:cNvGrpSpPr/>
-        <p:nvPr/>
-      </p:nvGrpSpPr>
-      <p:grpSpPr/>
-      <p:sp>
-        <p:nvSpPr>
-          <p:cNvPr id="2" name="TextBox 1"/>
-          <p:cNvSpPr txBox="1"/>
-          <p:nvPr/>
-        </p:nvSpPr>
-        <p:spPr>
-          <a:xfrm>
-            <a:off x="457200" y="457200"/>
-            <a:ext cx="8229600" cy="914400"/>
-          </a:xfrm>
-          <a:prstGeom prst="rect">
-            <a:avLst/>
-          </a:prstGeom>
-          <a:noFill/>
-        </p:spPr>
-        <p:txBody>
-          <a:bodyPr wrap="none">
-            <a:spAutoFit/>
-          </a:bodyPr>
-          <a:lstStyle/>
-          <a:p>
-            <a:pPr algn="ctr">
-              <a:defRPr sz="3200" b="1">
-                <a:solidFill>
-                  <a:srgbClr val="003366"/>
-                </a:solidFill>
-              </a:defRPr>
-            </a:pPr>
-            <a:r>
-              <a:t>MaxSim in Action: An Illustrative Example</a:t>
-            </a:r>
-          </a:p>
-        </p:txBody>
-      </p:sp>
-      <p:sp>
-        <p:nvSpPr>
-          <p:cNvPr id="3" name="TextBox 2"/>
-          <p:cNvSpPr txBox="1"/>
-          <p:nvPr/>
-        </p:nvSpPr>
-        <p:spPr>
-          <a:xfrm>
-            <a:off x="457200" y="1371600"/>
-            <a:ext cx="8229600" cy="3657600"/>
-          </a:xfrm>
-          <a:prstGeom prst="rect">
-            <a:avLst/>
-          </a:prstGeom>
-          <a:noFill/>
-        </p:spPr>
-        <p:txBody>
-          <a:bodyPr wrap="none">
-            <a:spAutoFit/>
-          </a:bodyPr>
-          <a:lstStyle/>
-          <a:p/>
-          <a:p>
-            <a:pPr lvl="1">
-              <a:defRPr sz="1600"/>
-            </a:pPr>
-            <a:r>
-              <a:t>Query: "sweet apple"</a:t>
-            </a:r>
-          </a:p>
-          <a:p>
-            <a:pPr lvl="1">
-              <a:defRPr sz="1600"/>
-            </a:pPr>
-            <a:r>
-              <a:t>Document 1: "The apple is sweet and crisp"</a:t>
-            </a:r>
-          </a:p>
-          <a:p>
-            <a:pPr lvl="1">
-              <a:defRPr sz="1600"/>
-            </a:pPr>
-            <a:r>
-              <a:t>Document 2: "The banana is ripe and yellow"</a:t>
-            </a:r>
-          </a:p>
-          <a:p>
-            <a:pPr lvl="1">
-              <a:defRPr sz="1600"/>
-            </a:pPr>
-            <a:r>
-              <a:t>Embeddings are generated and compared using MaxSim.</a:t>
-            </a:r>
-          </a:p>
-          <a:p>
-            <a:pPr lvl="1">
-              <a:defRPr sz="1600"/>
-            </a:pPr>
-            <a:r>
-              <a:t>Maximum similarity scores are summed for each document.</a:t>
-            </a:r>
-          </a:p>
-          <a:p>
-            <a:pPr lvl="1">
-              <a:defRPr sz="1600"/>
-            </a:pPr>
-            <a:r>
-              <a:t>Document with the higher sum is ranked higher.</a:t>
-            </a:r>
-          </a:p>
-        </p:txBody>
-      </p:sp>
-    </p:spTree>
-  </p:cSld>
-  <p:clrMapOvr>
-    <a:masterClrMapping/>
-  </p:clrMapOvr>
-</p:sld>
-</file>
-
-<file path=ppt/slides/slide16.xml><?xml version="1.0" encoding="utf-8"?>
-<p:sld xmlns:a="http://schemas.openxmlformats.org/drawingml/2006/main" xmlns:p="http://schemas.openxmlformats.org/presentationml/2006/main" xmlns:r="http://schemas.openxmlformats.org/officeDocument/2006/relationships">
-  <p:cSld>
-    <p:spTree>
-      <p:nvGrpSpPr>
-        <p:cNvPr id="1" name=""/>
-        <p:cNvGrpSpPr/>
-        <p:nvPr/>
-      </p:nvGrpSpPr>
-      <p:grpSpPr/>
-      <p:sp>
-        <p:nvSpPr>
-          <p:cNvPr id="2" name="TextBox 1"/>
-          <p:cNvSpPr txBox="1"/>
-          <p:nvPr/>
-        </p:nvSpPr>
-        <p:spPr>
-          <a:xfrm>
-            <a:off x="457200" y="457200"/>
-            <a:ext cx="8229600" cy="914400"/>
-          </a:xfrm>
-          <a:prstGeom prst="rect">
-            <a:avLst/>
-          </a:prstGeom>
-          <a:noFill/>
-        </p:spPr>
-        <p:txBody>
-          <a:bodyPr wrap="none">
-            <a:spAutoFit/>
-          </a:bodyPr>
-          <a:lstStyle/>
-          <a:p>
-            <a:pPr algn="ctr">
-              <a:defRPr sz="3200" b="1">
-                <a:solidFill>
-                  <a:srgbClr val="003366"/>
-                </a:solidFill>
-              </a:defRPr>
-            </a:pPr>
-            <a:r>
-              <a:t>MaxSim for Query-Document Comparison: Efficient Similarity Scoring</a:t>
-            </a:r>
-          </a:p>
-        </p:txBody>
-      </p:sp>
-      <p:sp>
-        <p:nvSpPr>
-          <p:cNvPr id="3" name="TextBox 2"/>
-          <p:cNvSpPr txBox="1"/>
-          <p:nvPr/>
-        </p:nvSpPr>
-        <p:spPr>
-          <a:xfrm>
-            <a:off x="457200" y="1371600"/>
-            <a:ext cx="8229600" cy="3657600"/>
-          </a:xfrm>
-          <a:prstGeom prst="rect">
-            <a:avLst/>
-          </a:prstGeom>
-          <a:noFill/>
-        </p:spPr>
-        <p:txBody>
-          <a:bodyPr wrap="none">
-            <a:spAutoFit/>
-          </a:bodyPr>
-          <a:lstStyle/>
-          <a:p/>
-          <a:p>
-            <a:pPr lvl="1">
-              <a:defRPr sz="1600"/>
-            </a:pPr>
-            <a:r>
-              <a:t>Uses tensor operations for efficient similarity calculation.</a:t>
-            </a:r>
-          </a:p>
-          <a:p>
-            <a:pPr lvl="1">
-              <a:defRPr sz="1600"/>
-            </a:pPr>
-            <a:r>
-              <a:t>Dot product between query token embeddings and document patch embeddings.</a:t>
-            </a:r>
-          </a:p>
-          <a:p>
-            <a:pPr lvl="1">
-              <a:defRPr sz="1600"/>
-            </a:pPr>
-            <a:r>
-              <a:t>Max reduction over patches, sum reduction over query tokens.</a:t>
-            </a:r>
-          </a:p>
-          <a:p>
-            <a:pPr lvl="1">
-              <a:defRPr sz="1600"/>
-            </a:pPr>
-            <a:r>
-              <a:t>Single scalar value representing overall similarity.</a:t>
-            </a:r>
-          </a:p>
-          <a:p>
-            <a:pPr lvl="1">
-              <a:defRPr sz="1600"/>
-            </a:pPr>
-            <a:r>
-              <a:t>Enables efficient comparison of high-dimensional vector representations.</a:t>
-            </a:r>
-          </a:p>
-        </p:txBody>
-      </p:sp>
-    </p:spTree>
-  </p:cSld>
-  <p:clrMapOvr>
-    <a:masterClrMapping/>
-  </p:clrMapOvr>
-</p:sld>
-</file>
-
-<file path=ppt/slides/slide17.xml><?xml version="1.0" encoding="utf-8"?>
-<p:sld xmlns:a="http://schemas.openxmlformats.org/drawingml/2006/main" xmlns:p="http://schemas.openxmlformats.org/presentationml/2006/main" xmlns:r="http://schemas.openxmlformats.org/officeDocument/2006/relationships">
-  <p:cSld>
-    <p:spTree>
-      <p:nvGrpSpPr>
-        <p:cNvPr id="1" name=""/>
-        <p:cNvGrpSpPr/>
-        <p:nvPr/>
-      </p:nvGrpSpPr>
-      <p:grpSpPr/>
-      <p:sp>
-        <p:nvSpPr>
-          <p:cNvPr id="2" name="TextBox 1"/>
-          <p:cNvSpPr txBox="1"/>
-          <p:nvPr/>
-        </p:nvSpPr>
-        <p:spPr>
-          <a:xfrm>
-            <a:off x="457200" y="457200"/>
-            <a:ext cx="8229600" cy="914400"/>
-          </a:xfrm>
-          <a:prstGeom prst="rect">
-            <a:avLst/>
-          </a:prstGeom>
-          <a:noFill/>
-        </p:spPr>
-        <p:txBody>
-          <a:bodyPr wrap="none">
-            <a:spAutoFit/>
-          </a:bodyPr>
-          <a:lstStyle/>
-          <a:p>
-            <a:pPr algn="ctr">
-              <a:defRPr sz="3200" b="1">
-                <a:solidFill>
-                  <a:srgbClr val="003366"/>
-                </a:solidFill>
-              </a:defRPr>
-            </a:pPr>
-            <a:r>
-              <a:t>MaxSim in Vespa: Implementation and Integration</a:t>
-            </a:r>
-          </a:p>
-        </p:txBody>
-      </p:sp>
-      <p:sp>
-        <p:nvSpPr>
-          <p:cNvPr id="3" name="TextBox 2"/>
-          <p:cNvSpPr txBox="1"/>
-          <p:nvPr/>
-        </p:nvSpPr>
-        <p:spPr>
-          <a:xfrm>
-            <a:off x="457200" y="1371600"/>
-            <a:ext cx="8229600" cy="3657600"/>
-          </a:xfrm>
-          <a:prstGeom prst="rect">
-            <a:avLst/>
-          </a:prstGeom>
-          <a:noFill/>
-        </p:spPr>
-        <p:txBody>
-          <a:bodyPr wrap="none">
-            <a:spAutoFit/>
-          </a:bodyPr>
-          <a:lstStyle/>
-          <a:p/>
-          <a:p>
-            <a:pPr lvl="1">
-              <a:defRPr sz="1600"/>
-            </a:pPr>
-            <a:r>
-              <a:t>Vespa schema allows defining tensors for query and document embeddings.</a:t>
-            </a:r>
-          </a:p>
-          <a:p>
-            <a:pPr lvl="1">
-              <a:defRPr sz="1600"/>
-            </a:pPr>
-            <a:r>
-              <a:t>MaxSim function expressed within the schema using a ranking expression.</a:t>
-            </a:r>
-          </a:p>
-          <a:p>
-            <a:pPr lvl="1">
-              <a:defRPr sz="1600"/>
-            </a:pPr>
-            <a:r>
-              <a:t>Efficient computation and integration with Vespa's capabilities.</a:t>
-            </a:r>
-          </a:p>
-          <a:p>
-            <a:pPr lvl="1">
-              <a:defRPr sz="1600"/>
-            </a:pPr>
-            <a:r>
-              <a:t>Example Vespa schema code provided.</a:t>
-            </a:r>
-          </a:p>
-        </p:txBody>
-      </p:sp>
-    </p:spTree>
-  </p:cSld>
-  <p:clrMapOvr>
-    <a:masterClrMapping/>
-  </p:clrMapOvr>
-</p:sld>
-</file>
-
-<file path=ppt/slides/slide18.xml><?xml version="1.0" encoding="utf-8"?>
-<p:sld xmlns:a="http://schemas.openxmlformats.org/drawingml/2006/main" xmlns:p="http://schemas.openxmlformats.org/presentationml/2006/main" xmlns:r="http://schemas.openxmlformats.org/officeDocument/2006/relationships">
-  <p:cSld>
-    <p:spTree>
-      <p:nvGrpSpPr>
-        <p:cNvPr id="1" name=""/>
-        <p:cNvGrpSpPr/>
-        <p:nvPr/>
-      </p:nvGrpSpPr>
-      <p:grpSpPr/>
-      <p:sp>
-        <p:nvSpPr>
-          <p:cNvPr id="2" name="TextBox 1"/>
-          <p:cNvSpPr txBox="1"/>
-          <p:nvPr/>
-        </p:nvSpPr>
-        <p:spPr>
-          <a:xfrm>
-            <a:off x="457200" y="457200"/>
-            <a:ext cx="8229600" cy="914400"/>
-          </a:xfrm>
-          <a:prstGeom prst="rect">
-            <a:avLst/>
-          </a:prstGeom>
-          <a:noFill/>
-        </p:spPr>
-        <p:txBody>
-          <a:bodyPr wrap="none">
-            <a:spAutoFit/>
-          </a:bodyPr>
-          <a:lstStyle/>
-          <a:p>
-            <a:pPr algn="ctr">
-              <a:defRPr sz="3200" b="1">
-                <a:solidFill>
-                  <a:srgbClr val="003366"/>
-                </a:solidFill>
-              </a:defRPr>
-            </a:pPr>
-            <a:r>
-              <a:t>MaxSim in PyTorch: A Practical Implementation</a:t>
-            </a:r>
-          </a:p>
-        </p:txBody>
-      </p:sp>
-      <p:sp>
-        <p:nvSpPr>
-          <p:cNvPr id="3" name="TextBox 2"/>
-          <p:cNvSpPr txBox="1"/>
-          <p:nvPr/>
-        </p:nvSpPr>
-        <p:spPr>
-          <a:xfrm>
-            <a:off x="457200" y="1371600"/>
-            <a:ext cx="8229600" cy="3657600"/>
-          </a:xfrm>
-          <a:prstGeom prst="rect">
-            <a:avLst/>
-          </a:prstGeom>
-          <a:noFill/>
-        </p:spPr>
-        <p:txBody>
-          <a:bodyPr wrap="none">
-            <a:spAutoFit/>
-          </a:bodyPr>
-          <a:lstStyle/>
-          <a:p/>
-          <a:p>
-            <a:pPr lvl="1">
-              <a:defRPr sz="1600"/>
-            </a:pPr>
-            <a:r>
-              <a:t>PyTorch's torch.einsum function provides a concise implementation.</a:t>
-            </a:r>
-          </a:p>
-          <a:p>
-            <a:pPr lvl="1">
-              <a:defRPr sz="1600"/>
-            </a:pPr>
-            <a:r>
-              <a:t>Example PyTorch code provided.</a:t>
-            </a:r>
-          </a:p>
-          <a:p>
-            <a:pPr lvl="1">
-              <a:defRPr sz="1600"/>
-            </a:pPr>
-            <a:r>
-              <a:t>Easily integrated into deep learning pipelines.</a:t>
-            </a:r>
-          </a:p>
-        </p:txBody>
-      </p:sp>
-    </p:spTree>
-  </p:cSld>
-  <p:clrMapOvr>
-    <a:masterClrMapping/>
-  </p:clrMapOvr>
-</p:sld>
-</file>
-
-<file path=ppt/slides/slide19.xml><?xml version="1.0" encoding="utf-8"?>
-<p:sld xmlns:a="http://schemas.openxmlformats.org/drawingml/2006/main" xmlns:p="http://schemas.openxmlformats.org/presentationml/2006/main" xmlns:r="http://schemas.openxmlformats.org/officeDocument/2006/relationships">
-  <p:cSld>
-    <p:spTree>
-      <p:nvGrpSpPr>
-        <p:cNvPr id="1" name=""/>
-        <p:cNvGrpSpPr/>
-        <p:nvPr/>
-      </p:nvGrpSpPr>
-      <p:grpSpPr/>
-      <p:sp>
-        <p:nvSpPr>
-          <p:cNvPr id="2" name="TextBox 1"/>
-          <p:cNvSpPr txBox="1"/>
-          <p:nvPr/>
-        </p:nvSpPr>
-        <p:spPr>
-          <a:xfrm>
-            <a:off x="457200" y="457200"/>
-            <a:ext cx="8229600" cy="914400"/>
-          </a:xfrm>
-          <a:prstGeom prst="rect">
-            <a:avLst/>
-          </a:prstGeom>
-          <a:noFill/>
-        </p:spPr>
-        <p:txBody>
-          <a:bodyPr wrap="none">
-            <a:spAutoFit/>
-          </a:bodyPr>
-          <a:lstStyle/>
-          <a:p>
-            <a:pPr algn="ctr">
-              <a:defRPr sz="3200" b="1">
-                <a:solidFill>
-                  <a:srgbClr val="003366"/>
-                </a:solidFill>
-              </a:defRPr>
-            </a:pPr>
-            <a:r>
-              <a:t>Scaling MaxSim to Billions of Documents</a:t>
-            </a:r>
-          </a:p>
-        </p:txBody>
-      </p:sp>
-      <p:sp>
-        <p:nvSpPr>
-          <p:cNvPr id="3" name="TextBox 2"/>
-          <p:cNvSpPr txBox="1"/>
-          <p:nvPr/>
-        </p:nvSpPr>
-        <p:spPr>
-          <a:xfrm>
-            <a:off x="457200" y="1371600"/>
-            <a:ext cx="8229600" cy="3657600"/>
-          </a:xfrm>
-          <a:prstGeom prst="rect">
-            <a:avLst/>
-          </a:prstGeom>
-          <a:noFill/>
-        </p:spPr>
-        <p:txBody>
-          <a:bodyPr wrap="none">
-            <a:spAutoFit/>
-          </a:bodyPr>
-          <a:lstStyle/>
-          <a:p/>
-          <a:p>
-            <a:pPr lvl="1">
-              <a:defRPr sz="1600"/>
-            </a:pPr>
-            <a:r>
-              <a:t>Requires strategies beyond brute-force scoring.</a:t>
-            </a:r>
-          </a:p>
-          <a:p>
-            <a:pPr lvl="1">
-              <a:defRPr sz="1600"/>
-            </a:pPr>
-            <a:r>
-              <a:t>Candidate selection using nearest neighbor search is crucial.</a:t>
-            </a:r>
-          </a:p>
-          <a:p>
-            <a:pPr lvl="1">
-              <a:defRPr sz="1600"/>
-            </a:pPr>
-            <a:r>
-              <a:t>Pre-filtering reduces the number of documents needing full MaxSim scoring.</a:t>
-            </a:r>
-          </a:p>
-          <a:p>
-            <a:pPr lvl="1">
-              <a:defRPr sz="1600"/>
-            </a:pPr>
-            <a:r>
-              <a:t>Combining nearest neighbor and boolean operators for efficient filtering and ranking.</a:t>
+              <a:defRPr sz="1800"/>
+            </a:pPr>
+            <a:r>
+              <a:t>Phased Retrieval:  Combines ANN for fast candidate selection with more precise ranking methods.</a:t>
+            </a:r>
+          </a:p>
+          <a:p>
+            <a:pPr>
+              <a:defRPr sz="1800" b="1"/>
+            </a:pPr>
+            <a:r>
+              <a:t>Bag-of-Vectors: Improves accuracy and speed over single-vector methods but increases storage and computation.</a:t>
+            </a:r>
+          </a:p>
+          <a:p>
+            <a:pPr>
+              <a:defRPr sz="1800" b="1"/>
+            </a:pPr>
+            <a:r>
+              <a:t>ANN:  Provides speedup but sacrifices some accuracy.</a:t>
+            </a:r>
+          </a:p>
+          <a:p>
+            <a:pPr>
+              <a:defRPr sz="1800" b="1"/>
+            </a:pPr>
+            <a:r>
+              <a:t>Phased Retrieval:  Combines ANN for fast candidate selection with more precise ranking methods.</a:t>
             </a:r>
           </a:p>
         </p:txBody>
@@ -4358,10 +3851,11 @@
           <a:noFill/>
         </p:spPr>
         <p:txBody>
-          <a:bodyPr wrap="none">
+          <a:bodyPr wrap="square">
             <a:spAutoFit/>
           </a:bodyPr>
           <a:lstStyle/>
+          <a:p/>
           <a:p>
             <a:pPr algn="ctr">
               <a:defRPr sz="3200" b="1">
@@ -4371,7 +3865,7 @@
               </a:defRPr>
             </a:pPr>
             <a:r>
-              <a:t>Understanding Multi-Vector Embeddings: An Illustrative Example</a:t>
+              <a:t>Understanding Multi-Vector Embeddings: An Analogy</a:t>
             </a:r>
           </a:p>
         </p:txBody>
@@ -4385,7 +3879,7 @@
         <p:spPr>
           <a:xfrm>
             <a:off x="457200" y="1371600"/>
-            <a:ext cx="8229600" cy="3657600"/>
+            <a:ext cx="8229600" cy="4572000"/>
           </a:xfrm>
           <a:prstGeom prst="rect">
             <a:avLst/>
@@ -4393,485 +3887,57 @@
           <a:noFill/>
         </p:spPr>
         <p:txBody>
-          <a:bodyPr wrap="none">
+          <a:bodyPr wrap="square">
             <a:spAutoFit/>
           </a:bodyPr>
           <a:lstStyle/>
           <a:p/>
           <a:p>
+            <a:pPr lvl="2">
+              <a:defRPr sz="1200" b="1"/>
+            </a:pPr>
+            <a:r>
+              <a:t>Understanding Multi-Vector Embeddings</a:t>
+            </a:r>
+          </a:p>
+          <a:p>
+            <a:pPr>
+              <a:defRPr sz="1800"/>
+            </a:pPr>
+            <a:r>
+              <a:t>Imagine searching for 'red apples'. A single-vector embedding struggles to capture both 'red' and 'apples' effectively.  A multi-vector approach uses separate vectors for 'red' and 'apples', allowing for better query matching. Each vector in the 'bag' represents a distinct feature (word, phrase, image patch).</a:t>
+            </a:r>
+          </a:p>
+          <a:p>
             <a:pPr lvl="1">
-              <a:defRPr sz="1600"/>
-            </a:pPr>
-            <a:r>
-              <a:t>Single-vector embeddings lose information; multi-vector embeddings retain detail.</a:t>
+              <a:defRPr sz="1800"/>
+            </a:pPr>
+            <a:r>
+              <a:t>Example:  'The apple is sweet and crisp' becomes separate embeddings for 'the', 'apple', 'is', 'sweet', 'and', 'crisp'.</a:t>
             </a:r>
           </a:p>
           <a:p>
             <a:pPr lvl="1">
-              <a:defRPr sz="1600"/>
-            </a:pPr>
-            <a:r>
-              <a:t>Searching for "red apples": Single vector struggles; multi-vector represents "red" and "apples" separately.</a:t>
-            </a:r>
-          </a:p>
-          <a:p>
-            <a:pPr lvl="1">
-              <a:defRPr sz="1600"/>
-            </a:pPr>
-            <a:r>
-              <a:t>Each vector represents a distinct element (word, phrase, image patch).</a:t>
-            </a:r>
-          </a:p>
-          <a:p>
-            <a:pPr lvl="1">
-              <a:defRPr sz="1600"/>
-            </a:pPr>
-            <a:r>
-              <a:t>Collective representation provides a far richer understanding than single-vector approaches.</a:t>
-            </a:r>
-          </a:p>
-          <a:p>
-            <a:pPr lvl="1">
-              <a:defRPr sz="1600"/>
-            </a:pPr>
-            <a:r>
-              <a:t>Example: "The apple is sweet and crisp" - separate embeddings for each word.</a:t>
-            </a:r>
-          </a:p>
-        </p:txBody>
-      </p:sp>
-    </p:spTree>
-  </p:cSld>
-  <p:clrMapOvr>
-    <a:masterClrMapping/>
-  </p:clrMapOvr>
-</p:sld>
-</file>
-
-<file path=ppt/slides/slide20.xml><?xml version="1.0" encoding="utf-8"?>
-<p:sld xmlns:a="http://schemas.openxmlformats.org/drawingml/2006/main" xmlns:p="http://schemas.openxmlformats.org/presentationml/2006/main" xmlns:r="http://schemas.openxmlformats.org/officeDocument/2006/relationships">
-  <p:cSld>
-    <p:spTree>
-      <p:nvGrpSpPr>
-        <p:cNvPr id="1" name=""/>
-        <p:cNvGrpSpPr/>
-        <p:nvPr/>
-      </p:nvGrpSpPr>
-      <p:grpSpPr/>
-      <p:sp>
-        <p:nvSpPr>
-          <p:cNvPr id="2" name="TextBox 1"/>
-          <p:cNvSpPr txBox="1"/>
-          <p:nvPr/>
-        </p:nvSpPr>
-        <p:spPr>
-          <a:xfrm>
-            <a:off x="457200" y="457200"/>
-            <a:ext cx="8229600" cy="914400"/>
-          </a:xfrm>
-          <a:prstGeom prst="rect">
-            <a:avLst/>
-          </a:prstGeom>
-          <a:noFill/>
-        </p:spPr>
-        <p:txBody>
-          <a:bodyPr wrap="none">
-            <a:spAutoFit/>
-          </a:bodyPr>
-          <a:lstStyle/>
-          <a:p>
-            <a:pPr algn="ctr">
-              <a:defRPr sz="3200" b="1">
-                <a:solidFill>
-                  <a:srgbClr val="003366"/>
-                </a:solidFill>
-              </a:defRPr>
-            </a:pPr>
-            <a:r>
-              <a:t>Hamming Distance in MaxSim: An Alternative Similarity Measure</a:t>
-            </a:r>
-          </a:p>
-        </p:txBody>
-      </p:sp>
-      <p:sp>
-        <p:nvSpPr>
-          <p:cNvPr id="3" name="TextBox 2"/>
-          <p:cNvSpPr txBox="1"/>
-          <p:nvPr/>
-        </p:nvSpPr>
-        <p:spPr>
-          <a:xfrm>
-            <a:off x="457200" y="1371600"/>
-            <a:ext cx="8229600" cy="3657600"/>
-          </a:xfrm>
-          <a:prstGeom prst="rect">
-            <a:avLst/>
-          </a:prstGeom>
-          <a:noFill/>
-        </p:spPr>
-        <p:txBody>
-          <a:bodyPr wrap="none">
-            <a:spAutoFit/>
-          </a:bodyPr>
-          <a:lstStyle/>
-          <a:p/>
-          <a:p>
-            <a:pPr lvl="1">
-              <a:defRPr sz="1600"/>
-            </a:pPr>
-            <a:r>
-              <a:t>Uses Hamming distance instead of dot product.</a:t>
-            </a:r>
-          </a:p>
-          <a:p>
-            <a:pPr lvl="1">
-              <a:defRPr sz="1600"/>
-            </a:pPr>
-            <a:r>
-              <a:t>Inverts Hamming distance (a distance metric) to a similarity score.</a:t>
-            </a:r>
-          </a:p>
-          <a:p>
-            <a:pPr lvl="1">
-              <a:defRPr sz="1600"/>
-            </a:pPr>
-            <a:r>
-              <a:t>Vespa's built-in hamming function can be leveraged.</a:t>
-            </a:r>
-          </a:p>
-          <a:p>
-            <a:pPr lvl="1">
-              <a:defRPr sz="1600"/>
-            </a:pPr>
-            <a:r>
-              <a:t>Provides an alternative approach for similarity calculation.</a:t>
-            </a:r>
-          </a:p>
-        </p:txBody>
-      </p:sp>
-    </p:spTree>
-  </p:cSld>
-  <p:clrMapOvr>
-    <a:masterClrMapping/>
-  </p:clrMapOvr>
-</p:sld>
-</file>
-
-<file path=ppt/slides/slide21.xml><?xml version="1.0" encoding="utf-8"?>
-<p:sld xmlns:a="http://schemas.openxmlformats.org/drawingml/2006/main" xmlns:p="http://schemas.openxmlformats.org/presentationml/2006/main" xmlns:r="http://schemas.openxmlformats.org/officeDocument/2006/relationships">
-  <p:cSld>
-    <p:spTree>
-      <p:nvGrpSpPr>
-        <p:cNvPr id="1" name=""/>
-        <p:cNvGrpSpPr/>
-        <p:nvPr/>
-      </p:nvGrpSpPr>
-      <p:grpSpPr/>
-      <p:sp>
-        <p:nvSpPr>
-          <p:cNvPr id="2" name="TextBox 1"/>
-          <p:cNvSpPr txBox="1"/>
-          <p:nvPr/>
-        </p:nvSpPr>
-        <p:spPr>
-          <a:xfrm>
-            <a:off x="457200" y="457200"/>
-            <a:ext cx="8229600" cy="914400"/>
-          </a:xfrm>
-          <a:prstGeom prst="rect">
-            <a:avLst/>
-          </a:prstGeom>
-          <a:noFill/>
-        </p:spPr>
-        <p:txBody>
-          <a:bodyPr wrap="none">
-            <a:spAutoFit/>
-          </a:bodyPr>
-          <a:lstStyle/>
-          <a:p>
-            <a:pPr algn="ctr">
-              <a:defRPr sz="3200" b="1">
-                <a:solidFill>
-                  <a:srgbClr val="003366"/>
-                </a:solidFill>
-              </a:defRPr>
-            </a:pPr>
-            <a:r>
-              <a:t>Early vs. Late Interaction in Transformers: A Detailed Comparison</a:t>
-            </a:r>
-          </a:p>
-        </p:txBody>
-      </p:sp>
-      <p:sp>
-        <p:nvSpPr>
-          <p:cNvPr id="3" name="TextBox 2"/>
-          <p:cNvSpPr txBox="1"/>
-          <p:nvPr/>
-        </p:nvSpPr>
-        <p:spPr>
-          <a:xfrm>
-            <a:off x="457200" y="1371600"/>
-            <a:ext cx="8229600" cy="3657600"/>
-          </a:xfrm>
-          <a:prstGeom prst="rect">
-            <a:avLst/>
-          </a:prstGeom>
-          <a:noFill/>
-        </p:spPr>
-        <p:txBody>
-          <a:bodyPr wrap="none">
-            <a:spAutoFit/>
-          </a:bodyPr>
-          <a:lstStyle/>
-          <a:p/>
-          <a:p>
-            <a:pPr lvl="1">
-              <a:defRPr sz="1600"/>
-            </a:pPr>
-            <a:r>
-              <a:t>Early Interaction: Simultaneous processing of query and document; captures nuanced interactions but is computationally expensive.</a:t>
-            </a:r>
-          </a:p>
-          <a:p>
-            <a:pPr lvl="1">
-              <a:defRPr sz="1600"/>
-            </a:pPr>
-            <a:r>
-              <a:t>Late Interaction: Independent embedding generation, then comparison; efficient but may miss subtle interactions.</a:t>
-            </a:r>
-          </a:p>
-          <a:p>
-            <a:pPr lvl="1">
-              <a:defRPr sz="1600"/>
-            </a:pPr>
-            <a:r>
-              <a:t>Choice depends on application needs: accuracy vs. efficiency.</a:t>
-            </a:r>
-          </a:p>
-        </p:txBody>
-      </p:sp>
-    </p:spTree>
-  </p:cSld>
-  <p:clrMapOvr>
-    <a:masterClrMapping/>
-  </p:clrMapOvr>
-</p:sld>
-</file>
-
-<file path=ppt/slides/slide22.xml><?xml version="1.0" encoding="utf-8"?>
-<p:sld xmlns:a="http://schemas.openxmlformats.org/drawingml/2006/main" xmlns:p="http://schemas.openxmlformats.org/presentationml/2006/main" xmlns:r="http://schemas.openxmlformats.org/officeDocument/2006/relationships">
-  <p:cSld>
-    <p:spTree>
-      <p:nvGrpSpPr>
-        <p:cNvPr id="1" name=""/>
-        <p:cNvGrpSpPr/>
-        <p:nvPr/>
-      </p:nvGrpSpPr>
-      <p:grpSpPr/>
-      <p:sp>
-        <p:nvSpPr>
-          <p:cNvPr id="2" name="TextBox 1"/>
-          <p:cNvSpPr txBox="1"/>
-          <p:nvPr/>
-        </p:nvSpPr>
-        <p:spPr>
-          <a:xfrm>
-            <a:off x="457200" y="457200"/>
-            <a:ext cx="8229600" cy="914400"/>
-          </a:xfrm>
-          <a:prstGeom prst="rect">
-            <a:avLst/>
-          </a:prstGeom>
-          <a:noFill/>
-        </p:spPr>
-        <p:txBody>
-          <a:bodyPr wrap="none">
-            <a:spAutoFit/>
-          </a:bodyPr>
-          <a:lstStyle/>
-          <a:p>
-            <a:pPr algn="ctr">
-              <a:defRPr sz="3200" b="1">
-                <a:solidFill>
-                  <a:srgbClr val="003366"/>
-                </a:solidFill>
-              </a:defRPr>
-            </a:pPr>
-            <a:r>
-              <a:t>Computational Cost Analysis of Retrieval Methods</a:t>
-            </a:r>
-          </a:p>
-        </p:txBody>
-      </p:sp>
-      <p:sp>
-        <p:nvSpPr>
-          <p:cNvPr id="3" name="TextBox 2"/>
-          <p:cNvSpPr txBox="1"/>
-          <p:nvPr/>
-        </p:nvSpPr>
-        <p:spPr>
-          <a:xfrm>
-            <a:off x="457200" y="1371600"/>
-            <a:ext cx="8229600" cy="3657600"/>
-          </a:xfrm>
-          <a:prstGeom prst="rect">
-            <a:avLst/>
-          </a:prstGeom>
-          <a:noFill/>
-        </p:spPr>
-        <p:txBody>
-          <a:bodyPr wrap="none">
-            <a:spAutoFit/>
-          </a:bodyPr>
-          <a:lstStyle/>
-          <a:p/>
-          <a:p>
-            <a:pPr lvl="1">
-              <a:defRPr sz="1600"/>
-            </a:pPr>
-            <a:r>
-              <a:t>Efficient retrieval is crucial for large language models.</a:t>
-            </a:r>
-          </a:p>
-          <a:p>
-            <a:pPr lvl="1">
-              <a:defRPr sz="1600"/>
-            </a:pPr>
-            <a:r>
-              <a:t>Single vector vs. bag-of-vectors: Bag-of-vectors improves accuracy and speed, but increases storage and computation.</a:t>
-            </a:r>
-          </a:p>
-          <a:p>
-            <a:pPr lvl="1">
-              <a:defRPr sz="1600"/>
-            </a:pPr>
-            <a:r>
-              <a:t>ColBERT and MaxSim: More computationally intensive than single vectors but offer superior accuracy.</a:t>
-            </a:r>
-          </a:p>
-          <a:p>
-            <a:pPr lvl="1">
-              <a:defRPr sz="1600"/>
-            </a:pPr>
-            <a:r>
-              <a:t>Approximate Nearest Neighbor Search (ANN): Speeds up retrieval, sacrificing some accuracy.</a:t>
-            </a:r>
-          </a:p>
-          <a:p>
-            <a:pPr lvl="1">
-              <a:defRPr sz="1600"/>
-            </a:pPr>
-            <a:r>
-              <a:t>Phased retrieval and ranking: Balances speed and accuracy with a two-stage process.</a:t>
-            </a:r>
-          </a:p>
-        </p:txBody>
-      </p:sp>
-    </p:spTree>
-  </p:cSld>
-  <p:clrMapOvr>
-    <a:masterClrMapping/>
-  </p:clrMapOvr>
-</p:sld>
-</file>
-
-<file path=ppt/slides/slide23.xml><?xml version="1.0" encoding="utf-8"?>
-<p:sld xmlns:a="http://schemas.openxmlformats.org/drawingml/2006/main" xmlns:p="http://schemas.openxmlformats.org/presentationml/2006/main" xmlns:r="http://schemas.openxmlformats.org/officeDocument/2006/relationships">
-  <p:cSld>
-    <p:spTree>
-      <p:nvGrpSpPr>
-        <p:cNvPr id="1" name=""/>
-        <p:cNvGrpSpPr/>
-        <p:nvPr/>
-      </p:nvGrpSpPr>
-      <p:grpSpPr/>
-      <p:sp>
-        <p:nvSpPr>
-          <p:cNvPr id="2" name="TextBox 1"/>
-          <p:cNvSpPr txBox="1"/>
-          <p:nvPr/>
-        </p:nvSpPr>
-        <p:spPr>
-          <a:xfrm>
-            <a:off x="457200" y="457200"/>
-            <a:ext cx="8229600" cy="914400"/>
-          </a:xfrm>
-          <a:prstGeom prst="rect">
-            <a:avLst/>
-          </a:prstGeom>
-          <a:noFill/>
-        </p:spPr>
-        <p:txBody>
-          <a:bodyPr wrap="none">
-            <a:spAutoFit/>
-          </a:bodyPr>
-          <a:lstStyle/>
-          <a:p>
-            <a:pPr algn="ctr">
-              <a:defRPr sz="3200" b="1">
-                <a:solidFill>
-                  <a:srgbClr val="003366"/>
-                </a:solidFill>
-              </a:defRPr>
-            </a:pPr>
-            <a:r>
-              <a:t>Computational Cost Trade-offs: Balancing Accuracy and Efficiency</a:t>
-            </a:r>
-          </a:p>
-        </p:txBody>
-      </p:sp>
-      <p:sp>
-        <p:nvSpPr>
-          <p:cNvPr id="3" name="TextBox 2"/>
-          <p:cNvSpPr txBox="1"/>
-          <p:nvPr/>
-        </p:nvSpPr>
-        <p:spPr>
-          <a:xfrm>
-            <a:off x="457200" y="1371600"/>
-            <a:ext cx="8229600" cy="3657600"/>
-          </a:xfrm>
-          <a:prstGeom prst="rect">
-            <a:avLst/>
-          </a:prstGeom>
-          <a:noFill/>
-        </p:spPr>
-        <p:txBody>
-          <a:bodyPr wrap="none">
-            <a:spAutoFit/>
-          </a:bodyPr>
-          <a:lstStyle/>
-          <a:p/>
-          <a:p>
-            <a:pPr lvl="1">
-              <a:defRPr sz="1600"/>
-            </a:pPr>
-            <a:r>
-              <a:t>Effectiveness, storage, and computational cost are key considerations.</a:t>
-            </a:r>
-          </a:p>
-          <a:p>
-            <a:pPr lvl="1">
-              <a:defRPr sz="1600"/>
-            </a:pPr>
-            <a:r>
-              <a:t>Corpus size, desired accuracy, and available resources influence the optimal choice.</a:t>
-            </a:r>
-          </a:p>
-          <a:p>
-            <a:pPr lvl="1">
-              <a:defRPr sz="1600"/>
-            </a:pPr>
-            <a:r>
-              <a:t>Bag-of-vectors (like ColBERT) improves accuracy but increases computation and storage.</a:t>
-            </a:r>
-          </a:p>
-          <a:p>
-            <a:pPr lvl="1">
-              <a:defRPr sz="1600"/>
-            </a:pPr>
-            <a:r>
-              <a:t>Single-vector approaches are faster and require less storage but may sacrifice accuracy.</a:t>
+              <a:defRPr sz="1800"/>
+            </a:pPr>
+            <a:r>
+              <a:t>Improved Precision: Enables matching queries like 'sweet apples' by comparing to individual word embeddings.</a:t>
+            </a:r>
+          </a:p>
+          <a:p>
+            <a:pPr>
+              <a:defRPr sz="1800" b="1"/>
+            </a:pPr>
+            <a:r>
+              <a:t>Example:  'The apple is sweet and crisp' becomes separate embeddings for 'the', 'apple', 'is', 'sweet', 'and', 'crisp'.</a:t>
+            </a:r>
+          </a:p>
+          <a:p>
+            <a:pPr>
+              <a:defRPr sz="1800" b="1"/>
+            </a:pPr>
+            <a:r>
+              <a:t>Improved Precision: Enables matching queries like 'sweet apples' by comparing to individual word embeddings.</a:t>
             </a:r>
           </a:p>
         </p:txBody>
@@ -4911,10 +3977,11 @@
           <a:noFill/>
         </p:spPr>
         <p:txBody>
-          <a:bodyPr wrap="none">
+          <a:bodyPr wrap="square">
             <a:spAutoFit/>
           </a:bodyPr>
           <a:lstStyle/>
+          <a:p/>
           <a:p>
             <a:pPr algn="ctr">
               <a:defRPr sz="3200" b="1">
@@ -4924,7 +3991,7 @@
               </a:defRPr>
             </a:pPr>
             <a:r>
-              <a:t>Visual Multi-Vector Embeddings (ColPali)</a:t>
+              <a:t>Multi-Vector Embeddings: Textual and Visual Examples</a:t>
             </a:r>
           </a:p>
         </p:txBody>
@@ -4938,7 +4005,7 @@
         <p:spPr>
           <a:xfrm>
             <a:off x="457200" y="1371600"/>
-            <a:ext cx="8229600" cy="3657600"/>
+            <a:ext cx="8229600" cy="4572000"/>
           </a:xfrm>
           <a:prstGeom prst="rect">
             <a:avLst/>
@@ -4946,49 +4013,49 @@
           <a:noFill/>
         </p:spPr>
         <p:txBody>
-          <a:bodyPr wrap="none">
+          <a:bodyPr wrap="square">
             <a:spAutoFit/>
           </a:bodyPr>
           <a:lstStyle/>
           <a:p/>
           <a:p>
-            <a:pPr lvl="1">
-              <a:defRPr sz="1600"/>
-            </a:pPr>
-            <a:r>
-              <a:t>Extends multi-vector embeddings to visual data (images from PDFs).</a:t>
-            </a:r>
-          </a:p>
-          <a:p>
-            <a:pPr lvl="1">
-              <a:defRPr sz="1600"/>
-            </a:pPr>
-            <a:r>
-              <a:t>Divides images into patches; creates a vector for each patch.</a:t>
-            </a:r>
-          </a:p>
-          <a:p>
-            <a:pPr lvl="1">
-              <a:defRPr sz="1600"/>
-            </a:pPr>
-            <a:r>
-              <a:t>Combines patch embeddings with textual instructions for a comprehensive representation.</a:t>
-            </a:r>
-          </a:p>
-          <a:p>
-            <a:pPr lvl="1">
-              <a:defRPr sz="1600"/>
-            </a:pPr>
-            <a:r>
-              <a:t>Enables effective visual content retrieval without OCR.</a:t>
-            </a:r>
-          </a:p>
-          <a:p>
-            <a:pPr lvl="1">
-              <a:defRPr sz="1600"/>
-            </a:pPr>
-            <a:r>
-              <a:t>Example:  "Describe the image" + image patch embeddings.</a:t>
+            <a:pPr lvl="2">
+              <a:defRPr sz="1200" b="1"/>
+            </a:pPr>
+            <a:r>
+              <a:t>Examples: Textual and Visual Multi-Vector Embeddings</a:t>
+            </a:r>
+          </a:p>
+          <a:p>
+            <a:pPr>
+              <a:defRPr sz="1800"/>
+            </a:pPr>
+            <a:r>
+              <a:t>Textual Embeddings:  A sentence like "The apple is sweet and crisp" is represented by individual word embeddings, improving query matching accuracy.  Queries like "sweet apples" can effectively match against the individual word vectors.</a:t>
+            </a:r>
+          </a:p>
+          <a:p>
+            <a:pPr>
+              <a:defRPr sz="1800" b="1"/>
+            </a:pPr>
+            <a:r>
+              <a:t>Textual Embeddings:  A sentence like "The apple is sweet and crisp" is represented by individual word embeddings, improving query matching accuracy.  Queries like "sweet apples" can effectively match against the individual word vectors.</a:t>
+            </a:r>
+          </a:p>
+          <a:p>
+            <a:pPr>
+              <a:defRPr sz="1800"/>
+            </a:pPr>
+            <a:r>
+              <a:t>Visual Embeddings (ColPali):  ColPali extends this to images (e.g., from PDFs). Images are divided into patches, each generating a vector embedding.  These, combined with textual instructions, form a multi-vector image representation.  This enables visual content-based retrieval even without OCR.</a:t>
+            </a:r>
+          </a:p>
+          <a:p>
+            <a:pPr>
+              <a:defRPr sz="1800" b="1"/>
+            </a:pPr>
+            <a:r>
+              <a:t>Visual Embeddings (ColPali):  ColPali extends this to images (e.g., from PDFs). Images are divided into patches, each generating a vector embedding.  These, combined with textual instructions, form a multi-vector image representation.  This enables visual content-based retrieval even without OCR.</a:t>
             </a:r>
           </a:p>
         </p:txBody>
@@ -5028,10 +4095,11 @@
           <a:noFill/>
         </p:spPr>
         <p:txBody>
-          <a:bodyPr wrap="none">
+          <a:bodyPr wrap="square">
             <a:spAutoFit/>
           </a:bodyPr>
           <a:lstStyle/>
+          <a:p/>
           <a:p>
             <a:pPr algn="ctr">
               <a:defRPr sz="3200" b="1">
@@ -5055,7 +4123,7 @@
         <p:spPr>
           <a:xfrm>
             <a:off x="457200" y="1371600"/>
-            <a:ext cx="8229600" cy="3657600"/>
+            <a:ext cx="8229600" cy="4572000"/>
           </a:xfrm>
           <a:prstGeom prst="rect">
             <a:avLst/>
@@ -5063,49 +4131,81 @@
           <a:noFill/>
         </p:spPr>
         <p:txBody>
-          <a:bodyPr wrap="none">
+          <a:bodyPr wrap="square">
             <a:spAutoFit/>
           </a:bodyPr>
           <a:lstStyle/>
           <a:p/>
           <a:p>
+            <a:pPr lvl="2">
+              <a:defRPr sz="1200" b="1"/>
+            </a:pPr>
+            <a:r>
+              <a:t>Benefits of Multi-Vector Embeddings</a:t>
+            </a:r>
+          </a:p>
+          <a:p>
             <a:pPr lvl="1">
-              <a:defRPr sz="1600"/>
-            </a:pPr>
-            <a:r>
-              <a:t>Improved Retrieval Accuracy: More precise matching.</a:t>
+              <a:defRPr sz="1800"/>
+            </a:pPr>
+            <a:r>
+              <a:t>Improved Retrieval Accuracy:  Richer representation leads to more precise matching.</a:t>
             </a:r>
           </a:p>
           <a:p>
             <a:pPr lvl="1">
-              <a:defRPr sz="1600"/>
-            </a:pPr>
-            <a:r>
-              <a:t>Reduced Retrieval Latency: Faster search.</a:t>
+              <a:defRPr sz="1800"/>
+            </a:pPr>
+            <a:r>
+              <a:t>Reduced Retrieval Latency: Efficient algorithms find relevant documents faster.</a:t>
             </a:r>
           </a:p>
           <a:p>
             <a:pPr lvl="1">
-              <a:defRPr sz="1600"/>
-            </a:pPr>
-            <a:r>
-              <a:t>Reduced Computation Cost: Focus on relevant document parts.</a:t>
+              <a:defRPr sz="1800"/>
+            </a:pPr>
+            <a:r>
+              <a:t>Reduced Computation Cost: Focus on relevant parts reduces processing time.</a:t>
             </a:r>
           </a:p>
           <a:p>
             <a:pPr lvl="1">
-              <a:defRPr sz="1600"/>
-            </a:pPr>
-            <a:r>
-              <a:t>Handling Diverse Data Modalities:  Text and images easily integrated.</a:t>
-            </a:r>
-          </a:p>
-          <a:p>
-            <a:pPr lvl="1">
-              <a:defRPr sz="1600"/>
-            </a:pPr>
-            <a:r>
-              <a:t>Scalable to large datasets using Approximate Nearest Neighbor Search (ANN).</a:t>
+              <a:defRPr sz="1800"/>
+            </a:pPr>
+            <a:r>
+              <a:t>Handling Diverse Data Modalities:  Easily incorporates text and visual information.</a:t>
+            </a:r>
+          </a:p>
+          <a:p>
+            <a:pPr>
+              <a:defRPr sz="1800" b="1"/>
+            </a:pPr>
+            <a:r>
+              <a:t>Improved Retrieval Accuracy:  Richer representation leads to more precise matching.</a:t>
+            </a:r>
+          </a:p>
+          <a:p>
+            <a:pPr>
+              <a:defRPr sz="1800" b="1"/>
+            </a:pPr>
+            <a:r>
+              <a:t>Reduced Retrieval Latency: Efficient algorithms find relevant documents faster.</a:t>
+            </a:r>
+          </a:p>
+          <a:p>
+            <a:pPr>
+              <a:defRPr sz="1800" b="1"/>
+            </a:pPr>
+            <a:r>
+              <a:t>Reduced Computation Cost: Focus on relevant parts reduces processing time.</a:t>
+            </a:r>
+          </a:p>
+          <a:p>
+            <a:pPr>
+              <a:defRPr sz="1800" b="1"/>
+            </a:pPr>
+            <a:r>
+              <a:t>Handling Diverse Data Modalities:  Easily incorporates text and visual information.</a:t>
             </a:r>
           </a:p>
         </p:txBody>
@@ -5145,10 +4245,11 @@
           <a:noFill/>
         </p:spPr>
         <p:txBody>
-          <a:bodyPr wrap="none">
+          <a:bodyPr wrap="square">
             <a:spAutoFit/>
           </a:bodyPr>
           <a:lstStyle/>
+          <a:p/>
           <a:p>
             <a:pPr algn="ctr">
               <a:defRPr sz="3200" b="1">
@@ -5158,7 +4259,7 @@
               </a:defRPr>
             </a:pPr>
             <a:r>
-              <a:t>Similarity Calculation (MaxSim)</a:t>
+              <a:t>Similarity Calculation: MaxSim</a:t>
             </a:r>
           </a:p>
         </p:txBody>
@@ -5172,7 +4273,7 @@
         <p:spPr>
           <a:xfrm>
             <a:off x="457200" y="1371600"/>
-            <a:ext cx="8229600" cy="3657600"/>
+            <a:ext cx="8229600" cy="4572000"/>
           </a:xfrm>
           <a:prstGeom prst="rect">
             <a:avLst/>
@@ -5180,41 +4281,57 @@
           <a:noFill/>
         </p:spPr>
         <p:txBody>
-          <a:bodyPr wrap="none">
+          <a:bodyPr wrap="square">
             <a:spAutoFit/>
           </a:bodyPr>
           <a:lstStyle/>
           <a:p/>
           <a:p>
+            <a:pPr lvl="2">
+              <a:defRPr sz="1200" b="1"/>
+            </a:pPr>
+            <a:r>
+              <a:t>Similarity Calculation: MaxSim</a:t>
+            </a:r>
+          </a:p>
+          <a:p>
+            <a:pPr>
+              <a:defRPr sz="1800"/>
+            </a:pPr>
+            <a:r>
+              <a:t>MaxSim compares query embeddings to document embeddings by finding the maximum similarity between each query vector and all vectors within the document's multi-vector representation.  A perfect match of even a single element yields a high relevance score.</a:t>
+            </a:r>
+          </a:p>
+          <a:p>
             <a:pPr lvl="1">
-              <a:defRPr sz="1600"/>
-            </a:pPr>
-            <a:r>
-              <a:t>Key for comparing query and document embeddings.</a:t>
+              <a:defRPr sz="1800"/>
+            </a:pPr>
+            <a:r>
+              <a:t>Efficiency: Focuses on the most relevant parts of the document.</a:t>
             </a:r>
           </a:p>
           <a:p>
             <a:pPr lvl="1">
-              <a:defRPr sz="1600"/>
-            </a:pPr>
-            <a:r>
-              <a:t>Calculates maximum similarity between each query vector and all document vectors.</a:t>
-            </a:r>
-          </a:p>
-          <a:p>
-            <a:pPr lvl="1">
-              <a:defRPr sz="1600"/>
-            </a:pPr>
-            <a:r>
-              <a:t>Ensures high relevance even with a single perfect match.</a:t>
-            </a:r>
-          </a:p>
-          <a:p>
-            <a:pPr lvl="1">
-              <a:defRPr sz="1600"/>
-            </a:pPr>
-            <a:r>
-              <a:t>Efficiently identifies the most relevant document sections.</a:t>
+              <a:defRPr sz="1800"/>
+            </a:pPr>
+            <a:r>
+              <a:t>Accuracy: Captures even small but precise matches.</a:t>
+            </a:r>
+          </a:p>
+          <a:p>
+            <a:pPr>
+              <a:defRPr sz="1800" b="1"/>
+            </a:pPr>
+            <a:r>
+              <a:t>Efficiency: Focuses on the most relevant parts of the document.</a:t>
+            </a:r>
+          </a:p>
+          <a:p>
+            <a:pPr>
+              <a:defRPr sz="1800" b="1"/>
+            </a:pPr>
+            <a:r>
+              <a:t>Accuracy: Captures even small but precise matches.</a:t>
             </a:r>
           </a:p>
         </p:txBody>
@@ -5254,10 +4371,11 @@
           <a:noFill/>
         </p:spPr>
         <p:txBody>
-          <a:bodyPr wrap="none">
+          <a:bodyPr wrap="square">
             <a:spAutoFit/>
           </a:bodyPr>
           <a:lstStyle/>
+          <a:p/>
           <a:p>
             <a:pPr algn="ctr">
               <a:defRPr sz="3200" b="1">
@@ -5267,7 +4385,7 @@
               </a:defRPr>
             </a:pPr>
             <a:r>
-              <a:t>Approximate Nearest Neighbor Search (ANN)</a:t>
+              <a:t>Efficient Search: Approximate Nearest Neighbor Search (ANN)</a:t>
             </a:r>
           </a:p>
         </p:txBody>
@@ -5281,7 +4399,7 @@
         <p:spPr>
           <a:xfrm>
             <a:off x="457200" y="1371600"/>
-            <a:ext cx="8229600" cy="3657600"/>
+            <a:ext cx="8229600" cy="4572000"/>
           </a:xfrm>
           <a:prstGeom prst="rect">
             <a:avLst/>
@@ -5289,41 +4407,57 @@
           <a:noFill/>
         </p:spPr>
         <p:txBody>
-          <a:bodyPr wrap="none">
+          <a:bodyPr wrap="square">
             <a:spAutoFit/>
           </a:bodyPr>
           <a:lstStyle/>
           <a:p/>
           <a:p>
+            <a:pPr lvl="2">
+              <a:defRPr sz="1200" b="1"/>
+            </a:pPr>
+            <a:r>
+              <a:t>Approximate Nearest Neighbor Search (ANN)</a:t>
+            </a:r>
+          </a:p>
+          <a:p>
+            <a:pPr>
+              <a:defRPr sz="1800"/>
+            </a:pPr>
+            <a:r>
+              <a:t>ANN techniques efficiently search large multi-vector embedding datasets. They quickly identify the most similar documents without exhaustive comparisons.  HNSW indexing is a commonly used and effective ANN method.</a:t>
+            </a:r>
+          </a:p>
+          <a:p>
             <a:pPr lvl="1">
-              <a:defRPr sz="1600"/>
-            </a:pPr>
-            <a:r>
-              <a:t>Efficiently searches through massive multi-vector embedding datasets.</a:t>
+              <a:defRPr sz="1800"/>
+            </a:pPr>
+            <a:r>
+              <a:t>Scalability: Enables efficient search in massive datasets.</a:t>
             </a:r>
           </a:p>
           <a:p>
             <a:pPr lvl="1">
-              <a:defRPr sz="1600"/>
-            </a:pPr>
-            <a:r>
-              <a:t>Quickly finds most similar documents without exhaustive comparisons.</a:t>
-            </a:r>
-          </a:p>
-          <a:p>
-            <a:pPr lvl="1">
-              <a:defRPr sz="1600"/>
-            </a:pPr>
-            <a:r>
-              <a:t>HNSW (Hierarchical Navigable Small World) is a common effective ANN method.</a:t>
-            </a:r>
-          </a:p>
-          <a:p>
-            <a:pPr lvl="1">
-              <a:defRPr sz="1600"/>
-            </a:pPr>
-            <a:r>
-              <a:t>Balances speed and accuracy in large-scale retrieval.</a:t>
+              <a:defRPr sz="1800"/>
+            </a:pPr>
+            <a:r>
+              <a:t>Speed: Significantly reduces search time compared to brute-force methods.</a:t>
+            </a:r>
+          </a:p>
+          <a:p>
+            <a:pPr>
+              <a:defRPr sz="1800" b="1"/>
+            </a:pPr>
+            <a:r>
+              <a:t>Scalability: Enables efficient search in massive datasets.</a:t>
+            </a:r>
+          </a:p>
+          <a:p>
+            <a:pPr>
+              <a:defRPr sz="1800" b="1"/>
+            </a:pPr>
+            <a:r>
+              <a:t>Speed: Significantly reduces search time compared to brute-force methods.</a:t>
             </a:r>
           </a:p>
         </p:txBody>
@@ -5363,10 +4497,11 @@
           <a:noFill/>
         </p:spPr>
         <p:txBody>
-          <a:bodyPr wrap="none">
+          <a:bodyPr wrap="square">
             <a:spAutoFit/>
           </a:bodyPr>
           <a:lstStyle/>
+          <a:p/>
           <a:p>
             <a:pPr algn="ctr">
               <a:defRPr sz="3200" b="1">
@@ -5376,7 +4511,7 @@
               </a:defRPr>
             </a:pPr>
             <a:r>
-              <a:t>ColBERT Architecture Overview: Efficient and Accurate Text Retrieval</a:t>
+              <a:t>ColBERT Architecture Overview</a:t>
             </a:r>
           </a:p>
         </p:txBody>
@@ -5390,7 +4525,7 @@
         <p:spPr>
           <a:xfrm>
             <a:off x="457200" y="1371600"/>
-            <a:ext cx="8229600" cy="3657600"/>
+            <a:ext cx="8229600" cy="4572000"/>
           </a:xfrm>
           <a:prstGeom prst="rect">
             <a:avLst/>
@@ -5398,49 +4533,73 @@
           <a:noFill/>
         </p:spPr>
         <p:txBody>
-          <a:bodyPr wrap="none">
+          <a:bodyPr wrap="square">
             <a:spAutoFit/>
           </a:bodyPr>
           <a:lstStyle/>
           <a:p/>
           <a:p>
+            <a:pPr lvl="2">
+              <a:defRPr sz="1200" b="1"/>
+            </a:pPr>
+            <a:r>
+              <a:t>ColBERT Architecture Overview</a:t>
+            </a:r>
+          </a:p>
+          <a:p>
+            <a:pPr>
+              <a:defRPr sz="1800"/>
+            </a:pPr>
+            <a:r>
+              <a:t>ColBERT uses pre-trained transformer models (like BERT) to generate rich token embeddings for documents.  Unlike single-vector approaches, it uses a bag-of-token vectors, capturing context more effectively. Its 'late interaction' approach compares queries and documents only during retrieval, enhancing efficiency.</a:t>
+            </a:r>
+          </a:p>
+          <a:p>
             <a:pPr lvl="1">
-              <a:defRPr sz="1600"/>
-            </a:pPr>
-            <a:r>
-              <a:t>Uses pre-trained transformers (like BERT) for rich token embeddings.</a:t>
+              <a:defRPr sz="1800"/>
+            </a:pPr>
+            <a:r>
+              <a:t>Multi-vector Embeddings:  Documents and queries are represented as collections of token embeddings.</a:t>
             </a:r>
           </a:p>
           <a:p>
             <a:pPr lvl="1">
-              <a:defRPr sz="1600"/>
-            </a:pPr>
-            <a:r>
-              <a:t>Employs a bag-of-token vectors for capturing context effectively.</a:t>
+              <a:defRPr sz="1800"/>
+            </a:pPr>
+            <a:r>
+              <a:t>Late Interaction: Query-document comparison during retrieval for efficiency.</a:t>
             </a:r>
           </a:p>
           <a:p>
             <a:pPr lvl="1">
-              <a:defRPr sz="1600"/>
-            </a:pPr>
-            <a:r>
-              <a:t>"Late interaction": Query-document comparison happens only during retrieval.</a:t>
-            </a:r>
-          </a:p>
-          <a:p>
-            <a:pPr lvl="1">
-              <a:defRPr sz="1600"/>
-            </a:pPr>
-            <a:r>
-              <a:t>MaxSim scoring mechanism: Selects highest similarity scores for efficient computation.</a:t>
-            </a:r>
-          </a:p>
-          <a:p>
-            <a:pPr lvl="1">
-              <a:defRPr sz="1600"/>
-            </a:pPr>
-            <a:r>
-              <a:t>Balances accuracy and speed for efficient large-scale retrieval.</a:t>
+              <a:defRPr sz="1800"/>
+            </a:pPr>
+            <a:r>
+              <a:t>MaxSim Scoring:  Selects maximum similarity between query-document token pairs.</a:t>
+            </a:r>
+          </a:p>
+          <a:p>
+            <a:pPr>
+              <a:defRPr sz="1800" b="1"/>
+            </a:pPr>
+            <a:r>
+              <a:t>Multi-vector Embeddings:  Documents and queries are represented as collections of token embeddings.</a:t>
+            </a:r>
+          </a:p>
+          <a:p>
+            <a:pPr>
+              <a:defRPr sz="1800" b="1"/>
+            </a:pPr>
+            <a:r>
+              <a:t>Late Interaction: Query-document comparison during retrieval for efficiency.</a:t>
+            </a:r>
+          </a:p>
+          <a:p>
+            <a:pPr>
+              <a:defRPr sz="1800" b="1"/>
+            </a:pPr>
+            <a:r>
+              <a:t>MaxSim Scoring:  Selects maximum similarity between query-document token pairs.</a:t>
             </a:r>
           </a:p>
         </p:txBody>
@@ -5480,10 +4639,11 @@
           <a:noFill/>
         </p:spPr>
         <p:txBody>
-          <a:bodyPr wrap="none">
+          <a:bodyPr wrap="square">
             <a:spAutoFit/>
           </a:bodyPr>
           <a:lstStyle/>
+          <a:p/>
           <a:p>
             <a:pPr algn="ctr">
               <a:defRPr sz="3200" b="1">
@@ -5493,7 +4653,7 @@
               </a:defRPr>
             </a:pPr>
             <a:r>
-              <a:t>Key Concepts of ColBERT</a:t>
+              <a:t>How ColBERT Works: A Step-by-Step Guide</a:t>
             </a:r>
           </a:p>
         </p:txBody>
@@ -5507,7 +4667,7 @@
         <p:spPr>
           <a:xfrm>
             <a:off x="457200" y="1371600"/>
-            <a:ext cx="8229600" cy="3657600"/>
+            <a:ext cx="8229600" cy="4572000"/>
           </a:xfrm>
           <a:prstGeom prst="rect">
             <a:avLst/>
@@ -5515,33 +4675,65 @@
           <a:noFill/>
         </p:spPr>
         <p:txBody>
-          <a:bodyPr wrap="none">
+          <a:bodyPr wrap="square">
             <a:spAutoFit/>
           </a:bodyPr>
           <a:lstStyle/>
           <a:p/>
           <a:p>
-            <a:pPr lvl="1">
-              <a:defRPr sz="1600"/>
-            </a:pPr>
-            <a:r>
-              <a:t>Multi-vector Embeddings: Rich contextual information using multiple token embeddings.</a:t>
-            </a:r>
-          </a:p>
-          <a:p>
-            <a:pPr lvl="1">
-              <a:defRPr sz="1600"/>
-            </a:pPr>
-            <a:r>
-              <a:t>Late Interaction: Efficient comparison of pre-computed document embeddings at retrieval time.</a:t>
-            </a:r>
-          </a:p>
-          <a:p>
-            <a:pPr lvl="1">
-              <a:defRPr sz="1600"/>
-            </a:pPr>
-            <a:r>
-              <a:t>MaxSim: Efficient scoring function selecting maximum similarities between query and document tokens.</a:t>
+            <a:pPr lvl="2">
+              <a:defRPr sz="1200" b="1"/>
+            </a:pPr>
+            <a:r>
+              <a:t>How ColBERT Works</a:t>
+            </a:r>
+          </a:p>
+          <a:p>
+            <a:pPr>
+              <a:defRPr sz="1800" b="1"/>
+            </a:pPr>
+            <a:r>
+              <a:t>Indexing:  Documents are processed offline, and token embeddings are stored.</a:t>
+            </a:r>
+          </a:p>
+          <a:p>
+            <a:pPr>
+              <a:defRPr sz="1800" b="1"/>
+            </a:pPr>
+            <a:r>
+              <a:t>Query Encoding:  Query tokens are embedded using the same model.</a:t>
+            </a:r>
+          </a:p>
+          <a:p>
+            <a:pPr>
+              <a:defRPr sz="1800" b="1"/>
+            </a:pPr>
+            <a:r>
+              <a:t>Similarity Calculation:  Similarity between query and document tokens is computed.</a:t>
+            </a:r>
+          </a:p>
+          <a:p>
+            <a:pPr>
+              <a:defRPr sz="1800" b="1"/>
+            </a:pPr>
+            <a:r>
+              <a:t>MaxSim Selection:  Maximum similarity for each query token is selected.</a:t>
+            </a:r>
+          </a:p>
+          <a:p>
+            <a:pPr>
+              <a:defRPr sz="1800" b="1"/>
+            </a:pPr>
+            <a:r>
+              <a:t>Aggregation:  Maximum similarities are summed for a final document score.</a:t>
+            </a:r>
+          </a:p>
+          <a:p>
+            <a:pPr>
+              <a:defRPr sz="1800" b="1"/>
+            </a:pPr>
+            <a:r>
+              <a:t>Ranking:  Documents are ranked based on scores.</a:t>
             </a:r>
           </a:p>
         </p:txBody>
@@ -5581,10 +4773,11 @@
           <a:noFill/>
         </p:spPr>
         <p:txBody>
-          <a:bodyPr wrap="none">
+          <a:bodyPr wrap="square">
             <a:spAutoFit/>
           </a:bodyPr>
           <a:lstStyle/>
+          <a:p/>
           <a:p>
             <a:pPr algn="ctr">
               <a:defRPr sz="3200" b="1">
@@ -5594,7 +4787,7 @@
               </a:defRPr>
             </a:pPr>
             <a:r>
-              <a:t>How ColBERT Works: A Step-by-Step Guide</a:t>
+              <a:t>ColBERT vs. Traditional Methods</a:t>
             </a:r>
           </a:p>
         </p:txBody>
@@ -5608,7 +4801,7 @@
         <p:spPr>
           <a:xfrm>
             <a:off x="457200" y="1371600"/>
-            <a:ext cx="8229600" cy="3657600"/>
+            <a:ext cx="8229600" cy="4572000"/>
           </a:xfrm>
           <a:prstGeom prst="rect">
             <a:avLst/>
@@ -5616,57 +4809,57 @@
           <a:noFill/>
         </p:spPr>
         <p:txBody>
-          <a:bodyPr wrap="none">
+          <a:bodyPr wrap="square">
             <a:spAutoFit/>
           </a:bodyPr>
           <a:lstStyle/>
           <a:p/>
           <a:p>
+            <a:pPr lvl="2">
+              <a:defRPr sz="1200" b="1"/>
+            </a:pPr>
+            <a:r>
+              <a:t>ColBERT vs. Traditional Methods</a:t>
+            </a:r>
+          </a:p>
+          <a:p>
+            <a:pPr>
+              <a:defRPr sz="1800"/>
+            </a:pPr>
+            <a:r>
+              <a:t>Traditional methods use single-vector representations, losing contextual information. ColBERT's multi-vector approach captures this context, improving accuracy.  Late interaction makes ColBERT significantly more efficient.</a:t>
+            </a:r>
+          </a:p>
+          <a:p>
             <a:pPr lvl="1">
-              <a:defRPr sz="1600"/>
-            </a:pPr>
-            <a:r>
-              <a:t>Indexing: Offline processing and embedding of document tokens.</a:t>
+              <a:defRPr sz="1800"/>
+            </a:pPr>
+            <a:r>
+              <a:t>Improved Accuracy:  Captures richer contextual information.</a:t>
             </a:r>
           </a:p>
           <a:p>
             <a:pPr lvl="1">
-              <a:defRPr sz="1600"/>
-            </a:pPr>
-            <a:r>
-              <a:t>Query Encoding:  Embedding of query tokens using the same pre-trained model.</a:t>
-            </a:r>
-          </a:p>
-          <a:p>
-            <a:pPr lvl="1">
-              <a:defRPr sz="1600"/>
-            </a:pPr>
-            <a:r>
-              <a:t>Similarity Calculation: Computing similarity (dot product) between query and document token embeddings.</a:t>
-            </a:r>
-          </a:p>
-          <a:p>
-            <a:pPr lvl="1">
-              <a:defRPr sz="1600"/>
-            </a:pPr>
-            <a:r>
-              <a:t>MaxSim Selection: Choosing the maximum similarity score for each query token.</a:t>
-            </a:r>
-          </a:p>
-          <a:p>
-            <a:pPr lvl="1">
-              <a:defRPr sz="1600"/>
-            </a:pPr>
-            <a:r>
-              <a:t>Aggregation: Summing maximum similarity scores for a final document score.</a:t>
-            </a:r>
-          </a:p>
-          <a:p>
-            <a:pPr lvl="1">
-              <a:defRPr sz="1600"/>
-            </a:pPr>
-            <a:r>
-              <a:t>Ranking: Ranking documents based on their final scores.</a:t>
+              <a:defRPr sz="1800"/>
+            </a:pPr>
+            <a:r>
+              <a:t>Increased Efficiency:  Late interaction reduces computational overhead.</a:t>
+            </a:r>
+          </a:p>
+          <a:p>
+            <a:pPr>
+              <a:defRPr sz="1800" b="1"/>
+            </a:pPr>
+            <a:r>
+              <a:t>Improved Accuracy:  Captures richer contextual information.</a:t>
+            </a:r>
+          </a:p>
+          <a:p>
+            <a:pPr>
+              <a:defRPr sz="1800" b="1"/>
+            </a:pPr>
+            <a:r>
+              <a:t>Increased Efficiency:  Late interaction reduces computational overhead.</a:t>
             </a:r>
           </a:p>
         </p:txBody>

--- a/server-side/server/teacher/downloaded-presentations/Large Language Models/Colbert.pptx
+++ b/server-side/server/teacher/downloaded-presentations/Large Language Models/Colbert.pptx
@@ -18,6 +18,7 @@
     <p:sldId id="266" r:id="rId17"/>
     <p:sldId id="267" r:id="rId18"/>
     <p:sldId id="268" r:id="rId19"/>
+    <p:sldId id="269" r:id="rId20"/>
   </p:sldIdLst>
   <p:sldSz cx="9144000" cy="6858000" type="screen4x3"/>
   <p:notesSz cx="6858000" cy="9144000"/>
@@ -3159,19 +3160,11 @@
           <a:lstStyle/>
           <a:p/>
           <a:p>
-            <a:pPr lvl="2">
-              <a:defRPr sz="1200" b="1"/>
-            </a:pPr>
-            <a:r>
-              <a:t>Multi-Vector Embeddings in Transformers</a:t>
-            </a:r>
-          </a:p>
-          <a:p>
-            <a:pPr>
-              <a:defRPr sz="1800"/>
-            </a:pPr>
-            <a:r>
-              <a:t>Multi-vector embeddings represent a significant advancement in information retrieval, especially within LLMs and transformer architectures. Unlike single-vector embeddings which average information leading to potential loss, multi-vector embeddings utilize a collection of vectors, each capturing a different aspect of the document. This nuanced representation improves search accuracy and efficiency, particularly with complex documents containing diverse data (text and images).</a:t>
+            <a:pPr>
+              <a:defRPr sz="1800"/>
+            </a:pPr>
+            <a:r>
+              <a:t>Multi-vector embeddings represent a significant advancement in information retrieval, especially within large language models (LLMs) and transformer architectures. Unlike single-vector embeddings, which average information and can lead to loss of detail, multi-vector embeddings use a collection of vectors, each representing a different aspect of a document. This allows for more nuanced and comprehensive representation, leading to improved search accuracy and efficiency. This approach is particularly useful for complex documents with diverse information, such as those combining text and images.</a:t>
             </a:r>
           </a:p>
           <a:p>
@@ -3179,7 +3172,7 @@
               <a:defRPr sz="1800"/>
             </a:pPr>
             <a:r>
-              <a:t>Addresses Information Loss: Avoids averaging diverse information into a single, diluted representation.</a:t>
+              <a:t>Improved Representation: Captures more information than single-vector embeddings.</a:t>
             </a:r>
           </a:p>
           <a:p>
@@ -3187,7 +3180,7 @@
               <a:defRPr sz="1800"/>
             </a:pPr>
             <a:r>
-              <a:t>Enhanced Search Accuracy: Enables more precise matching of queries to document features.</a:t>
+              <a:t>Enhanced Accuracy: Leads to more precise matching in search results.</a:t>
             </a:r>
           </a:p>
           <a:p>
@@ -3195,7 +3188,7 @@
               <a:defRPr sz="1800"/>
             </a:pPr>
             <a:r>
-              <a:t>Improved Efficiency: Allows for focusing on relevant parts, reducing overall computational load.</a:t>
+              <a:t>Efficiency: Allows for faster and more targeted search algorithms.</a:t>
             </a:r>
           </a:p>
           <a:p>
@@ -3203,7 +3196,7 @@
               <a:defRPr sz="1800"/>
             </a:pPr>
             <a:r>
-              <a:t>Handles Diverse Data: Seamlessly integrates text, images, and other modalities.</a:t>
+              <a:t>Versatile Data Handling: Easily integrates text and visual data.</a:t>
             </a:r>
           </a:p>
           <a:p>
@@ -3211,7 +3204,7 @@
               <a:defRPr sz="1800" b="1"/>
             </a:pPr>
             <a:r>
-              <a:t>Addresses Information Loss: Avoids averaging diverse information into a single, diluted representation.</a:t>
+              <a:t>Improved Representation: Captures more information than single-vector embeddings.</a:t>
             </a:r>
           </a:p>
           <a:p>
@@ -3219,7 +3212,7 @@
               <a:defRPr sz="1800" b="1"/>
             </a:pPr>
             <a:r>
-              <a:t>Enhanced Search Accuracy: Enables more precise matching of queries to document features.</a:t>
+              <a:t>Enhanced Accuracy: Leads to more precise matching in search results.</a:t>
             </a:r>
           </a:p>
           <a:p>
@@ -3227,7 +3220,7 @@
               <a:defRPr sz="1800" b="1"/>
             </a:pPr>
             <a:r>
-              <a:t>Improved Efficiency: Allows for focusing on relevant parts, reducing overall computational load.</a:t>
+              <a:t>Efficiency: Allows for faster and more targeted search algorithms.</a:t>
             </a:r>
           </a:p>
           <a:p>
@@ -3235,7 +3228,7 @@
               <a:defRPr sz="1800" b="1"/>
             </a:pPr>
             <a:r>
-              <a:t>Handles Diverse Data: Seamlessly integrates text, images, and other modalities.</a:t>
+              <a:t>Versatile Data Handling: Easily integrates text and visual data.</a:t>
             </a:r>
           </a:p>
         </p:txBody>
@@ -3289,7 +3282,7 @@
               </a:defRPr>
             </a:pPr>
             <a:r>
-              <a:t>Late Interaction in ColBERT: A Deep Dive</a:t>
+              <a:t>ColBERT vs. Traditional Methods</a:t>
             </a:r>
           </a:p>
         </p:txBody>
@@ -3317,19 +3310,11 @@
           <a:lstStyle/>
           <a:p/>
           <a:p>
-            <a:pPr lvl="2">
-              <a:defRPr sz="1200" b="1"/>
-            </a:pPr>
-            <a:r>
-              <a:t>Late Interaction in ColBERT</a:t>
-            </a:r>
-          </a:p>
-          <a:p>
-            <a:pPr>
-              <a:defRPr sz="1800"/>
-            </a:pPr>
-            <a:r>
-              <a:t>ColBERT's 'late interaction' creates document embeddings offline.  Query embeddings are generated only at retrieval time and compared to pre-computed document embeddings. This improves efficiency by performing expensive computations only once.</a:t>
+            <a:pPr>
+              <a:defRPr sz="1800"/>
+            </a:pPr>
+            <a:r>
+              <a:t>Traditional methods often use a single document vector, losing contextual information. ColBERT's multi-vector approach captures this context, improving accuracy.  The late interaction approach makes ColBERT significantly more efficient.</a:t>
             </a:r>
           </a:p>
           <a:p>
@@ -3337,7 +3322,7 @@
               <a:defRPr sz="1800"/>
             </a:pPr>
             <a:r>
-              <a:t>Efficiency: Expensive computations during indexing, not repeated for each query.</a:t>
+              <a:t>Improved Accuracy:  Preserves contextual information.</a:t>
             </a:r>
           </a:p>
           <a:p>
@@ -3345,7 +3330,15 @@
               <a:defRPr sz="1800"/>
             </a:pPr>
             <a:r>
-              <a:t>MaxSim Mechanism:  Finds maximum similarity between query and document tokens.</a:t>
+              <a:t>Enhanced Efficiency:  Late interaction reduces computational cost.</a:t>
+            </a:r>
+          </a:p>
+          <a:p>
+            <a:pPr lvl="1">
+              <a:defRPr sz="1800"/>
+            </a:pPr>
+            <a:r>
+              <a:t>Scalability: Suitable for large-scale retrieval tasks.</a:t>
             </a:r>
           </a:p>
           <a:p>
@@ -3353,7 +3346,7 @@
               <a:defRPr sz="1800" b="1"/>
             </a:pPr>
             <a:r>
-              <a:t>Efficiency: Expensive computations during indexing, not repeated for each query.</a:t>
+              <a:t>Improved Accuracy:  Preserves contextual information.</a:t>
             </a:r>
           </a:p>
           <a:p>
@@ -3361,7 +3354,15 @@
               <a:defRPr sz="1800" b="1"/>
             </a:pPr>
             <a:r>
-              <a:t>MaxSim Mechanism:  Finds maximum similarity between query and document tokens.</a:t>
+              <a:t>Enhanced Efficiency:  Late interaction reduces computational cost.</a:t>
+            </a:r>
+          </a:p>
+          <a:p>
+            <a:pPr>
+              <a:defRPr sz="1800" b="1"/>
+            </a:pPr>
+            <a:r>
+              <a:t>Scalability: Suitable for large-scale retrieval tasks.</a:t>
             </a:r>
           </a:p>
         </p:txBody>
@@ -3415,7 +3416,7 @@
               </a:defRPr>
             </a:pPr>
             <a:r>
-              <a:t>Early vs. Late Interaction: A Comparison</a:t>
+              <a:t>Late Interaction in ColBERT: A Deep Dive</a:t>
             </a:r>
           </a:p>
         </p:txBody>
@@ -3443,19 +3444,35 @@
           <a:lstStyle/>
           <a:p/>
           <a:p>
-            <a:pPr lvl="2">
-              <a:defRPr sz="1200" b="1"/>
-            </a:pPr>
-            <a:r>
-              <a:t>Early vs. Late Interaction</a:t>
-            </a:r>
-          </a:p>
-          <a:p>
-            <a:pPr>
-              <a:defRPr sz="1800"/>
-            </a:pPr>
-            <a:r>
-              <a:t>Early Interaction: Processes queries and documents together, capturing nuanced interactions but at high computational cost.</a:t>
+            <a:pPr>
+              <a:defRPr sz="1800"/>
+            </a:pPr>
+            <a:r>
+              <a:t>ColBERT uses 'late interaction', generating document embeddings offline and comparing them to query embeddings only at retrieval time. This improves efficiency by performing expensive computations once during indexing instead of repeatedly for each query.  The comparison involves inexpensive vector comparisons and summation.</a:t>
+            </a:r>
+          </a:p>
+          <a:p>
+            <a:pPr lvl="1">
+              <a:defRPr sz="1800"/>
+            </a:pPr>
+            <a:r>
+              <a:t>Offline Embedding Generation: Improves efficiency by pre-computing document embeddings.</a:t>
+            </a:r>
+          </a:p>
+          <a:p>
+            <a:pPr lvl="1">
+              <a:defRPr sz="1800"/>
+            </a:pPr>
+            <a:r>
+              <a:t>Efficient Comparison:  Fast computation during retrieval.</a:t>
+            </a:r>
+          </a:p>
+          <a:p>
+            <a:pPr lvl="1">
+              <a:defRPr sz="1800"/>
+            </a:pPr>
+            <a:r>
+              <a:t>Scalability:  Handles large document collections efficiently.</a:t>
             </a:r>
           </a:p>
           <a:p>
@@ -3463,15 +3480,7 @@
               <a:defRPr sz="1800" b="1"/>
             </a:pPr>
             <a:r>
-              <a:t>Early Interaction: Processes queries and documents together, capturing nuanced interactions but at high computational cost.</a:t>
-            </a:r>
-          </a:p>
-          <a:p>
-            <a:pPr>
-              <a:defRPr sz="1800"/>
-            </a:pPr>
-            <a:r>
-              <a:t>Late Interaction: Generates embeddings independently and compares them at retrieval time, prioritizing efficiency over nuanced interactions.</a:t>
+              <a:t>Offline Embedding Generation: Improves efficiency by pre-computing document embeddings.</a:t>
             </a:r>
           </a:p>
           <a:p>
@@ -3479,23 +3488,7 @@
               <a:defRPr sz="1800" b="1"/>
             </a:pPr>
             <a:r>
-              <a:t>Late Interaction: Generates embeddings independently and compares them at retrieval time, prioritizing efficiency over nuanced interactions.</a:t>
-            </a:r>
-          </a:p>
-          <a:p>
-            <a:pPr lvl="1">
-              <a:defRPr sz="1800"/>
-            </a:pPr>
-            <a:r>
-              <a:t>Early Interaction: High accuracy, high computational cost.</a:t>
-            </a:r>
-          </a:p>
-          <a:p>
-            <a:pPr lvl="1">
-              <a:defRPr sz="1800"/>
-            </a:pPr>
-            <a:r>
-              <a:t>Late Interaction: High efficiency, potentially lower accuracy in highly nuanced scenarios.</a:t>
+              <a:t>Efficient Comparison:  Fast computation during retrieval.</a:t>
             </a:r>
           </a:p>
           <a:p>
@@ -3503,15 +3496,7 @@
               <a:defRPr sz="1800" b="1"/>
             </a:pPr>
             <a:r>
-              <a:t>Early Interaction: High accuracy, high computational cost.</a:t>
-            </a:r>
-          </a:p>
-          <a:p>
-            <a:pPr>
-              <a:defRPr sz="1800" b="1"/>
-            </a:pPr>
-            <a:r>
-              <a:t>Late Interaction: High efficiency, potentially lower accuracy in highly nuanced scenarios.</a:t>
+              <a:t>Scalability:  Handles large document collections efficiently.</a:t>
             </a:r>
           </a:p>
         </p:txBody>
@@ -3565,7 +3550,7 @@
               </a:defRPr>
             </a:pPr>
             <a:r>
-              <a:t>MaxSim for Query-Document Comparison</a:t>
+              <a:t>MaxSim in ColBERT: Detailed Explanation</a:t>
             </a:r>
           </a:p>
         </p:txBody>
@@ -3593,19 +3578,11 @@
           <a:lstStyle/>
           <a:p/>
           <a:p>
-            <a:pPr lvl="2">
-              <a:defRPr sz="1200" b="1"/>
-            </a:pPr>
-            <a:r>
-              <a:t>MaxSim for Query-Document Comparison</a:t>
-            </a:r>
-          </a:p>
-          <a:p>
-            <a:pPr>
-              <a:defRPr sz="1800"/>
-            </a:pPr>
-            <a:r>
-              <a:t>MaxSim calculates similarity using tensor operations. It computes the dot product between query and document embeddings, finds the maximum similarity for each query token, and sums these for a final score.  It's efficient and effective for large datasets.</a:t>
+            <a:pPr>
+              <a:defRPr sz="1800"/>
+            </a:pPr>
+            <a:r>
+              <a:t>MaxSim (Maximum Similarity) is ColBERT's core comparison mechanism.  For each query token, it finds the document token with the highest similarity.  These maximum similarities are summed across all query tokens to produce the overall query-document score. This efficiently captures the most relevant parts.</a:t>
             </a:r>
           </a:p>
           <a:p>
@@ -3613,7 +3590,7 @@
               <a:defRPr sz="1800"/>
             </a:pPr>
             <a:r>
-              <a:t>Vespa Implementation:  Uses Vespa's ranking expression for efficient computation.</a:t>
+              <a:t>Token-Level Comparison: Compares individual query tokens to document tokens.</a:t>
             </a:r>
           </a:p>
           <a:p>
@@ -3621,7 +3598,7 @@
               <a:defRPr sz="1800"/>
             </a:pPr>
             <a:r>
-              <a:t>PyTorch Implementation:  Leverages torch.einsum for concise tensor operations.</a:t>
+              <a:t>Maximum Similarity Selection: Selects the highest similarity score for each query token.</a:t>
             </a:r>
           </a:p>
           <a:p>
@@ -3629,15 +3606,7 @@
               <a:defRPr sz="1800"/>
             </a:pPr>
             <a:r>
-              <a:t>Scaling:  Combines with ANN and candidate selection for handling billions of documents.</a:t>
-            </a:r>
-          </a:p>
-          <a:p>
-            <a:pPr lvl="1">
-              <a:defRPr sz="1800"/>
-            </a:pPr>
-            <a:r>
-              <a:t>Hamming Distance: Can use Hamming distance instead of dot product for similarity.</a:t>
+              <a:t>Summation: Aggregates the maximum scores for a final document score.</a:t>
             </a:r>
           </a:p>
           <a:p>
@@ -3645,7 +3614,7 @@
               <a:defRPr sz="1800" b="1"/>
             </a:pPr>
             <a:r>
-              <a:t>Vespa Implementation:  Uses Vespa's ranking expression for efficient computation.</a:t>
+              <a:t>Token-Level Comparison: Compares individual query tokens to document tokens.</a:t>
             </a:r>
           </a:p>
           <a:p>
@@ -3653,7 +3622,7 @@
               <a:defRPr sz="1800" b="1"/>
             </a:pPr>
             <a:r>
-              <a:t>PyTorch Implementation:  Leverages torch.einsum for concise tensor operations.</a:t>
+              <a:t>Maximum Similarity Selection: Selects the highest similarity score for each query token.</a:t>
             </a:r>
           </a:p>
           <a:p>
@@ -3661,15 +3630,7 @@
               <a:defRPr sz="1800" b="1"/>
             </a:pPr>
             <a:r>
-              <a:t>Scaling:  Combines with ANN and candidate selection for handling billions of documents.</a:t>
-            </a:r>
-          </a:p>
-          <a:p>
-            <a:pPr>
-              <a:defRPr sz="1800" b="1"/>
-            </a:pPr>
-            <a:r>
-              <a:t>Hamming Distance: Can use Hamming distance instead of dot product for similarity.</a:t>
+              <a:t>Summation: Aggregates the maximum scores for a final document score.</a:t>
             </a:r>
           </a:p>
         </p:txBody>
@@ -3723,7 +3684,7 @@
               </a:defRPr>
             </a:pPr>
             <a:r>
-              <a:t>Computational Cost Analysis of Retrieval Methods</a:t>
+              <a:t>Early vs. Late Interaction: A Comparison</a:t>
             </a:r>
           </a:p>
         </p:txBody>
@@ -3751,19 +3712,145 @@
           <a:lstStyle/>
           <a:p/>
           <a:p>
-            <a:pPr lvl="2">
-              <a:defRPr sz="1200" b="1"/>
+            <a:pPr>
+              <a:defRPr sz="1800"/>
+            </a:pPr>
+            <a:r>
+              <a:t>Early interaction processes queries and documents together throughout the model, capturing rich semantic understanding but at high computational cost.  Late interaction generates embeddings independently and compares them at retrieval time, trading some semantic richness for significant speed and scalability.</a:t>
+            </a:r>
+          </a:p>
+          <a:p>
+            <a:pPr lvl="1">
+              <a:defRPr sz="1800"/>
+            </a:pPr>
+            <a:r>
+              <a:t>Early Interaction: Rich semantic understanding, high computational cost.</a:t>
+            </a:r>
+          </a:p>
+          <a:p>
+            <a:pPr lvl="1">
+              <a:defRPr sz="1800"/>
+            </a:pPr>
+            <a:r>
+              <a:t>Late Interaction: Efficient retrieval, potential loss of subtle semantic nuances.</a:t>
+            </a:r>
+          </a:p>
+          <a:p>
+            <a:pPr lvl="1">
+              <a:defRPr sz="1800"/>
+            </a:pPr>
+            <a:r>
+              <a:t>Application-Specific Choice: The best approach depends on the application's priorities.</a:t>
+            </a:r>
+          </a:p>
+          <a:p>
+            <a:pPr>
+              <a:defRPr sz="1800" b="1"/>
+            </a:pPr>
+            <a:r>
+              <a:t>Early Interaction: Rich semantic understanding, high computational cost.</a:t>
+            </a:r>
+          </a:p>
+          <a:p>
+            <a:pPr>
+              <a:defRPr sz="1800" b="1"/>
+            </a:pPr>
+            <a:r>
+              <a:t>Late Interaction: Efficient retrieval, potential loss of subtle semantic nuances.</a:t>
+            </a:r>
+          </a:p>
+          <a:p>
+            <a:pPr>
+              <a:defRPr sz="1800" b="1"/>
+            </a:pPr>
+            <a:r>
+              <a:t>Application-Specific Choice: The best approach depends on the application's priorities.</a:t>
+            </a:r>
+          </a:p>
+        </p:txBody>
+      </p:sp>
+    </p:spTree>
+  </p:cSld>
+  <p:clrMapOvr>
+    <a:masterClrMapping/>
+  </p:clrMapOvr>
+</p:sld>
+</file>
+
+<file path=ppt/slides/slide14.xml><?xml version="1.0" encoding="utf-8"?>
+<p:sld xmlns:a="http://schemas.openxmlformats.org/drawingml/2006/main" xmlns:p="http://schemas.openxmlformats.org/presentationml/2006/main" xmlns:r="http://schemas.openxmlformats.org/officeDocument/2006/relationships">
+  <p:cSld>
+    <p:spTree>
+      <p:nvGrpSpPr>
+        <p:cNvPr id="1" name=""/>
+        <p:cNvGrpSpPr/>
+        <p:nvPr/>
+      </p:nvGrpSpPr>
+      <p:grpSpPr/>
+      <p:sp>
+        <p:nvSpPr>
+          <p:cNvPr id="2" name="TextBox 1"/>
+          <p:cNvSpPr txBox="1"/>
+          <p:nvPr/>
+        </p:nvSpPr>
+        <p:spPr>
+          <a:xfrm>
+            <a:off x="457200" y="457200"/>
+            <a:ext cx="8229600" cy="914400"/>
+          </a:xfrm>
+          <a:prstGeom prst="rect">
+            <a:avLst/>
+          </a:prstGeom>
+          <a:noFill/>
+        </p:spPr>
+        <p:txBody>
+          <a:bodyPr wrap="square">
+            <a:spAutoFit/>
+          </a:bodyPr>
+          <a:lstStyle/>
+          <a:p/>
+          <a:p>
+            <a:pPr algn="ctr">
+              <a:defRPr sz="3200" b="1">
+                <a:solidFill>
+                  <a:srgbClr val="003366"/>
+                </a:solidFill>
+              </a:defRPr>
             </a:pPr>
             <a:r>
               <a:t>Computational Cost Analysis of Retrieval Methods</a:t>
             </a:r>
           </a:p>
-          <a:p>
-            <a:pPr>
-              <a:defRPr sz="1800"/>
-            </a:pPr>
-            <a:r>
-              <a:t>Efficient retrieval is crucial for large language models.  Naive approaches are computationally infeasible for massive datasets. Strategies like bag-of-vectors, ANN, and phased retrieval are used to optimize speed and resource usage.</a:t>
+        </p:txBody>
+      </p:sp>
+      <p:sp>
+        <p:nvSpPr>
+          <p:cNvPr id="3" name="TextBox 2"/>
+          <p:cNvSpPr txBox="1"/>
+          <p:nvPr/>
+        </p:nvSpPr>
+        <p:spPr>
+          <a:xfrm>
+            <a:off x="457200" y="1371600"/>
+            <a:ext cx="8229600" cy="4572000"/>
+          </a:xfrm>
+          <a:prstGeom prst="rect">
+            <a:avLst/>
+          </a:prstGeom>
+          <a:noFill/>
+        </p:spPr>
+        <p:txBody>
+          <a:bodyPr wrap="square">
+            <a:spAutoFit/>
+          </a:bodyPr>
+          <a:lstStyle/>
+          <a:p/>
+          <a:p>
+            <a:pPr>
+              <a:defRPr sz="1800"/>
+            </a:pPr>
+            <a:r>
+              <a:t>Efficient retrieval is crucial for LLMs.  Naive approaches are infeasible for large datasets.  Strategies like bag-of-vectors (ColBERT) and approximate nearest neighbor search (ANN) improve efficiency.  Phased retrieval (ANN followed by refined ranking) balances speed and accuracy.</a:t>
             </a:r>
           </a:p>
           <a:p>
@@ -3771,7 +3858,7 @@
               <a:defRPr sz="1800"/>
             </a:pPr>
             <a:r>
-              <a:t>Bag-of-Vectors: Improves accuracy and speed over single-vector methods but increases storage and computation.</a:t>
+              <a:t>Bag-of-Vectors: Improves accuracy and speed but increases storage and computation.</a:t>
             </a:r>
           </a:p>
           <a:p>
@@ -3779,7 +3866,7 @@
               <a:defRPr sz="1800"/>
             </a:pPr>
             <a:r>
-              <a:t>ANN:  Provides speedup but sacrifices some accuracy.</a:t>
+              <a:t>Approximate Nearest Neighbor Search (ANN): Significantly speeds up retrieval but might slightly decrease accuracy.</a:t>
             </a:r>
           </a:p>
           <a:p>
@@ -3787,7 +3874,7 @@
               <a:defRPr sz="1800"/>
             </a:pPr>
             <a:r>
-              <a:t>Phased Retrieval:  Combines ANN for fast candidate selection with more precise ranking methods.</a:t>
+              <a:t>Phased Retrieval: Combines speed and accuracy for optimal performance.</a:t>
             </a:r>
           </a:p>
           <a:p>
@@ -3795,7 +3882,7 @@
               <a:defRPr sz="1800" b="1"/>
             </a:pPr>
             <a:r>
-              <a:t>Bag-of-Vectors: Improves accuracy and speed over single-vector methods but increases storage and computation.</a:t>
+              <a:t>Bag-of-Vectors: Improves accuracy and speed but increases storage and computation.</a:t>
             </a:r>
           </a:p>
           <a:p>
@@ -3803,7 +3890,7 @@
               <a:defRPr sz="1800" b="1"/>
             </a:pPr>
             <a:r>
-              <a:t>ANN:  Provides speedup but sacrifices some accuracy.</a:t>
+              <a:t>Approximate Nearest Neighbor Search (ANN): Significantly speeds up retrieval but might slightly decrease accuracy.</a:t>
             </a:r>
           </a:p>
           <a:p>
@@ -3811,7 +3898,7 @@
               <a:defRPr sz="1800" b="1"/>
             </a:pPr>
             <a:r>
-              <a:t>Phased Retrieval:  Combines ANN for fast candidate selection with more precise ranking methods.</a:t>
+              <a:t>Phased Retrieval: Combines speed and accuracy for optimal performance.</a:t>
             </a:r>
           </a:p>
         </p:txBody>
@@ -3893,19 +3980,11 @@
           <a:lstStyle/>
           <a:p/>
           <a:p>
-            <a:pPr lvl="2">
-              <a:defRPr sz="1200" b="1"/>
-            </a:pPr>
-            <a:r>
-              <a:t>Understanding Multi-Vector Embeddings</a:t>
-            </a:r>
-          </a:p>
-          <a:p>
-            <a:pPr>
-              <a:defRPr sz="1800"/>
-            </a:pPr>
-            <a:r>
-              <a:t>Imagine searching for 'red apples'. A single-vector embedding struggles to capture both 'red' and 'apples' effectively.  A multi-vector approach uses separate vectors for 'red' and 'apples', allowing for better query matching. Each vector in the 'bag' represents a distinct feature (word, phrase, image patch).</a:t>
+            <a:pPr>
+              <a:defRPr sz="1800"/>
+            </a:pPr>
+            <a:r>
+              <a:t>Imagine searching for 'red apples'. A single-vector embedding might struggle to represent both 'red' and 'apples' effectively. A multi-vector approach would use separate vectors for 'red' and 'apples', enabling more accurate matching. Each vector in the 'bag' represents a distinct feature (word, phrase, image patch).  The combined representation provides a richer understanding than a single vector.</a:t>
             </a:r>
           </a:p>
           <a:p>
@@ -3913,7 +3992,7 @@
               <a:defRPr sz="1800"/>
             </a:pPr>
             <a:r>
-              <a:t>Example:  'The apple is sweet and crisp' becomes separate embeddings for 'the', 'apple', 'is', 'sweet', 'and', 'crisp'.</a:t>
+              <a:t>Multiple Vectors: Each captures a specific aspect or feature.</a:t>
             </a:r>
           </a:p>
           <a:p>
@@ -3921,7 +4000,15 @@
               <a:defRPr sz="1800"/>
             </a:pPr>
             <a:r>
-              <a:t>Improved Precision: Enables matching queries like 'sweet apples' by comparing to individual word embeddings.</a:t>
+              <a:t>Enhanced Precision: Improves matching accuracy in searches.</a:t>
+            </a:r>
+          </a:p>
+          <a:p>
+            <a:pPr lvl="1">
+              <a:defRPr sz="1800"/>
+            </a:pPr>
+            <a:r>
+              <a:t>Contextual Understanding: Better captures relationships between different elements.</a:t>
             </a:r>
           </a:p>
           <a:p>
@@ -3929,7 +4016,7 @@
               <a:defRPr sz="1800" b="1"/>
             </a:pPr>
             <a:r>
-              <a:t>Example:  'The apple is sweet and crisp' becomes separate embeddings for 'the', 'apple', 'is', 'sweet', 'and', 'crisp'.</a:t>
+              <a:t>Multiple Vectors: Each captures a specific aspect or feature.</a:t>
             </a:r>
           </a:p>
           <a:p>
@@ -3937,7 +4024,15 @@
               <a:defRPr sz="1800" b="1"/>
             </a:pPr>
             <a:r>
-              <a:t>Improved Precision: Enables matching queries like 'sweet apples' by comparing to individual word embeddings.</a:t>
+              <a:t>Enhanced Precision: Improves matching accuracy in searches.</a:t>
+            </a:r>
+          </a:p>
+          <a:p>
+            <a:pPr>
+              <a:defRPr sz="1800" b="1"/>
+            </a:pPr>
+            <a:r>
+              <a:t>Contextual Understanding: Better captures relationships between different elements.</a:t>
             </a:r>
           </a:p>
         </p:txBody>
@@ -3991,7 +4086,7 @@
               </a:defRPr>
             </a:pPr>
             <a:r>
-              <a:t>Multi-Vector Embeddings: Textual and Visual Examples</a:t>
+              <a:t>Textual Multi-Vector Embeddings: Example</a:t>
             </a:r>
           </a:p>
         </p:txBody>
@@ -4019,19 +4114,35 @@
           <a:lstStyle/>
           <a:p/>
           <a:p>
-            <a:pPr lvl="2">
-              <a:defRPr sz="1200" b="1"/>
-            </a:pPr>
-            <a:r>
-              <a:t>Examples: Textual and Visual Multi-Vector Embeddings</a:t>
-            </a:r>
-          </a:p>
-          <a:p>
-            <a:pPr>
-              <a:defRPr sz="1800"/>
-            </a:pPr>
-            <a:r>
-              <a:t>Textual Embeddings:  A sentence like "The apple is sweet and crisp" is represented by individual word embeddings, improving query matching accuracy.  Queries like "sweet apples" can effectively match against the individual word vectors.</a:t>
+            <a:pPr>
+              <a:defRPr sz="1800"/>
+            </a:pPr>
+            <a:r>
+              <a:t>Consider the sentence: 'The apple is sweet and crisp'.  A multi-vector approach creates separate embeddings for each word ('the', 'apple', 'is', 'sweet', 'and', 'crisp'). These word embeddings are combined to represent the sentence.  This allows precise matching with queries like 'sweet apples', comparing the query embedding to individual word embeddings.</a:t>
+            </a:r>
+          </a:p>
+          <a:p>
+            <a:pPr lvl="1">
+              <a:defRPr sz="1800"/>
+            </a:pPr>
+            <a:r>
+              <a:t>Token-Level Embeddings:  Individual word or sub-word embeddings.</a:t>
+            </a:r>
+          </a:p>
+          <a:p>
+            <a:pPr lvl="1">
+              <a:defRPr sz="1800"/>
+            </a:pPr>
+            <a:r>
+              <a:t>Precise Matching: Enables more accurate retrieval of relevant information.</a:t>
+            </a:r>
+          </a:p>
+          <a:p>
+            <a:pPr lvl="1">
+              <a:defRPr sz="1800"/>
+            </a:pPr>
+            <a:r>
+              <a:t>Contextual Information Retention: Preserves word relationships and meaning.</a:t>
             </a:r>
           </a:p>
           <a:p>
@@ -4039,15 +4150,7 @@
               <a:defRPr sz="1800" b="1"/>
             </a:pPr>
             <a:r>
-              <a:t>Textual Embeddings:  A sentence like "The apple is sweet and crisp" is represented by individual word embeddings, improving query matching accuracy.  Queries like "sweet apples" can effectively match against the individual word vectors.</a:t>
-            </a:r>
-          </a:p>
-          <a:p>
-            <a:pPr>
-              <a:defRPr sz="1800"/>
-            </a:pPr>
-            <a:r>
-              <a:t>Visual Embeddings (ColPali):  ColPali extends this to images (e.g., from PDFs). Images are divided into patches, each generating a vector embedding.  These, combined with textual instructions, form a multi-vector image representation.  This enables visual content-based retrieval even without OCR.</a:t>
+              <a:t>Token-Level Embeddings:  Individual word or sub-word embeddings.</a:t>
             </a:r>
           </a:p>
           <a:p>
@@ -4055,7 +4158,15 @@
               <a:defRPr sz="1800" b="1"/>
             </a:pPr>
             <a:r>
-              <a:t>Visual Embeddings (ColPali):  ColPali extends this to images (e.g., from PDFs). Images are divided into patches, each generating a vector embedding.  These, combined with textual instructions, form a multi-vector image representation.  This enables visual content-based retrieval even without OCR.</a:t>
+              <a:t>Precise Matching: Enables more accurate retrieval of relevant information.</a:t>
+            </a:r>
+          </a:p>
+          <a:p>
+            <a:pPr>
+              <a:defRPr sz="1800" b="1"/>
+            </a:pPr>
+            <a:r>
+              <a:t>Contextual Information Retention: Preserves word relationships and meaning.</a:t>
             </a:r>
           </a:p>
         </p:txBody>
@@ -4109,7 +4220,7 @@
               </a:defRPr>
             </a:pPr>
             <a:r>
-              <a:t>Benefits of Multi-Vector Embeddings</a:t>
+              <a:t>Visual Multi-Vector Embeddings (ColPali)</a:t>
             </a:r>
           </a:p>
         </p:txBody>
@@ -4137,11 +4248,11 @@
           <a:lstStyle/>
           <a:p/>
           <a:p>
-            <a:pPr lvl="2">
-              <a:defRPr sz="1200" b="1"/>
-            </a:pPr>
-            <a:r>
-              <a:t>Benefits of Multi-Vector Embeddings</a:t>
+            <a:pPr>
+              <a:defRPr sz="1800"/>
+            </a:pPr>
+            <a:r>
+              <a:t>ColPali extends multi-vector embeddings to visual data. It processes images (e.g., from PDFs) by dividing them into patches and generating a vector embedding for each.  These patch embeddings, along with embeddings for textual instructions (e.g., 'Describe the image'), create a multi-vector representation. This enables retrieval based on visual content, even without OCR.</a:t>
             </a:r>
           </a:p>
           <a:p>
@@ -4149,7 +4260,7 @@
               <a:defRPr sz="1800"/>
             </a:pPr>
             <a:r>
-              <a:t>Improved Retrieval Accuracy:  Richer representation leads to more precise matching.</a:t>
+              <a:t>Image Patch Embeddings: Vectors representing different parts of an image.</a:t>
             </a:r>
           </a:p>
           <a:p>
@@ -4157,7 +4268,7 @@
               <a:defRPr sz="1800"/>
             </a:pPr>
             <a:r>
-              <a:t>Reduced Retrieval Latency: Efficient algorithms find relevant documents faster.</a:t>
+              <a:t>Vision-Language Integration: Combines visual and textual information.</a:t>
             </a:r>
           </a:p>
           <a:p>
@@ -4165,15 +4276,7 @@
               <a:defRPr sz="1800"/>
             </a:pPr>
             <a:r>
-              <a:t>Reduced Computation Cost: Focus on relevant parts reduces processing time.</a:t>
-            </a:r>
-          </a:p>
-          <a:p>
-            <a:pPr lvl="1">
-              <a:defRPr sz="1800"/>
-            </a:pPr>
-            <a:r>
-              <a:t>Handling Diverse Data Modalities:  Easily incorporates text and visual information.</a:t>
+              <a:t>OCR-Free Retrieval: Enables efficient search without text extraction.</a:t>
             </a:r>
           </a:p>
           <a:p>
@@ -4181,7 +4284,7 @@
               <a:defRPr sz="1800" b="1"/>
             </a:pPr>
             <a:r>
-              <a:t>Improved Retrieval Accuracy:  Richer representation leads to more precise matching.</a:t>
+              <a:t>Image Patch Embeddings: Vectors representing different parts of an image.</a:t>
             </a:r>
           </a:p>
           <a:p>
@@ -4189,7 +4292,7 @@
               <a:defRPr sz="1800" b="1"/>
             </a:pPr>
             <a:r>
-              <a:t>Reduced Retrieval Latency: Efficient algorithms find relevant documents faster.</a:t>
+              <a:t>Vision-Language Integration: Combines visual and textual information.</a:t>
             </a:r>
           </a:p>
           <a:p>
@@ -4197,15 +4300,7 @@
               <a:defRPr sz="1800" b="1"/>
             </a:pPr>
             <a:r>
-              <a:t>Reduced Computation Cost: Focus on relevant parts reduces processing time.</a:t>
-            </a:r>
-          </a:p>
-          <a:p>
-            <a:pPr>
-              <a:defRPr sz="1800" b="1"/>
-            </a:pPr>
-            <a:r>
-              <a:t>Handling Diverse Data Modalities:  Easily incorporates text and visual information.</a:t>
+              <a:t>OCR-Free Retrieval: Enables efficient search without text extraction.</a:t>
             </a:r>
           </a:p>
         </p:txBody>
@@ -4259,7 +4354,7 @@
               </a:defRPr>
             </a:pPr>
             <a:r>
-              <a:t>Similarity Calculation: MaxSim</a:t>
+              <a:t>Benefits of Multi-Vector Embeddings</a:t>
             </a:r>
           </a:p>
         </p:txBody>
@@ -4287,19 +4382,11 @@
           <a:lstStyle/>
           <a:p/>
           <a:p>
-            <a:pPr lvl="2">
-              <a:defRPr sz="1200" b="1"/>
-            </a:pPr>
-            <a:r>
-              <a:t>Similarity Calculation: MaxSim</a:t>
-            </a:r>
-          </a:p>
-          <a:p>
-            <a:pPr>
-              <a:defRPr sz="1800"/>
-            </a:pPr>
-            <a:r>
-              <a:t>MaxSim compares query embeddings to document embeddings by finding the maximum similarity between each query vector and all vectors within the document's multi-vector representation.  A perfect match of even a single element yields a high relevance score.</a:t>
+            <a:pPr>
+              <a:defRPr sz="1800"/>
+            </a:pPr>
+            <a:r>
+              <a:t>Multi-vector embeddings offer several key advantages:</a:t>
             </a:r>
           </a:p>
           <a:p>
@@ -4307,7 +4394,7 @@
               <a:defRPr sz="1800"/>
             </a:pPr>
             <a:r>
-              <a:t>Efficiency: Focuses on the most relevant parts of the document.</a:t>
+              <a:t>Improved Retrieval Accuracy:  More precise matching due to richer document representation.</a:t>
             </a:r>
           </a:p>
           <a:p>
@@ -4315,7 +4402,23 @@
               <a:defRPr sz="1800"/>
             </a:pPr>
             <a:r>
-              <a:t>Accuracy: Captures even small but precise matches.</a:t>
+              <a:t>Reduced Retrieval Latency:  Efficient algorithms for faster search.</a:t>
+            </a:r>
+          </a:p>
+          <a:p>
+            <a:pPr lvl="1">
+              <a:defRPr sz="1800"/>
+            </a:pPr>
+            <a:r>
+              <a:t>Reduced Computation Cost: Processing relevant parts reduces overall computational burden.</a:t>
+            </a:r>
+          </a:p>
+          <a:p>
+            <a:pPr lvl="1">
+              <a:defRPr sz="1800"/>
+            </a:pPr>
+            <a:r>
+              <a:t>Handling Diverse Data Modalities:  Easily incorporates text and visual information.</a:t>
             </a:r>
           </a:p>
           <a:p>
@@ -4323,7 +4426,7 @@
               <a:defRPr sz="1800" b="1"/>
             </a:pPr>
             <a:r>
-              <a:t>Efficiency: Focuses on the most relevant parts of the document.</a:t>
+              <a:t>Improved Retrieval Accuracy:  More precise matching due to richer document representation.</a:t>
             </a:r>
           </a:p>
           <a:p>
@@ -4331,7 +4434,23 @@
               <a:defRPr sz="1800" b="1"/>
             </a:pPr>
             <a:r>
-              <a:t>Accuracy: Captures even small but precise matches.</a:t>
+              <a:t>Reduced Retrieval Latency:  Efficient algorithms for faster search.</a:t>
+            </a:r>
+          </a:p>
+          <a:p>
+            <a:pPr>
+              <a:defRPr sz="1800" b="1"/>
+            </a:pPr>
+            <a:r>
+              <a:t>Reduced Computation Cost: Processing relevant parts reduces overall computational burden.</a:t>
+            </a:r>
+          </a:p>
+          <a:p>
+            <a:pPr>
+              <a:defRPr sz="1800" b="1"/>
+            </a:pPr>
+            <a:r>
+              <a:t>Handling Diverse Data Modalities:  Easily incorporates text and visual information.</a:t>
             </a:r>
           </a:p>
         </p:txBody>
@@ -4385,7 +4504,7 @@
               </a:defRPr>
             </a:pPr>
             <a:r>
-              <a:t>Efficient Search: Approximate Nearest Neighbor Search (ANN)</a:t>
+              <a:t>Similarity Calculation (MaxSim)</a:t>
             </a:r>
           </a:p>
         </p:txBody>
@@ -4413,19 +4532,11 @@
           <a:lstStyle/>
           <a:p/>
           <a:p>
-            <a:pPr lvl="2">
-              <a:defRPr sz="1200" b="1"/>
-            </a:pPr>
-            <a:r>
-              <a:t>Approximate Nearest Neighbor Search (ANN)</a:t>
-            </a:r>
-          </a:p>
-          <a:p>
-            <a:pPr>
-              <a:defRPr sz="1800"/>
-            </a:pPr>
-            <a:r>
-              <a:t>ANN techniques efficiently search large multi-vector embedding datasets. They quickly identify the most similar documents without exhaustive comparisons.  HNSW indexing is a commonly used and effective ANN method.</a:t>
+            <a:pPr>
+              <a:defRPr sz="1800"/>
+            </a:pPr>
+            <a:r>
+              <a:t>The MaxSim function is crucial for comparing query and document embeddings. It calculates the maximum similarity between each query vector and all vectors within the document's representation.  Even a single perfect match ensures high relevance.</a:t>
             </a:r>
           </a:p>
           <a:p>
@@ -4433,7 +4544,7 @@
               <a:defRPr sz="1800"/>
             </a:pPr>
             <a:r>
-              <a:t>Scalability: Enables efficient search in massive datasets.</a:t>
+              <a:t>Maximum Similarity: Selects the highest similarity score between any query and document vector pair.</a:t>
             </a:r>
           </a:p>
           <a:p>
@@ -4441,7 +4552,15 @@
               <a:defRPr sz="1800"/>
             </a:pPr>
             <a:r>
-              <a:t>Speed: Significantly reduces search time compared to brute-force methods.</a:t>
+              <a:t>Efficient Comparison:  Focuses on the most relevant parts for faster processing.</a:t>
+            </a:r>
+          </a:p>
+          <a:p>
+            <a:pPr lvl="1">
+              <a:defRPr sz="1800"/>
+            </a:pPr>
+            <a:r>
+              <a:t>Robust Matching: Ensures high relevance even with partial matches.</a:t>
             </a:r>
           </a:p>
           <a:p>
@@ -4449,7 +4568,7 @@
               <a:defRPr sz="1800" b="1"/>
             </a:pPr>
             <a:r>
-              <a:t>Scalability: Enables efficient search in massive datasets.</a:t>
+              <a:t>Maximum Similarity: Selects the highest similarity score between any query and document vector pair.</a:t>
             </a:r>
           </a:p>
           <a:p>
@@ -4457,7 +4576,15 @@
               <a:defRPr sz="1800" b="1"/>
             </a:pPr>
             <a:r>
-              <a:t>Speed: Significantly reduces search time compared to brute-force methods.</a:t>
+              <a:t>Efficient Comparison:  Focuses on the most relevant parts for faster processing.</a:t>
+            </a:r>
+          </a:p>
+          <a:p>
+            <a:pPr>
+              <a:defRPr sz="1800" b="1"/>
+            </a:pPr>
+            <a:r>
+              <a:t>Robust Matching: Ensures high relevance even with partial matches.</a:t>
             </a:r>
           </a:p>
         </p:txBody>
@@ -4511,7 +4638,7 @@
               </a:defRPr>
             </a:pPr>
             <a:r>
-              <a:t>ColBERT Architecture Overview</a:t>
+              <a:t>Approximate Nearest Neighbor Search (ANN)</a:t>
             </a:r>
           </a:p>
         </p:txBody>
@@ -4539,19 +4666,11 @@
           <a:lstStyle/>
           <a:p/>
           <a:p>
-            <a:pPr lvl="2">
-              <a:defRPr sz="1200" b="1"/>
-            </a:pPr>
-            <a:r>
-              <a:t>ColBERT Architecture Overview</a:t>
-            </a:r>
-          </a:p>
-          <a:p>
-            <a:pPr>
-              <a:defRPr sz="1800"/>
-            </a:pPr>
-            <a:r>
-              <a:t>ColBERT uses pre-trained transformer models (like BERT) to generate rich token embeddings for documents.  Unlike single-vector approaches, it uses a bag-of-token vectors, capturing context more effectively. Its 'late interaction' approach compares queries and documents only during retrieval, enhancing efficiency.</a:t>
+            <a:pPr>
+              <a:defRPr sz="1800"/>
+            </a:pPr>
+            <a:r>
+              <a:t>To efficiently search large datasets, approximate nearest neighbor search (ANN) techniques are used.  These methods quickly identify the most similar documents without exhaustive comparisons. HNSW (Hierarchical Navigable Small World) is a commonly used ANN method.</a:t>
             </a:r>
           </a:p>
           <a:p>
@@ -4559,7 +4678,7 @@
               <a:defRPr sz="1800"/>
             </a:pPr>
             <a:r>
-              <a:t>Multi-vector Embeddings:  Documents and queries are represented as collections of token embeddings.</a:t>
+              <a:t>Speed and Efficiency:  Quickly finds the most similar documents.</a:t>
             </a:r>
           </a:p>
           <a:p>
@@ -4567,7 +4686,7 @@
               <a:defRPr sz="1800"/>
             </a:pPr>
             <a:r>
-              <a:t>Late Interaction: Query-document comparison during retrieval for efficiency.</a:t>
+              <a:t>Scalability: Handles large datasets efficiently.</a:t>
             </a:r>
           </a:p>
           <a:p>
@@ -4575,7 +4694,7 @@
               <a:defRPr sz="1800"/>
             </a:pPr>
             <a:r>
-              <a:t>MaxSim Scoring:  Selects maximum similarity between query-document token pairs.</a:t>
+              <a:t>Approximation:  Trades slight accuracy for significant speed improvements.</a:t>
             </a:r>
           </a:p>
           <a:p>
@@ -4583,7 +4702,7 @@
               <a:defRPr sz="1800" b="1"/>
             </a:pPr>
             <a:r>
-              <a:t>Multi-vector Embeddings:  Documents and queries are represented as collections of token embeddings.</a:t>
+              <a:t>Speed and Efficiency:  Quickly finds the most similar documents.</a:t>
             </a:r>
           </a:p>
           <a:p>
@@ -4591,7 +4710,7 @@
               <a:defRPr sz="1800" b="1"/>
             </a:pPr>
             <a:r>
-              <a:t>Late Interaction: Query-document comparison during retrieval for efficiency.</a:t>
+              <a:t>Scalability: Handles large datasets efficiently.</a:t>
             </a:r>
           </a:p>
           <a:p>
@@ -4599,7 +4718,7 @@
               <a:defRPr sz="1800" b="1"/>
             </a:pPr>
             <a:r>
-              <a:t>MaxSim Scoring:  Selects maximum similarity between query-document token pairs.</a:t>
+              <a:t>Approximation:  Trades slight accuracy for significant speed improvements.</a:t>
             </a:r>
           </a:p>
         </p:txBody>
@@ -4653,7 +4772,7 @@
               </a:defRPr>
             </a:pPr>
             <a:r>
-              <a:t>How ColBERT Works: A Step-by-Step Guide</a:t>
+              <a:t>ColBERT Architecture Overview</a:t>
             </a:r>
           </a:p>
         </p:txBody>
@@ -4681,11 +4800,35 @@
           <a:lstStyle/>
           <a:p/>
           <a:p>
-            <a:pPr lvl="2">
-              <a:defRPr sz="1200" b="1"/>
-            </a:pPr>
-            <a:r>
-              <a:t>How ColBERT Works</a:t>
+            <a:pPr>
+              <a:defRPr sz="1800"/>
+            </a:pPr>
+            <a:r>
+              <a:t>ColBERT is a technique for efficient and accurate textual document retrieval.  It uses pre-trained transformer models (like BERT) to generate embeddings for each token.  Instead of a single document vector, it uses a bag-of-token vectors, improving context capture.  Its 'late interaction' approach compares query and document embeddings only at retrieval time, enhancing efficiency.</a:t>
+            </a:r>
+          </a:p>
+          <a:p>
+            <a:pPr lvl="1">
+              <a:defRPr sz="1800"/>
+            </a:pPr>
+            <a:r>
+              <a:t>Bag-of-Token Vectors: Represents documents as a collection of token embeddings.</a:t>
+            </a:r>
+          </a:p>
+          <a:p>
+            <a:pPr lvl="1">
+              <a:defRPr sz="1800"/>
+            </a:pPr>
+            <a:r>
+              <a:t>Late Interaction: Improves efficiency by delaying comparisons until retrieval time.</a:t>
+            </a:r>
+          </a:p>
+          <a:p>
+            <a:pPr lvl="1">
+              <a:defRPr sz="1800"/>
+            </a:pPr>
+            <a:r>
+              <a:t>MaxSim Scoring: Selects the highest similarity score between query and document token pairs.</a:t>
             </a:r>
           </a:p>
           <a:p>
@@ -4693,7 +4836,7 @@
               <a:defRPr sz="1800" b="1"/>
             </a:pPr>
             <a:r>
-              <a:t>Indexing:  Documents are processed offline, and token embeddings are stored.</a:t>
+              <a:t>Bag-of-Token Vectors: Represents documents as a collection of token embeddings.</a:t>
             </a:r>
           </a:p>
           <a:p>
@@ -4701,7 +4844,7 @@
               <a:defRPr sz="1800" b="1"/>
             </a:pPr>
             <a:r>
-              <a:t>Query Encoding:  Query tokens are embedded using the same model.</a:t>
+              <a:t>Late Interaction: Improves efficiency by delaying comparisons until retrieval time.</a:t>
             </a:r>
           </a:p>
           <a:p>
@@ -4709,31 +4852,7 @@
               <a:defRPr sz="1800" b="1"/>
             </a:pPr>
             <a:r>
-              <a:t>Similarity Calculation:  Similarity between query and document tokens is computed.</a:t>
-            </a:r>
-          </a:p>
-          <a:p>
-            <a:pPr>
-              <a:defRPr sz="1800" b="1"/>
-            </a:pPr>
-            <a:r>
-              <a:t>MaxSim Selection:  Maximum similarity for each query token is selected.</a:t>
-            </a:r>
-          </a:p>
-          <a:p>
-            <a:pPr>
-              <a:defRPr sz="1800" b="1"/>
-            </a:pPr>
-            <a:r>
-              <a:t>Aggregation:  Maximum similarities are summed for a final document score.</a:t>
-            </a:r>
-          </a:p>
-          <a:p>
-            <a:pPr>
-              <a:defRPr sz="1800" b="1"/>
-            </a:pPr>
-            <a:r>
-              <a:t>Ranking:  Documents are ranked based on scores.</a:t>
+              <a:t>MaxSim Scoring: Selects the highest similarity score between query and document token pairs.</a:t>
             </a:r>
           </a:p>
         </p:txBody>
@@ -4787,7 +4906,7 @@
               </a:defRPr>
             </a:pPr>
             <a:r>
-              <a:t>ColBERT vs. Traditional Methods</a:t>
+              <a:t>How ColBERT Works: Step-by-Step</a:t>
             </a:r>
           </a:p>
         </p:txBody>
@@ -4815,35 +4934,11 @@
           <a:lstStyle/>
           <a:p/>
           <a:p>
-            <a:pPr lvl="2">
-              <a:defRPr sz="1200" b="1"/>
-            </a:pPr>
-            <a:r>
-              <a:t>ColBERT vs. Traditional Methods</a:t>
-            </a:r>
-          </a:p>
-          <a:p>
-            <a:pPr>
-              <a:defRPr sz="1800"/>
-            </a:pPr>
-            <a:r>
-              <a:t>Traditional methods use single-vector representations, losing contextual information. ColBERT's multi-vector approach captures this context, improving accuracy.  Late interaction makes ColBERT significantly more efficient.</a:t>
-            </a:r>
-          </a:p>
-          <a:p>
-            <a:pPr lvl="1">
-              <a:defRPr sz="1800"/>
-            </a:pPr>
-            <a:r>
-              <a:t>Improved Accuracy:  Captures richer contextual information.</a:t>
-            </a:r>
-          </a:p>
-          <a:p>
-            <a:pPr lvl="1">
-              <a:defRPr sz="1800"/>
-            </a:pPr>
-            <a:r>
-              <a:t>Increased Efficiency:  Late interaction reduces computational overhead.</a:t>
+            <a:pPr>
+              <a:defRPr sz="1800"/>
+            </a:pPr>
+            <a:r>
+              <a:t>1. Indexing: Documents are processed, and token embeddings are stored. 2. Query Encoding: Query tokens are embedded using the same model. 3. Similarity Calculation: Similarity (e.g., dot product) between query and document tokens is computed. 4. MaxSim Selection: Maximum similarity for each query token is chosen. 5. Aggregation: Maximum similarity scores are summed for the final document score. 6. Ranking: Documents are ranked by their scores.</a:t>
             </a:r>
           </a:p>
           <a:p>
@@ -4851,7 +4946,7 @@
               <a:defRPr sz="1800" b="1"/>
             </a:pPr>
             <a:r>
-              <a:t>Improved Accuracy:  Captures richer contextual information.</a:t>
+              <a:t>1. Indexing: Documents are processed, and token embeddings are stored. 2. Query Encoding: Query tokens are embedded using the same model. 3. Similarity Calculation: Similarity (e.g., dot product) between query and document tokens is computed. 4. MaxSim Selection: Maximum similarity for each query token is chosen. 5. Aggregation: Maximum similarity scores are summed for the final document score. 6. Ranking: Documents are ranked by their scores.</a:t>
             </a:r>
           </a:p>
           <a:p>
@@ -4859,7 +4954,39 @@
               <a:defRPr sz="1800" b="1"/>
             </a:pPr>
             <a:r>
-              <a:t>Increased Efficiency:  Late interaction reduces computational overhead.</a:t>
+              <a:t>1. Indexing: Documents are processed, and token embeddings are stored. 2. Query Encoding: Query tokens are embedded using the same model. 3. Similarity Calculation: Similarity (e.g., dot product) between query and document tokens is computed. 4. MaxSim Selection: Maximum similarity for each query token is chosen. 5. Aggregation: Maximum similarity scores are summed for the final document score. 6. Ranking: Documents are ranked by their scores.</a:t>
+            </a:r>
+          </a:p>
+          <a:p>
+            <a:pPr>
+              <a:defRPr sz="1800" b="1"/>
+            </a:pPr>
+            <a:r>
+              <a:t>1. Indexing: Documents are processed, and token embeddings are stored. 2. Query Encoding: Query tokens are embedded using the same model. 3. Similarity Calculation: Similarity (e.g., dot product) between query and document tokens is computed. 4. MaxSim Selection: Maximum similarity for each query token is chosen. 5. Aggregation: Maximum similarity scores are summed for the final document score. 6. Ranking: Documents are ranked by their scores.</a:t>
+            </a:r>
+          </a:p>
+          <a:p>
+            <a:pPr>
+              <a:defRPr sz="1800" b="1"/>
+            </a:pPr>
+            <a:r>
+              <a:t>1. Indexing: Documents are processed, and token embeddings are stored. 2. Query Encoding: Query tokens are embedded using the same model. 3. Similarity Calculation: Similarity (e.g., dot product) between query and document tokens is computed. 4. MaxSim Selection: Maximum similarity for each query token is chosen. 5. Aggregation: Maximum similarity scores are summed for the final document score. 6. Ranking: Documents are ranked by their scores.</a:t>
+            </a:r>
+          </a:p>
+          <a:p>
+            <a:pPr>
+              <a:defRPr sz="1800" b="1"/>
+            </a:pPr>
+            <a:r>
+              <a:t>1. Indexing: Documents are processed, and token embeddings are stored. 2. Query Encoding: Query tokens are embedded using the same model. 3. Similarity Calculation: Similarity (e.g., dot product) between query and document tokens is computed. 4. MaxSim Selection: Maximum similarity for each query token is chosen. 5. Aggregation: Maximum similarity scores are summed for the final document score. 6. Ranking: Documents are ranked by their scores.</a:t>
+            </a:r>
+          </a:p>
+          <a:p>
+            <a:pPr>
+              <a:defRPr sz="1800" b="1"/>
+            </a:pPr>
+            <a:r>
+              <a:t>1. Indexing: Documents are processed, and token embeddings are stored. 2. Query Encoding: Query tokens are embedded using the same model. 3. Similarity Calculation: Similarity (e.g., dot product) between query and document tokens is computed. 4. MaxSim Selection: Maximum similarity for each query token is chosen. 5. Aggregation: Maximum similarity scores are summed for the final document score. 6. Ranking: Documents are ranked by their scores.</a:t>
             </a:r>
           </a:p>
         </p:txBody>
